--- a/szarnyasg-incqueryd-tdk/presentation/IncQueryD-TDK2013.pptx
+++ b/szarnyasg-incqueryd-tdk/presentation/IncQueryD-TDK2013.pptx
@@ -5,19 +5,23 @@
     <p:sldMasterId id="2147483648" r:id="rId1"/>
   </p:sldMasterIdLst>
   <p:notesMasterIdLst>
-    <p:notesMasterId r:id="rId12"/>
+    <p:notesMasterId r:id="rId16"/>
   </p:notesMasterIdLst>
   <p:sldIdLst>
     <p:sldId id="256" r:id="rId2"/>
     <p:sldId id="258" r:id="rId3"/>
     <p:sldId id="268" r:id="rId4"/>
-    <p:sldId id="269" r:id="rId5"/>
-    <p:sldId id="270" r:id="rId6"/>
-    <p:sldId id="257" r:id="rId7"/>
-    <p:sldId id="260" r:id="rId8"/>
-    <p:sldId id="261" r:id="rId9"/>
-    <p:sldId id="264" r:id="rId10"/>
-    <p:sldId id="263" r:id="rId11"/>
+    <p:sldId id="271" r:id="rId5"/>
+    <p:sldId id="269" r:id="rId6"/>
+    <p:sldId id="272" r:id="rId7"/>
+    <p:sldId id="270" r:id="rId8"/>
+    <p:sldId id="273" r:id="rId9"/>
+    <p:sldId id="274" r:id="rId10"/>
+    <p:sldId id="257" r:id="rId11"/>
+    <p:sldId id="260" r:id="rId12"/>
+    <p:sldId id="261" r:id="rId13"/>
+    <p:sldId id="264" r:id="rId14"/>
+    <p:sldId id="263" r:id="rId15"/>
   </p:sldIdLst>
   <p:sldSz cx="9144000" cy="6858000" type="screen4x3"/>
   <p:notesSz cx="6858000" cy="9144000"/>
@@ -124,12 +128,20 @@
             <p14:sldId id="256"/>
             <p14:sldId id="258"/>
             <p14:sldId id="268"/>
+            <p14:sldId id="271"/>
           </p14:sldIdLst>
         </p14:section>
         <p14:section name="Titan, Cassandra et al." id="{CD95E04E-9D2F-9A4D-B048-307696CE35C3}">
           <p14:sldIdLst>
             <p14:sldId id="269"/>
+            <p14:sldId id="272"/>
             <p14:sldId id="270"/>
+            <p14:sldId id="273"/>
+          </p14:sldIdLst>
+        </p14:section>
+        <p14:section name="Benchmark" id="{40252927-848F-4809-BDF1-B16CF4A3F2FD}">
+          <p14:sldIdLst>
+            <p14:sldId id="274"/>
           </p14:sldIdLst>
         </p14:section>
         <p14:section name="Monitoring and Control" id="{ECB442C3-A139-B04F-B36A-816D82583CDE}">
@@ -807,7 +819,7 @@
             <a:fld id="{A70A3C59-3253-3B42-8BE0-F6D0BA6B0441}" type="slidenum">
               <a:rPr lang="en-US" smtClean="0"/>
               <a:pPr/>
-              <a:t>4</a:t>
+              <a:t>5</a:t>
             </a:fld>
             <a:endParaRPr lang="en-US"/>
           </a:p>
@@ -892,7 +904,7 @@
             <a:fld id="{A70A3C59-3253-3B42-8BE0-F6D0BA6B0441}" type="slidenum">
               <a:rPr lang="en-US" smtClean="0"/>
               <a:pPr/>
-              <a:t>5</a:t>
+              <a:t>7</a:t>
             </a:fld>
             <a:endParaRPr lang="en-US"/>
           </a:p>
@@ -3040,7 +3052,2555 @@
           <a:p>
             <a:r>
               <a:rPr lang="en-US" dirty="0" smtClean="0"/>
-              <a:t>Future ideas</a:t>
+              <a:t>Extended Architecture</a:t>
+            </a:r>
+            <a:endParaRPr lang="en-US" dirty="0"/>
+          </a:p>
+        </p:txBody>
+      </p:sp>
+      <p:cxnSp>
+        <p:nvCxnSpPr>
+          <p:cNvPr id="4" name="Elbow Connector 109"/>
+          <p:cNvCxnSpPr>
+            <a:stCxn id="30" idx="4"/>
+            <a:endCxn id="36" idx="2"/>
+          </p:cNvCxnSpPr>
+          <p:nvPr/>
+        </p:nvCxnSpPr>
+        <p:spPr>
+          <a:xfrm flipV="1">
+            <a:off x="1435067" y="3564940"/>
+            <a:ext cx="232915" cy="1000511"/>
+          </a:xfrm>
+          <a:prstGeom prst="bentConnector2">
+            <a:avLst/>
+          </a:prstGeom>
+          <a:ln w="38100">
+            <a:solidFill>
+              <a:schemeClr val="accent3"/>
+            </a:solidFill>
+            <a:headEnd type="triangle" w="med" len="med"/>
+            <a:tailEnd type="triangle" w="med" len="med"/>
+          </a:ln>
+          <a:effectLst/>
+        </p:spPr>
+        <p:style>
+          <a:lnRef idx="2">
+            <a:schemeClr val="accent1"/>
+          </a:lnRef>
+          <a:fillRef idx="0">
+            <a:schemeClr val="accent1"/>
+          </a:fillRef>
+          <a:effectRef idx="1">
+            <a:schemeClr val="accent1"/>
+          </a:effectRef>
+          <a:fontRef idx="minor">
+            <a:schemeClr val="tx1"/>
+          </a:fontRef>
+        </p:style>
+      </p:cxnSp>
+      <p:cxnSp>
+        <p:nvCxnSpPr>
+          <p:cNvPr id="5" name="Elbow Connector 109"/>
+          <p:cNvCxnSpPr>
+            <a:stCxn id="16" idx="4"/>
+          </p:cNvCxnSpPr>
+          <p:nvPr/>
+        </p:nvCxnSpPr>
+        <p:spPr>
+          <a:xfrm flipV="1">
+            <a:off x="3697410" y="3576355"/>
+            <a:ext cx="232915" cy="978654"/>
+          </a:xfrm>
+          <a:prstGeom prst="bentConnector2">
+            <a:avLst/>
+          </a:prstGeom>
+          <a:ln w="38100">
+            <a:solidFill>
+              <a:schemeClr val="accent3"/>
+            </a:solidFill>
+            <a:headEnd type="triangle" w="med" len="med"/>
+            <a:tailEnd type="triangle" w="med" len="med"/>
+          </a:ln>
+          <a:effectLst/>
+        </p:spPr>
+        <p:style>
+          <a:lnRef idx="2">
+            <a:schemeClr val="accent1"/>
+          </a:lnRef>
+          <a:fillRef idx="0">
+            <a:schemeClr val="accent1"/>
+          </a:fillRef>
+          <a:effectRef idx="1">
+            <a:schemeClr val="accent1"/>
+          </a:effectRef>
+          <a:fontRef idx="minor">
+            <a:schemeClr val="tx1"/>
+          </a:fontRef>
+        </p:style>
+      </p:cxnSp>
+      <p:sp>
+        <p:nvSpPr>
+          <p:cNvPr id="8" name="Téglalap 7"/>
+          <p:cNvSpPr/>
+          <p:nvPr/>
+        </p:nvSpPr>
+        <p:spPr>
+          <a:xfrm>
+            <a:off x="122945" y="986160"/>
+            <a:ext cx="2120793" cy="4623219"/>
+          </a:xfrm>
+          <a:prstGeom prst="rect">
+            <a:avLst/>
+          </a:prstGeom>
+          <a:noFill/>
+          <a:ln w="19050">
+            <a:solidFill>
+              <a:schemeClr val="bg1">
+                <a:lumMod val="65000"/>
+              </a:schemeClr>
+            </a:solidFill>
+          </a:ln>
+          <a:effectLst/>
+        </p:spPr>
+        <p:style>
+          <a:lnRef idx="2">
+            <a:schemeClr val="accent4">
+              <a:shade val="50000"/>
+            </a:schemeClr>
+          </a:lnRef>
+          <a:fillRef idx="1">
+            <a:schemeClr val="accent4"/>
+          </a:fillRef>
+          <a:effectRef idx="0">
+            <a:schemeClr val="accent4"/>
+          </a:effectRef>
+          <a:fontRef idx="minor">
+            <a:schemeClr val="lt1"/>
+          </a:fontRef>
+        </p:style>
+        <p:txBody>
+          <a:bodyPr rtlCol="0" anchor="b"/>
+          <a:lstStyle/>
+          <a:p>
+            <a:endParaRPr lang="en-GB" sz="2400" dirty="0" smtClean="0">
+              <a:solidFill>
+                <a:schemeClr val="bg1">
+                  <a:lumMod val="65000"/>
+                </a:schemeClr>
+              </a:solidFill>
+            </a:endParaRPr>
+          </a:p>
+        </p:txBody>
+      </p:sp>
+      <p:pic>
+        <p:nvPicPr>
+          <p:cNvPr id="9" name="Picture 9" descr="dist_compu.png"/>
+          <p:cNvPicPr>
+            <a:picLocks noChangeAspect="1"/>
+          </p:cNvPicPr>
+          <p:nvPr/>
+        </p:nvPicPr>
+        <p:blipFill>
+          <a:blip r:embed="rId2" cstate="print"/>
+          <a:stretch>
+            <a:fillRect/>
+          </a:stretch>
+        </p:blipFill>
+        <p:spPr>
+          <a:xfrm>
+            <a:off x="1609440" y="4974493"/>
+            <a:ext cx="530905" cy="525173"/>
+          </a:xfrm>
+          <a:prstGeom prst="rect">
+            <a:avLst/>
+          </a:prstGeom>
+          <a:ln>
+            <a:noFill/>
+          </a:ln>
+        </p:spPr>
+      </p:pic>
+      <p:cxnSp>
+        <p:nvCxnSpPr>
+          <p:cNvPr id="10" name="Straight Arrow Connector 35"/>
+          <p:cNvCxnSpPr>
+            <a:stCxn id="28" idx="2"/>
+            <a:endCxn id="29" idx="1"/>
+          </p:cNvCxnSpPr>
+          <p:nvPr/>
+        </p:nvCxnSpPr>
+        <p:spPr>
+          <a:xfrm>
+            <a:off x="863567" y="1710272"/>
+            <a:ext cx="0" cy="2362201"/>
+          </a:xfrm>
+          <a:prstGeom prst="straightConnector1">
+            <a:avLst/>
+          </a:prstGeom>
+          <a:ln w="38100">
+            <a:prstDash val="solid"/>
+            <a:headEnd type="none" w="med" len="med"/>
+            <a:tailEnd type="arrow" w="med" len="med"/>
+          </a:ln>
+          <a:effectLst/>
+        </p:spPr>
+        <p:style>
+          <a:lnRef idx="2">
+            <a:schemeClr val="dk1"/>
+          </a:lnRef>
+          <a:fillRef idx="0">
+            <a:schemeClr val="dk1"/>
+          </a:fillRef>
+          <a:effectRef idx="1">
+            <a:schemeClr val="dk1"/>
+          </a:effectRef>
+          <a:fontRef idx="minor">
+            <a:schemeClr val="tx1"/>
+          </a:fontRef>
+        </p:style>
+      </p:cxnSp>
+      <p:cxnSp>
+        <p:nvCxnSpPr>
+          <p:cNvPr id="11" name="Elbow Connector 109"/>
+          <p:cNvCxnSpPr>
+            <a:stCxn id="35" idx="0"/>
+            <a:endCxn id="28" idx="3"/>
+          </p:cNvCxnSpPr>
+          <p:nvPr/>
+        </p:nvCxnSpPr>
+        <p:spPr>
+          <a:xfrm rot="16200000" flipV="1">
+            <a:off x="1204095" y="1674545"/>
+            <a:ext cx="694859" cy="232914"/>
+          </a:xfrm>
+          <a:prstGeom prst="bentConnector2">
+            <a:avLst/>
+          </a:prstGeom>
+          <a:ln w="38100">
+            <a:solidFill>
+              <a:schemeClr val="accent3"/>
+            </a:solidFill>
+            <a:headEnd type="none" w="med" len="med"/>
+            <a:tailEnd type="triangle" w="med" len="med"/>
+          </a:ln>
+          <a:effectLst/>
+        </p:spPr>
+        <p:style>
+          <a:lnRef idx="2">
+            <a:schemeClr val="accent1"/>
+          </a:lnRef>
+          <a:fillRef idx="0">
+            <a:schemeClr val="accent1"/>
+          </a:fillRef>
+          <a:effectRef idx="1">
+            <a:schemeClr val="accent1"/>
+          </a:effectRef>
+          <a:fontRef idx="minor">
+            <a:schemeClr val="tx1"/>
+          </a:fontRef>
+        </p:style>
+      </p:cxnSp>
+      <p:cxnSp>
+        <p:nvCxnSpPr>
+          <p:cNvPr id="12" name="Straight Arrow Connector 64"/>
+          <p:cNvCxnSpPr>
+            <a:stCxn id="36" idx="0"/>
+            <a:endCxn id="35" idx="2"/>
+          </p:cNvCxnSpPr>
+          <p:nvPr/>
+        </p:nvCxnSpPr>
+        <p:spPr>
+          <a:xfrm flipH="1" flipV="1">
+            <a:off x="1667981" y="2709410"/>
+            <a:ext cx="1" cy="321195"/>
+          </a:xfrm>
+          <a:prstGeom prst="straightConnector1">
+            <a:avLst/>
+          </a:prstGeom>
+          <a:ln w="38100" cmpd="sng">
+            <a:solidFill>
+              <a:schemeClr val="accent3"/>
+            </a:solidFill>
+            <a:headEnd type="none"/>
+            <a:tailEnd type="triangle"/>
+          </a:ln>
+          <a:effectLst/>
+        </p:spPr>
+        <p:style>
+          <a:lnRef idx="2">
+            <a:schemeClr val="accent1"/>
+          </a:lnRef>
+          <a:fillRef idx="0">
+            <a:schemeClr val="accent1"/>
+          </a:fillRef>
+          <a:effectRef idx="1">
+            <a:schemeClr val="accent1"/>
+          </a:effectRef>
+          <a:fontRef idx="minor">
+            <a:schemeClr val="tx1"/>
+          </a:fontRef>
+        </p:style>
+      </p:cxnSp>
+      <p:cxnSp>
+        <p:nvCxnSpPr>
+          <p:cNvPr id="13" name="Elbow Connector 109"/>
+          <p:cNvCxnSpPr>
+            <a:stCxn id="29" idx="4"/>
+            <a:endCxn id="36" idx="2"/>
+          </p:cNvCxnSpPr>
+          <p:nvPr/>
+        </p:nvCxnSpPr>
+        <p:spPr>
+          <a:xfrm flipV="1">
+            <a:off x="1435067" y="3564940"/>
+            <a:ext cx="232915" cy="1002833"/>
+          </a:xfrm>
+          <a:prstGeom prst="bentConnector2">
+            <a:avLst/>
+          </a:prstGeom>
+          <a:ln w="38100">
+            <a:solidFill>
+              <a:schemeClr val="accent3"/>
+            </a:solidFill>
+            <a:headEnd type="none" w="med" len="med"/>
+            <a:tailEnd type="triangle" w="med" len="med"/>
+          </a:ln>
+          <a:effectLst/>
+        </p:spPr>
+        <p:style>
+          <a:lnRef idx="2">
+            <a:schemeClr val="accent1"/>
+          </a:lnRef>
+          <a:fillRef idx="0">
+            <a:schemeClr val="accent1"/>
+          </a:fillRef>
+          <a:effectRef idx="1">
+            <a:schemeClr val="accent1"/>
+          </a:effectRef>
+          <a:fontRef idx="minor">
+            <a:schemeClr val="tx1"/>
+          </a:fontRef>
+        </p:style>
+      </p:cxnSp>
+      <p:sp>
+        <p:nvSpPr>
+          <p:cNvPr id="14" name="Téglalap 14"/>
+          <p:cNvSpPr/>
+          <p:nvPr/>
+        </p:nvSpPr>
+        <p:spPr>
+          <a:xfrm>
+            <a:off x="2385288" y="986160"/>
+            <a:ext cx="2120793" cy="4623219"/>
+          </a:xfrm>
+          <a:prstGeom prst="rect">
+            <a:avLst/>
+          </a:prstGeom>
+          <a:noFill/>
+          <a:ln w="19050">
+            <a:solidFill>
+              <a:schemeClr val="bg1">
+                <a:lumMod val="65000"/>
+              </a:schemeClr>
+            </a:solidFill>
+          </a:ln>
+          <a:effectLst/>
+        </p:spPr>
+        <p:style>
+          <a:lnRef idx="2">
+            <a:schemeClr val="accent4">
+              <a:shade val="50000"/>
+            </a:schemeClr>
+          </a:lnRef>
+          <a:fillRef idx="1">
+            <a:schemeClr val="accent4"/>
+          </a:fillRef>
+          <a:effectRef idx="0">
+            <a:schemeClr val="accent4"/>
+          </a:effectRef>
+          <a:fontRef idx="minor">
+            <a:schemeClr val="lt1"/>
+          </a:fontRef>
+        </p:style>
+        <p:txBody>
+          <a:bodyPr rtlCol="0" anchor="b"/>
+          <a:lstStyle/>
+          <a:p>
+            <a:r>
+              <a:rPr lang="en-GB" sz="1600" dirty="0" smtClean="0">
+                <a:solidFill>
+                  <a:schemeClr val="bg1">
+                    <a:lumMod val="65000"/>
+                  </a:schemeClr>
+                </a:solidFill>
+              </a:rPr>
+              <a:t>Server </a:t>
+            </a:r>
+            <a:r>
+              <a:rPr lang="en-GB" sz="1600" i="1" dirty="0" smtClean="0">
+                <a:solidFill>
+                  <a:schemeClr val="bg1">
+                    <a:lumMod val="65000"/>
+                  </a:schemeClr>
+                </a:solidFill>
+              </a:rPr>
+              <a:t>n</a:t>
+            </a:r>
+          </a:p>
+        </p:txBody>
+      </p:sp>
+      <p:pic>
+        <p:nvPicPr>
+          <p:cNvPr id="15" name="Picture 9" descr="dist_compu.png"/>
+          <p:cNvPicPr>
+            <a:picLocks noChangeAspect="1"/>
+          </p:cNvPicPr>
+          <p:nvPr/>
+        </p:nvPicPr>
+        <p:blipFill>
+          <a:blip r:embed="rId2" cstate="print"/>
+          <a:stretch>
+            <a:fillRect/>
+          </a:stretch>
+        </p:blipFill>
+        <p:spPr>
+          <a:xfrm>
+            <a:off x="3871783" y="4961729"/>
+            <a:ext cx="530905" cy="525173"/>
+          </a:xfrm>
+          <a:prstGeom prst="rect">
+            <a:avLst/>
+          </a:prstGeom>
+          <a:ln>
+            <a:noFill/>
+          </a:ln>
+        </p:spPr>
+      </p:pic>
+      <p:sp>
+        <p:nvSpPr>
+          <p:cNvPr id="16" name="Can 30"/>
+          <p:cNvSpPr/>
+          <p:nvPr/>
+        </p:nvSpPr>
+        <p:spPr>
+          <a:xfrm>
+            <a:off x="2554410" y="4059709"/>
+            <a:ext cx="1143000" cy="990600"/>
+          </a:xfrm>
+          <a:prstGeom prst="can">
+            <a:avLst/>
+          </a:prstGeom>
+          <a:noFill/>
+          <a:ln w="38100"/>
+          <a:effectLst/>
+        </p:spPr>
+        <p:style>
+          <a:lnRef idx="1">
+            <a:schemeClr val="dk1"/>
+          </a:lnRef>
+          <a:fillRef idx="2">
+            <a:schemeClr val="dk1"/>
+          </a:fillRef>
+          <a:effectRef idx="1">
+            <a:schemeClr val="dk1"/>
+          </a:effectRef>
+          <a:fontRef idx="minor">
+            <a:schemeClr val="dk1"/>
+          </a:fontRef>
+        </p:style>
+        <p:txBody>
+          <a:bodyPr rtlCol="0" anchor="ctr"/>
+          <a:lstStyle/>
+          <a:p>
+            <a:pPr algn="ctr"/>
+            <a:r>
+              <a:rPr lang="en-US" sz="1600" dirty="0" smtClean="0">
+                <a:latin typeface="+mj-lt"/>
+                <a:cs typeface="Gill Sans"/>
+              </a:rPr>
+              <a:t>DB shard </a:t>
+            </a:r>
+            <a:r>
+              <a:rPr lang="en-US" sz="1600" i="1" dirty="0" smtClean="0">
+                <a:latin typeface="+mj-lt"/>
+                <a:cs typeface="Gill Sans"/>
+              </a:rPr>
+              <a:t>n</a:t>
+            </a:r>
+            <a:endParaRPr lang="en-US" sz="1600" i="1" dirty="0">
+              <a:latin typeface="+mj-lt"/>
+              <a:cs typeface="Gill Sans"/>
+            </a:endParaRPr>
+          </a:p>
+        </p:txBody>
+      </p:sp>
+      <p:cxnSp>
+        <p:nvCxnSpPr>
+          <p:cNvPr id="23" name="Egyenes összekötő 23"/>
+          <p:cNvCxnSpPr/>
+          <p:nvPr/>
+        </p:nvCxnSpPr>
+        <p:spPr>
+          <a:xfrm flipV="1">
+            <a:off x="0" y="6021659"/>
+            <a:ext cx="4501836" cy="13381"/>
+          </a:xfrm>
+          <a:prstGeom prst="line">
+            <a:avLst/>
+          </a:prstGeom>
+          <a:ln w="19050">
+            <a:solidFill>
+              <a:schemeClr val="bg1">
+                <a:lumMod val="65000"/>
+              </a:schemeClr>
+            </a:solidFill>
+          </a:ln>
+        </p:spPr>
+        <p:style>
+          <a:lnRef idx="1">
+            <a:schemeClr val="dk1"/>
+          </a:lnRef>
+          <a:fillRef idx="0">
+            <a:schemeClr val="dk1"/>
+          </a:fillRef>
+          <a:effectRef idx="0">
+            <a:schemeClr val="dk1"/>
+          </a:effectRef>
+          <a:fontRef idx="minor">
+            <a:schemeClr val="tx1"/>
+          </a:fontRef>
+        </p:style>
+      </p:cxnSp>
+      <p:cxnSp>
+        <p:nvCxnSpPr>
+          <p:cNvPr id="24" name="Egyenes összekötő 24"/>
+          <p:cNvCxnSpPr/>
+          <p:nvPr/>
+        </p:nvCxnSpPr>
+        <p:spPr>
+          <a:xfrm>
+            <a:off x="1185584" y="5609379"/>
+            <a:ext cx="0" cy="425661"/>
+          </a:xfrm>
+          <a:prstGeom prst="line">
+            <a:avLst/>
+          </a:prstGeom>
+          <a:ln w="19050">
+            <a:solidFill>
+              <a:schemeClr val="bg1">
+                <a:lumMod val="65000"/>
+              </a:schemeClr>
+            </a:solidFill>
+          </a:ln>
+        </p:spPr>
+        <p:style>
+          <a:lnRef idx="1">
+            <a:schemeClr val="dk1"/>
+          </a:lnRef>
+          <a:fillRef idx="0">
+            <a:schemeClr val="dk1"/>
+          </a:fillRef>
+          <a:effectRef idx="0">
+            <a:schemeClr val="dk1"/>
+          </a:effectRef>
+          <a:fontRef idx="minor">
+            <a:schemeClr val="tx1"/>
+          </a:fontRef>
+        </p:style>
+      </p:cxnSp>
+      <p:cxnSp>
+        <p:nvCxnSpPr>
+          <p:cNvPr id="25" name="Egyenes összekötő 25"/>
+          <p:cNvCxnSpPr>
+            <a:stCxn id="14" idx="2"/>
+          </p:cNvCxnSpPr>
+          <p:nvPr/>
+        </p:nvCxnSpPr>
+        <p:spPr>
+          <a:xfrm>
+            <a:off x="3445685" y="5609379"/>
+            <a:ext cx="0" cy="425661"/>
+          </a:xfrm>
+          <a:prstGeom prst="line">
+            <a:avLst/>
+          </a:prstGeom>
+          <a:ln w="19050">
+            <a:solidFill>
+              <a:schemeClr val="bg1">
+                <a:lumMod val="65000"/>
+              </a:schemeClr>
+            </a:solidFill>
+          </a:ln>
+        </p:spPr>
+        <p:style>
+          <a:lnRef idx="1">
+            <a:schemeClr val="dk1"/>
+          </a:lnRef>
+          <a:fillRef idx="0">
+            <a:schemeClr val="dk1"/>
+          </a:fillRef>
+          <a:effectRef idx="0">
+            <a:schemeClr val="dk1"/>
+          </a:effectRef>
+          <a:fontRef idx="minor">
+            <a:schemeClr val="tx1"/>
+          </a:fontRef>
+        </p:style>
+      </p:cxnSp>
+      <p:sp>
+        <p:nvSpPr>
+          <p:cNvPr id="28" name="Rectangle 29"/>
+          <p:cNvSpPr/>
+          <p:nvPr/>
+        </p:nvSpPr>
+        <p:spPr>
+          <a:xfrm>
+            <a:off x="292067" y="1176872"/>
+            <a:ext cx="1143000" cy="533400"/>
+          </a:xfrm>
+          <a:prstGeom prst="rect">
+            <a:avLst/>
+          </a:prstGeom>
+          <a:noFill/>
+          <a:ln w="38100"/>
+        </p:spPr>
+        <p:style>
+          <a:lnRef idx="2">
+            <a:schemeClr val="dk1"/>
+          </a:lnRef>
+          <a:fillRef idx="1">
+            <a:schemeClr val="lt1"/>
+          </a:fillRef>
+          <a:effectRef idx="0">
+            <a:schemeClr val="dk1"/>
+          </a:effectRef>
+          <a:fontRef idx="minor">
+            <a:schemeClr val="dk1"/>
+          </a:fontRef>
+        </p:style>
+        <p:txBody>
+          <a:bodyPr rtlCol="0" anchor="ctr"/>
+          <a:lstStyle/>
+          <a:p>
+            <a:pPr algn="ctr"/>
+            <a:r>
+              <a:rPr lang="en-US" sz="1600" dirty="0" smtClean="0">
+                <a:latin typeface="+mj-lt"/>
+                <a:cs typeface="Gill Sans"/>
+              </a:rPr>
+              <a:t>Transaction</a:t>
+            </a:r>
+            <a:endParaRPr lang="en-US" sz="1600" baseline="-25000" dirty="0">
+              <a:latin typeface="+mj-lt"/>
+              <a:cs typeface="Gill Sans"/>
+            </a:endParaRPr>
+          </a:p>
+        </p:txBody>
+      </p:sp>
+      <p:sp>
+        <p:nvSpPr>
+          <p:cNvPr id="29" name="Can 30"/>
+          <p:cNvSpPr/>
+          <p:nvPr/>
+        </p:nvSpPr>
+        <p:spPr>
+          <a:xfrm>
+            <a:off x="292067" y="4072473"/>
+            <a:ext cx="1143000" cy="990600"/>
+          </a:xfrm>
+          <a:prstGeom prst="can">
+            <a:avLst/>
+          </a:prstGeom>
+          <a:noFill/>
+          <a:ln w="38100"/>
+          <a:effectLst/>
+        </p:spPr>
+        <p:style>
+          <a:lnRef idx="1">
+            <a:schemeClr val="dk1"/>
+          </a:lnRef>
+          <a:fillRef idx="2">
+            <a:schemeClr val="dk1"/>
+          </a:fillRef>
+          <a:effectRef idx="1">
+            <a:schemeClr val="dk1"/>
+          </a:effectRef>
+          <a:fontRef idx="minor">
+            <a:schemeClr val="dk1"/>
+          </a:fontRef>
+        </p:style>
+        <p:txBody>
+          <a:bodyPr rtlCol="0" anchor="ctr"/>
+          <a:lstStyle/>
+          <a:p>
+            <a:pPr algn="ctr"/>
+            <a:endParaRPr lang="en-US" sz="1600" dirty="0">
+              <a:latin typeface="+mj-lt"/>
+              <a:cs typeface="Gill Sans"/>
+            </a:endParaRPr>
+          </a:p>
+        </p:txBody>
+      </p:sp>
+      <p:sp>
+        <p:nvSpPr>
+          <p:cNvPr id="30" name="Can 29"/>
+          <p:cNvSpPr/>
+          <p:nvPr/>
+        </p:nvSpPr>
+        <p:spPr>
+          <a:xfrm>
+            <a:off x="292067" y="4070151"/>
+            <a:ext cx="1143000" cy="990600"/>
+          </a:xfrm>
+          <a:prstGeom prst="can">
+            <a:avLst/>
+          </a:prstGeom>
+          <a:noFill/>
+          <a:ln w="38100"/>
+          <a:effectLst/>
+        </p:spPr>
+        <p:style>
+          <a:lnRef idx="1">
+            <a:schemeClr val="dk1"/>
+          </a:lnRef>
+          <a:fillRef idx="2">
+            <a:schemeClr val="dk1"/>
+          </a:fillRef>
+          <a:effectRef idx="1">
+            <a:schemeClr val="dk1"/>
+          </a:effectRef>
+          <a:fontRef idx="minor">
+            <a:schemeClr val="dk1"/>
+          </a:fontRef>
+        </p:style>
+        <p:txBody>
+          <a:bodyPr rtlCol="0" anchor="ctr"/>
+          <a:lstStyle/>
+          <a:p>
+            <a:pPr algn="ctr"/>
+            <a:r>
+              <a:rPr lang="en-US" sz="1600" dirty="0" smtClean="0">
+                <a:latin typeface="+mj-lt"/>
+                <a:cs typeface="Gill Sans"/>
+              </a:rPr>
+              <a:t>DB shard 0</a:t>
+            </a:r>
+            <a:endParaRPr lang="en-US" sz="1600" dirty="0">
+              <a:latin typeface="+mj-lt"/>
+              <a:cs typeface="Gill Sans"/>
+            </a:endParaRPr>
+          </a:p>
+        </p:txBody>
+      </p:sp>
+      <p:cxnSp>
+        <p:nvCxnSpPr>
+          <p:cNvPr id="31" name="Straight Arrow Connector 64"/>
+          <p:cNvCxnSpPr/>
+          <p:nvPr/>
+        </p:nvCxnSpPr>
+        <p:spPr>
+          <a:xfrm flipV="1">
+            <a:off x="3930325" y="2720092"/>
+            <a:ext cx="2" cy="310514"/>
+          </a:xfrm>
+          <a:prstGeom prst="straightConnector1">
+            <a:avLst/>
+          </a:prstGeom>
+          <a:ln w="38100" cmpd="sng">
+            <a:solidFill>
+              <a:schemeClr val="accent3"/>
+            </a:solidFill>
+            <a:headEnd type="none"/>
+            <a:tailEnd type="triangle"/>
+          </a:ln>
+          <a:effectLst/>
+        </p:spPr>
+        <p:style>
+          <a:lnRef idx="2">
+            <a:schemeClr val="accent1"/>
+          </a:lnRef>
+          <a:fillRef idx="0">
+            <a:schemeClr val="accent1"/>
+          </a:fillRef>
+          <a:effectRef idx="1">
+            <a:schemeClr val="accent1"/>
+          </a:effectRef>
+          <a:fontRef idx="minor">
+            <a:schemeClr val="tx1"/>
+          </a:fontRef>
+        </p:style>
+      </p:cxnSp>
+      <p:sp>
+        <p:nvSpPr>
+          <p:cNvPr id="34" name="Téglalap 34"/>
+          <p:cNvSpPr/>
+          <p:nvPr/>
+        </p:nvSpPr>
+        <p:spPr>
+          <a:xfrm>
+            <a:off x="123557" y="986162"/>
+            <a:ext cx="2120793" cy="4623219"/>
+          </a:xfrm>
+          <a:prstGeom prst="rect">
+            <a:avLst/>
+          </a:prstGeom>
+          <a:noFill/>
+          <a:ln w="19050">
+            <a:solidFill>
+              <a:schemeClr val="bg1">
+                <a:lumMod val="65000"/>
+              </a:schemeClr>
+            </a:solidFill>
+          </a:ln>
+          <a:effectLst/>
+        </p:spPr>
+        <p:style>
+          <a:lnRef idx="2">
+            <a:schemeClr val="accent4">
+              <a:shade val="50000"/>
+            </a:schemeClr>
+          </a:lnRef>
+          <a:fillRef idx="1">
+            <a:schemeClr val="accent4"/>
+          </a:fillRef>
+          <a:effectRef idx="0">
+            <a:schemeClr val="accent4"/>
+          </a:effectRef>
+          <a:fontRef idx="minor">
+            <a:schemeClr val="lt1"/>
+          </a:fontRef>
+        </p:style>
+        <p:txBody>
+          <a:bodyPr rtlCol="0" anchor="b"/>
+          <a:lstStyle/>
+          <a:p>
+            <a:r>
+              <a:rPr lang="en-GB" sz="1600" dirty="0" smtClean="0">
+                <a:solidFill>
+                  <a:schemeClr val="bg1">
+                    <a:lumMod val="65000"/>
+                  </a:schemeClr>
+                </a:solidFill>
+              </a:rPr>
+              <a:t>Server 0</a:t>
+            </a:r>
+          </a:p>
+        </p:txBody>
+      </p:sp>
+      <p:sp>
+        <p:nvSpPr>
+          <p:cNvPr id="35" name="Rectangle 62"/>
+          <p:cNvSpPr/>
+          <p:nvPr/>
+        </p:nvSpPr>
+        <p:spPr>
+          <a:xfrm>
+            <a:off x="1251313" y="2138431"/>
+            <a:ext cx="833335" cy="570979"/>
+          </a:xfrm>
+          <a:prstGeom prst="rect">
+            <a:avLst/>
+          </a:prstGeom>
+          <a:solidFill>
+            <a:schemeClr val="bg1"/>
+          </a:solidFill>
+          <a:ln w="38100">
+            <a:solidFill>
+              <a:schemeClr val="accent3"/>
+            </a:solidFill>
+            <a:prstDash val="solid"/>
+          </a:ln>
+        </p:spPr>
+        <p:style>
+          <a:lnRef idx="2">
+            <a:schemeClr val="accent3"/>
+          </a:lnRef>
+          <a:fillRef idx="1">
+            <a:schemeClr val="lt1"/>
+          </a:fillRef>
+          <a:effectRef idx="0">
+            <a:schemeClr val="accent3"/>
+          </a:effectRef>
+          <a:fontRef idx="minor">
+            <a:schemeClr val="dk1"/>
+          </a:fontRef>
+        </p:style>
+        <p:txBody>
+          <a:bodyPr rtlCol="0" anchor="ctr"/>
+          <a:lstStyle/>
+          <a:p>
+            <a:pPr algn="ctr"/>
+            <a:r>
+              <a:rPr lang="en-US" sz="1600" dirty="0" smtClean="0">
+                <a:solidFill>
+                  <a:schemeClr val="tx1"/>
+                </a:solidFill>
+                <a:latin typeface="+mj-lt"/>
+                <a:cs typeface="Gill Sans"/>
+              </a:rPr>
+              <a:t>Rete net</a:t>
+            </a:r>
+            <a:endParaRPr lang="en-US" sz="1600" dirty="0">
+              <a:solidFill>
+                <a:schemeClr val="tx1"/>
+              </a:solidFill>
+              <a:latin typeface="+mj-lt"/>
+              <a:cs typeface="Gill Sans"/>
+            </a:endParaRPr>
+          </a:p>
+        </p:txBody>
+      </p:sp>
+      <p:sp>
+        <p:nvSpPr>
+          <p:cNvPr id="36" name="Rectangle 61"/>
+          <p:cNvSpPr/>
+          <p:nvPr/>
+        </p:nvSpPr>
+        <p:spPr>
+          <a:xfrm>
+            <a:off x="1251314" y="3030605"/>
+            <a:ext cx="833335" cy="534335"/>
+          </a:xfrm>
+          <a:prstGeom prst="rect">
+            <a:avLst/>
+          </a:prstGeom>
+          <a:solidFill>
+            <a:schemeClr val="bg1"/>
+          </a:solidFill>
+          <a:ln w="38100">
+            <a:solidFill>
+              <a:schemeClr val="accent3"/>
+            </a:solidFill>
+          </a:ln>
+        </p:spPr>
+        <p:style>
+          <a:lnRef idx="2">
+            <a:schemeClr val="accent3">
+              <a:shade val="50000"/>
+            </a:schemeClr>
+          </a:lnRef>
+          <a:fillRef idx="1">
+            <a:schemeClr val="accent3"/>
+          </a:fillRef>
+          <a:effectRef idx="0">
+            <a:schemeClr val="accent3"/>
+          </a:effectRef>
+          <a:fontRef idx="minor">
+            <a:schemeClr val="lt1"/>
+          </a:fontRef>
+        </p:style>
+        <p:txBody>
+          <a:bodyPr rtlCol="0" anchor="ctr"/>
+          <a:lstStyle/>
+          <a:p>
+            <a:pPr algn="ctr"/>
+            <a:r>
+              <a:rPr lang="en-US" sz="1400" dirty="0" smtClean="0">
+                <a:solidFill>
+                  <a:schemeClr val="tx1"/>
+                </a:solidFill>
+                <a:latin typeface="+mj-lt"/>
+                <a:cs typeface="Gill Sans"/>
+              </a:rPr>
+              <a:t>Indexer layer</a:t>
+            </a:r>
+            <a:endParaRPr lang="en-US" sz="1400" dirty="0">
+              <a:solidFill>
+                <a:schemeClr val="tx1"/>
+              </a:solidFill>
+              <a:latin typeface="+mj-lt"/>
+              <a:cs typeface="Gill Sans"/>
+            </a:endParaRPr>
+          </a:p>
+        </p:txBody>
+      </p:sp>
+      <p:sp>
+        <p:nvSpPr>
+          <p:cNvPr id="37" name="Rectangle 61"/>
+          <p:cNvSpPr/>
+          <p:nvPr/>
+        </p:nvSpPr>
+        <p:spPr>
+          <a:xfrm>
+            <a:off x="1253163" y="3030605"/>
+            <a:ext cx="3000304" cy="534335"/>
+          </a:xfrm>
+          <a:prstGeom prst="rect">
+            <a:avLst/>
+          </a:prstGeom>
+          <a:solidFill>
+            <a:schemeClr val="bg1"/>
+          </a:solidFill>
+          <a:ln w="38100">
+            <a:solidFill>
+              <a:schemeClr val="accent3"/>
+            </a:solidFill>
+          </a:ln>
+        </p:spPr>
+        <p:style>
+          <a:lnRef idx="2">
+            <a:schemeClr val="accent3">
+              <a:shade val="50000"/>
+            </a:schemeClr>
+          </a:lnRef>
+          <a:fillRef idx="1">
+            <a:schemeClr val="accent3"/>
+          </a:fillRef>
+          <a:effectRef idx="0">
+            <a:schemeClr val="accent3"/>
+          </a:effectRef>
+          <a:fontRef idx="minor">
+            <a:schemeClr val="lt1"/>
+          </a:fontRef>
+        </p:style>
+        <p:txBody>
+          <a:bodyPr rtlCol="0" anchor="ctr"/>
+          <a:lstStyle/>
+          <a:p>
+            <a:pPr algn="ctr"/>
+            <a:r>
+              <a:rPr lang="en-US" dirty="0" err="1" smtClean="0">
+                <a:solidFill>
+                  <a:schemeClr val="tx1"/>
+                </a:solidFill>
+                <a:latin typeface="+mj-lt"/>
+                <a:cs typeface="Gill Sans"/>
+              </a:rPr>
+              <a:t>IncQuery</a:t>
+            </a:r>
+            <a:r>
+              <a:rPr lang="en-US" dirty="0" smtClean="0">
+                <a:solidFill>
+                  <a:schemeClr val="tx1"/>
+                </a:solidFill>
+                <a:latin typeface="+mj-lt"/>
+                <a:cs typeface="Gill Sans"/>
+              </a:rPr>
+              <a:t>-D middleware</a:t>
+            </a:r>
+            <a:endParaRPr lang="en-US" dirty="0">
+              <a:solidFill>
+                <a:schemeClr val="tx1"/>
+              </a:solidFill>
+              <a:latin typeface="+mj-lt"/>
+              <a:cs typeface="Gill Sans"/>
+            </a:endParaRPr>
+          </a:p>
+        </p:txBody>
+      </p:sp>
+      <p:sp>
+        <p:nvSpPr>
+          <p:cNvPr id="38" name="Rectangle 62"/>
+          <p:cNvSpPr/>
+          <p:nvPr/>
+        </p:nvSpPr>
+        <p:spPr>
+          <a:xfrm>
+            <a:off x="1251311" y="2138432"/>
+            <a:ext cx="3001053" cy="570979"/>
+          </a:xfrm>
+          <a:prstGeom prst="rect">
+            <a:avLst/>
+          </a:prstGeom>
+          <a:solidFill>
+            <a:schemeClr val="bg1"/>
+          </a:solidFill>
+          <a:ln w="38100">
+            <a:solidFill>
+              <a:schemeClr val="accent3"/>
+            </a:solidFill>
+            <a:prstDash val="solid"/>
+          </a:ln>
+        </p:spPr>
+        <p:style>
+          <a:lnRef idx="2">
+            <a:schemeClr val="accent3"/>
+          </a:lnRef>
+          <a:fillRef idx="1">
+            <a:schemeClr val="lt1"/>
+          </a:fillRef>
+          <a:effectRef idx="0">
+            <a:schemeClr val="accent3"/>
+          </a:effectRef>
+          <a:fontRef idx="minor">
+            <a:schemeClr val="dk1"/>
+          </a:fontRef>
+        </p:style>
+        <p:txBody>
+          <a:bodyPr rtlCol="0" anchor="ctr"/>
+          <a:lstStyle/>
+          <a:p>
+            <a:pPr algn="ctr"/>
+            <a:r>
+              <a:rPr lang="en-US" dirty="0" smtClean="0">
+                <a:solidFill>
+                  <a:schemeClr val="tx1"/>
+                </a:solidFill>
+                <a:latin typeface="+mj-lt"/>
+                <a:cs typeface="Gill Sans"/>
+              </a:rPr>
+              <a:t>Rete net</a:t>
+            </a:r>
+            <a:endParaRPr lang="en-US" dirty="0">
+              <a:solidFill>
+                <a:schemeClr val="tx1"/>
+              </a:solidFill>
+              <a:latin typeface="+mj-lt"/>
+              <a:cs typeface="Gill Sans"/>
+            </a:endParaRPr>
+          </a:p>
+        </p:txBody>
+      </p:sp>
+      <p:cxnSp>
+        <p:nvCxnSpPr>
+          <p:cNvPr id="39" name="Straight Arrow Connector 35"/>
+          <p:cNvCxnSpPr>
+            <a:stCxn id="28" idx="2"/>
+            <a:endCxn id="36" idx="1"/>
+          </p:cNvCxnSpPr>
+          <p:nvPr/>
+        </p:nvCxnSpPr>
+        <p:spPr>
+          <a:xfrm rot="16200000" flipH="1">
+            <a:off x="263690" y="2310148"/>
+            <a:ext cx="1587501" cy="387747"/>
+          </a:xfrm>
+          <a:prstGeom prst="bentConnector2">
+            <a:avLst/>
+          </a:prstGeom>
+          <a:ln w="38100">
+            <a:prstDash val="solid"/>
+            <a:headEnd type="none" w="med" len="med"/>
+            <a:tailEnd type="arrow" w="med" len="med"/>
+          </a:ln>
+          <a:effectLst/>
+        </p:spPr>
+        <p:style>
+          <a:lnRef idx="2">
+            <a:schemeClr val="dk1"/>
+          </a:lnRef>
+          <a:fillRef idx="0">
+            <a:schemeClr val="dk1"/>
+          </a:fillRef>
+          <a:effectRef idx="1">
+            <a:schemeClr val="dk1"/>
+          </a:effectRef>
+          <a:fontRef idx="minor">
+            <a:schemeClr val="tx1"/>
+          </a:fontRef>
+        </p:style>
+      </p:cxnSp>
+      <p:sp>
+        <p:nvSpPr>
+          <p:cNvPr id="46" name="Oval 45"/>
+          <p:cNvSpPr/>
+          <p:nvPr/>
+        </p:nvSpPr>
+        <p:spPr>
+          <a:xfrm>
+            <a:off x="5136027" y="1772970"/>
+            <a:ext cx="1338077" cy="975259"/>
+          </a:xfrm>
+          <a:prstGeom prst="ellipse">
+            <a:avLst/>
+          </a:prstGeom>
+          <a:ln/>
+        </p:spPr>
+        <p:style>
+          <a:lnRef idx="1">
+            <a:schemeClr val="accent5"/>
+          </a:lnRef>
+          <a:fillRef idx="3">
+            <a:schemeClr val="accent5"/>
+          </a:fillRef>
+          <a:effectRef idx="2">
+            <a:schemeClr val="accent5"/>
+          </a:effectRef>
+          <a:fontRef idx="minor">
+            <a:schemeClr val="lt1"/>
+          </a:fontRef>
+        </p:style>
+        <p:txBody>
+          <a:bodyPr rtlCol="0" anchor="ctr"/>
+          <a:lstStyle/>
+          <a:p>
+            <a:pPr algn="ctr"/>
+            <a:r>
+              <a:rPr lang="en-US" sz="1200" dirty="0" smtClean="0">
+                <a:solidFill>
+                  <a:schemeClr val="bg1"/>
+                </a:solidFill>
+              </a:rPr>
+              <a:t>Monitoring</a:t>
+            </a:r>
+          </a:p>
+        </p:txBody>
+      </p:sp>
+      <p:sp>
+        <p:nvSpPr>
+          <p:cNvPr id="52" name="Rectangle 51"/>
+          <p:cNvSpPr/>
+          <p:nvPr/>
+        </p:nvSpPr>
+        <p:spPr>
+          <a:xfrm>
+            <a:off x="6921726" y="1701033"/>
+            <a:ext cx="1632908" cy="2245365"/>
+          </a:xfrm>
+          <a:prstGeom prst="rect">
+            <a:avLst/>
+          </a:prstGeom>
+          <a:ln w="57150" cmpd="sng">
+            <a:solidFill>
+              <a:schemeClr val="accent4">
+                <a:lumMod val="75000"/>
+              </a:schemeClr>
+            </a:solidFill>
+          </a:ln>
+        </p:spPr>
+        <p:style>
+          <a:lnRef idx="2">
+            <a:schemeClr val="accent5"/>
+          </a:lnRef>
+          <a:fillRef idx="1">
+            <a:schemeClr val="lt1"/>
+          </a:fillRef>
+          <a:effectRef idx="0">
+            <a:schemeClr val="accent5"/>
+          </a:effectRef>
+          <a:fontRef idx="minor">
+            <a:schemeClr val="dk1"/>
+          </a:fontRef>
+        </p:style>
+        <p:txBody>
+          <a:bodyPr rtlCol="0" anchor="b"/>
+          <a:lstStyle/>
+          <a:p>
+            <a:pPr algn="ctr"/>
+            <a:r>
+              <a:rPr lang="en-US" dirty="0" smtClean="0">
+                <a:solidFill>
+                  <a:schemeClr val="tx1"/>
+                </a:solidFill>
+              </a:rPr>
+              <a:t>Live models</a:t>
+            </a:r>
+          </a:p>
+        </p:txBody>
+      </p:sp>
+      <p:sp>
+        <p:nvSpPr>
+          <p:cNvPr id="53" name="Rounded Rectangle 52"/>
+          <p:cNvSpPr/>
+          <p:nvPr/>
+        </p:nvSpPr>
+        <p:spPr>
+          <a:xfrm>
+            <a:off x="7227895" y="2041238"/>
+            <a:ext cx="1009228" cy="544331"/>
+          </a:xfrm>
+          <a:prstGeom prst="roundRect">
+            <a:avLst/>
+          </a:prstGeom>
+          <a:solidFill>
+            <a:schemeClr val="accent4">
+              <a:lumMod val="75000"/>
+            </a:schemeClr>
+          </a:solidFill>
+          <a:ln/>
+        </p:spPr>
+        <p:style>
+          <a:lnRef idx="1">
+            <a:schemeClr val="dk1"/>
+          </a:lnRef>
+          <a:fillRef idx="3">
+            <a:schemeClr val="dk1"/>
+          </a:fillRef>
+          <a:effectRef idx="2">
+            <a:schemeClr val="dk1"/>
+          </a:effectRef>
+          <a:fontRef idx="minor">
+            <a:schemeClr val="lt1"/>
+          </a:fontRef>
+        </p:style>
+        <p:txBody>
+          <a:bodyPr rtlCol="0" anchor="ctr"/>
+          <a:lstStyle/>
+          <a:p>
+            <a:pPr algn="ctr"/>
+            <a:r>
+              <a:rPr lang="en-US" sz="2400" dirty="0" smtClean="0">
+                <a:solidFill>
+                  <a:schemeClr val="bg1"/>
+                </a:solidFill>
+              </a:rPr>
+              <a:t>Rete</a:t>
+            </a:r>
+          </a:p>
+        </p:txBody>
+      </p:sp>
+      <p:sp>
+        <p:nvSpPr>
+          <p:cNvPr id="54" name="Rounded Rectangle 53"/>
+          <p:cNvSpPr/>
+          <p:nvPr/>
+        </p:nvSpPr>
+        <p:spPr>
+          <a:xfrm>
+            <a:off x="7232880" y="2783332"/>
+            <a:ext cx="1009228" cy="544331"/>
+          </a:xfrm>
+          <a:prstGeom prst="roundRect">
+            <a:avLst/>
+          </a:prstGeom>
+          <a:solidFill>
+            <a:schemeClr val="accent4">
+              <a:lumMod val="75000"/>
+            </a:schemeClr>
+          </a:solidFill>
+          <a:ln/>
+        </p:spPr>
+        <p:style>
+          <a:lnRef idx="1">
+            <a:schemeClr val="dk1"/>
+          </a:lnRef>
+          <a:fillRef idx="3">
+            <a:schemeClr val="dk1"/>
+          </a:fillRef>
+          <a:effectRef idx="2">
+            <a:schemeClr val="dk1"/>
+          </a:effectRef>
+          <a:fontRef idx="minor">
+            <a:schemeClr val="lt1"/>
+          </a:fontRef>
+        </p:style>
+        <p:txBody>
+          <a:bodyPr rtlCol="0" anchor="ctr"/>
+          <a:lstStyle/>
+          <a:p>
+            <a:pPr algn="ctr"/>
+            <a:r>
+              <a:rPr lang="en-US" sz="2400" dirty="0" smtClean="0">
+                <a:solidFill>
+                  <a:schemeClr val="bg1"/>
+                </a:solidFill>
+              </a:rPr>
+              <a:t>Cloud</a:t>
+            </a:r>
+          </a:p>
+        </p:txBody>
+      </p:sp>
+      <p:cxnSp>
+        <p:nvCxnSpPr>
+          <p:cNvPr id="55" name="Straight Arrow Connector 54"/>
+          <p:cNvCxnSpPr>
+            <a:stCxn id="46" idx="6"/>
+            <a:endCxn id="52" idx="1"/>
+          </p:cNvCxnSpPr>
+          <p:nvPr/>
+        </p:nvCxnSpPr>
+        <p:spPr>
+          <a:xfrm>
+            <a:off x="6474104" y="2260600"/>
+            <a:ext cx="447622" cy="563116"/>
+          </a:xfrm>
+          <a:prstGeom prst="straightConnector1">
+            <a:avLst/>
+          </a:prstGeom>
+          <a:ln>
+            <a:tailEnd type="arrow"/>
+          </a:ln>
+        </p:spPr>
+        <p:style>
+          <a:lnRef idx="3">
+            <a:schemeClr val="accent5"/>
+          </a:lnRef>
+          <a:fillRef idx="0">
+            <a:schemeClr val="accent5"/>
+          </a:fillRef>
+          <a:effectRef idx="2">
+            <a:schemeClr val="accent5"/>
+          </a:effectRef>
+          <a:fontRef idx="minor">
+            <a:schemeClr val="tx1"/>
+          </a:fontRef>
+        </p:style>
+      </p:cxnSp>
+      <p:sp>
+        <p:nvSpPr>
+          <p:cNvPr id="58" name="Oval 57"/>
+          <p:cNvSpPr/>
+          <p:nvPr/>
+        </p:nvSpPr>
+        <p:spPr>
+          <a:xfrm>
+            <a:off x="5135301" y="2930621"/>
+            <a:ext cx="1338077" cy="975259"/>
+          </a:xfrm>
+          <a:prstGeom prst="ellipse">
+            <a:avLst/>
+          </a:prstGeom>
+          <a:ln/>
+        </p:spPr>
+        <p:style>
+          <a:lnRef idx="1">
+            <a:schemeClr val="accent2"/>
+          </a:lnRef>
+          <a:fillRef idx="3">
+            <a:schemeClr val="accent2"/>
+          </a:fillRef>
+          <a:effectRef idx="2">
+            <a:schemeClr val="accent2"/>
+          </a:effectRef>
+          <a:fontRef idx="minor">
+            <a:schemeClr val="lt1"/>
+          </a:fontRef>
+        </p:style>
+        <p:txBody>
+          <a:bodyPr rtlCol="0" anchor="ctr"/>
+          <a:lstStyle/>
+          <a:p>
+            <a:pPr algn="ctr"/>
+            <a:r>
+              <a:rPr lang="en-US" sz="1200" dirty="0" smtClean="0">
+                <a:solidFill>
+                  <a:schemeClr val="bg1"/>
+                </a:solidFill>
+              </a:rPr>
+              <a:t>Control</a:t>
+            </a:r>
+          </a:p>
+        </p:txBody>
+      </p:sp>
+      <p:cxnSp>
+        <p:nvCxnSpPr>
+          <p:cNvPr id="60" name="Elbow Connector 59"/>
+          <p:cNvCxnSpPr>
+            <a:stCxn id="37" idx="2"/>
+            <a:endCxn id="46" idx="2"/>
+          </p:cNvCxnSpPr>
+          <p:nvPr/>
+        </p:nvCxnSpPr>
+        <p:spPr>
+          <a:xfrm rot="5400000" flipH="1" flipV="1">
+            <a:off x="3292501" y="1721414"/>
+            <a:ext cx="1304340" cy="2382712"/>
+          </a:xfrm>
+          <a:prstGeom prst="bentConnector4">
+            <a:avLst>
+              <a:gd name="adj1" fmla="val -17526"/>
+              <a:gd name="adj2" fmla="val 88098"/>
+            </a:avLst>
+          </a:prstGeom>
+          <a:ln>
+            <a:tailEnd type="arrow"/>
+          </a:ln>
+        </p:spPr>
+        <p:style>
+          <a:lnRef idx="3">
+            <a:schemeClr val="accent5"/>
+          </a:lnRef>
+          <a:fillRef idx="0">
+            <a:schemeClr val="accent5"/>
+          </a:fillRef>
+          <a:effectRef idx="2">
+            <a:schemeClr val="accent5"/>
+          </a:effectRef>
+          <a:fontRef idx="minor">
+            <a:schemeClr val="tx1"/>
+          </a:fontRef>
+        </p:style>
+      </p:cxnSp>
+      <p:cxnSp>
+        <p:nvCxnSpPr>
+          <p:cNvPr id="62" name="Elbow Connector 61"/>
+          <p:cNvCxnSpPr>
+            <a:stCxn id="58" idx="2"/>
+            <a:endCxn id="37" idx="3"/>
+          </p:cNvCxnSpPr>
+          <p:nvPr/>
+        </p:nvCxnSpPr>
+        <p:spPr>
+          <a:xfrm rot="10800000">
+            <a:off x="4253467" y="3297773"/>
+            <a:ext cx="881834" cy="120478"/>
+          </a:xfrm>
+          <a:prstGeom prst="bentConnector3">
+            <a:avLst>
+              <a:gd name="adj1" fmla="val 58216"/>
+            </a:avLst>
+          </a:prstGeom>
+          <a:ln>
+            <a:tailEnd type="arrow"/>
+          </a:ln>
+        </p:spPr>
+        <p:style>
+          <a:lnRef idx="3">
+            <a:schemeClr val="accent2"/>
+          </a:lnRef>
+          <a:fillRef idx="0">
+            <a:schemeClr val="accent2"/>
+          </a:fillRef>
+          <a:effectRef idx="2">
+            <a:schemeClr val="accent2"/>
+          </a:effectRef>
+          <a:fontRef idx="minor">
+            <a:schemeClr val="tx1"/>
+          </a:fontRef>
+        </p:style>
+      </p:cxnSp>
+      <p:cxnSp>
+        <p:nvCxnSpPr>
+          <p:cNvPr id="65" name="Elbow Connector 64"/>
+          <p:cNvCxnSpPr>
+            <a:stCxn id="58" idx="2"/>
+            <a:endCxn id="38" idx="3"/>
+          </p:cNvCxnSpPr>
+          <p:nvPr/>
+        </p:nvCxnSpPr>
+        <p:spPr>
+          <a:xfrm rot="10800000">
+            <a:off x="4252365" y="2423923"/>
+            <a:ext cx="882937" cy="994329"/>
+          </a:xfrm>
+          <a:prstGeom prst="bentConnector3">
+            <a:avLst>
+              <a:gd name="adj1" fmla="val 46139"/>
+            </a:avLst>
+          </a:prstGeom>
+          <a:ln>
+            <a:tailEnd type="arrow"/>
+          </a:ln>
+        </p:spPr>
+        <p:style>
+          <a:lnRef idx="3">
+            <a:schemeClr val="accent2"/>
+          </a:lnRef>
+          <a:fillRef idx="0">
+            <a:schemeClr val="accent2"/>
+          </a:fillRef>
+          <a:effectRef idx="2">
+            <a:schemeClr val="accent2"/>
+          </a:effectRef>
+          <a:fontRef idx="minor">
+            <a:schemeClr val="tx1"/>
+          </a:fontRef>
+        </p:style>
+      </p:cxnSp>
+      <p:cxnSp>
+        <p:nvCxnSpPr>
+          <p:cNvPr id="69" name="Elbow Connector 68"/>
+          <p:cNvCxnSpPr>
+            <a:stCxn id="38" idx="0"/>
+            <a:endCxn id="46" idx="2"/>
+          </p:cNvCxnSpPr>
+          <p:nvPr/>
+        </p:nvCxnSpPr>
+        <p:spPr>
+          <a:xfrm rot="16200000" flipH="1">
+            <a:off x="3882848" y="1007422"/>
+            <a:ext cx="122168" cy="2384189"/>
+          </a:xfrm>
+          <a:prstGeom prst="bentConnector4">
+            <a:avLst>
+              <a:gd name="adj1" fmla="val -187119"/>
+              <a:gd name="adj2" fmla="val 81468"/>
+            </a:avLst>
+          </a:prstGeom>
+          <a:ln>
+            <a:tailEnd type="arrow"/>
+          </a:ln>
+        </p:spPr>
+        <p:style>
+          <a:lnRef idx="3">
+            <a:schemeClr val="accent5"/>
+          </a:lnRef>
+          <a:fillRef idx="0">
+            <a:schemeClr val="accent5"/>
+          </a:fillRef>
+          <a:effectRef idx="2">
+            <a:schemeClr val="accent5"/>
+          </a:effectRef>
+          <a:fontRef idx="minor">
+            <a:schemeClr val="tx1"/>
+          </a:fontRef>
+        </p:style>
+      </p:cxnSp>
+      <p:cxnSp>
+        <p:nvCxnSpPr>
+          <p:cNvPr id="80" name="Straight Arrow Connector 79"/>
+          <p:cNvCxnSpPr>
+            <a:stCxn id="52" idx="1"/>
+            <a:endCxn id="58" idx="6"/>
+          </p:cNvCxnSpPr>
+          <p:nvPr/>
+        </p:nvCxnSpPr>
+        <p:spPr>
+          <a:xfrm flipH="1">
+            <a:off x="6473378" y="2823716"/>
+            <a:ext cx="448348" cy="594535"/>
+          </a:xfrm>
+          <a:prstGeom prst="straightConnector1">
+            <a:avLst/>
+          </a:prstGeom>
+          <a:ln>
+            <a:tailEnd type="arrow"/>
+          </a:ln>
+        </p:spPr>
+        <p:style>
+          <a:lnRef idx="3">
+            <a:schemeClr val="accent2"/>
+          </a:lnRef>
+          <a:fillRef idx="0">
+            <a:schemeClr val="accent2"/>
+          </a:fillRef>
+          <a:effectRef idx="2">
+            <a:schemeClr val="accent2"/>
+          </a:effectRef>
+          <a:fontRef idx="minor">
+            <a:schemeClr val="tx1"/>
+          </a:fontRef>
+        </p:style>
+      </p:cxnSp>
+      <p:sp>
+        <p:nvSpPr>
+          <p:cNvPr id="84" name="24-Point Star 83"/>
+          <p:cNvSpPr/>
+          <p:nvPr/>
+        </p:nvSpPr>
+        <p:spPr>
+          <a:xfrm>
+            <a:off x="7769111" y="4225736"/>
+            <a:ext cx="878043" cy="807515"/>
+          </a:xfrm>
+          <a:prstGeom prst="star24">
+            <a:avLst>
+              <a:gd name="adj" fmla="val 47214"/>
+            </a:avLst>
+          </a:prstGeom>
+          <a:ln/>
+        </p:spPr>
+        <p:style>
+          <a:lnRef idx="1">
+            <a:schemeClr val="dk1"/>
+          </a:lnRef>
+          <a:fillRef idx="3">
+            <a:schemeClr val="dk1"/>
+          </a:fillRef>
+          <a:effectRef idx="2">
+            <a:schemeClr val="dk1"/>
+          </a:effectRef>
+          <a:fontRef idx="minor">
+            <a:schemeClr val="lt1"/>
+          </a:fontRef>
+        </p:style>
+        <p:txBody>
+          <a:bodyPr rtlCol="0" anchor="ctr"/>
+          <a:lstStyle/>
+          <a:p>
+            <a:pPr algn="ctr"/>
+            <a:r>
+              <a:rPr lang="en-US" sz="2000" dirty="0" smtClean="0">
+                <a:solidFill>
+                  <a:schemeClr val="bg1"/>
+                </a:solidFill>
+              </a:rPr>
+              <a:t>DSE</a:t>
+            </a:r>
+          </a:p>
+        </p:txBody>
+      </p:sp>
+      <p:sp>
+        <p:nvSpPr>
+          <p:cNvPr id="85" name="24-Point Star 84"/>
+          <p:cNvSpPr/>
+          <p:nvPr/>
+        </p:nvSpPr>
+        <p:spPr>
+          <a:xfrm>
+            <a:off x="6808278" y="4237017"/>
+            <a:ext cx="878043" cy="807515"/>
+          </a:xfrm>
+          <a:prstGeom prst="star24">
+            <a:avLst>
+              <a:gd name="adj" fmla="val 47214"/>
+            </a:avLst>
+          </a:prstGeom>
+          <a:ln/>
+        </p:spPr>
+        <p:style>
+          <a:lnRef idx="1">
+            <a:schemeClr val="dk1"/>
+          </a:lnRef>
+          <a:fillRef idx="3">
+            <a:schemeClr val="dk1"/>
+          </a:fillRef>
+          <a:effectRef idx="2">
+            <a:schemeClr val="dk1"/>
+          </a:effectRef>
+          <a:fontRef idx="minor">
+            <a:schemeClr val="lt1"/>
+          </a:fontRef>
+        </p:style>
+        <p:txBody>
+          <a:bodyPr rtlCol="0" anchor="ctr"/>
+          <a:lstStyle/>
+          <a:p>
+            <a:pPr algn="ctr"/>
+            <a:r>
+              <a:rPr lang="en-US" sz="2000" dirty="0" smtClean="0">
+                <a:solidFill>
+                  <a:schemeClr val="bg1"/>
+                </a:solidFill>
+              </a:rPr>
+              <a:t>CEP</a:t>
+            </a:r>
+          </a:p>
+        </p:txBody>
+      </p:sp>
+      <p:sp>
+        <p:nvSpPr>
+          <p:cNvPr id="86" name="Up-Down Arrow 85"/>
+          <p:cNvSpPr/>
+          <p:nvPr/>
+        </p:nvSpPr>
+        <p:spPr>
+          <a:xfrm>
+            <a:off x="7094905" y="3912137"/>
+            <a:ext cx="313587" cy="493917"/>
+          </a:xfrm>
+          <a:prstGeom prst="upDownArrow">
+            <a:avLst/>
+          </a:prstGeom>
+          <a:ln/>
+        </p:spPr>
+        <p:style>
+          <a:lnRef idx="1">
+            <a:schemeClr val="accent5"/>
+          </a:lnRef>
+          <a:fillRef idx="3">
+            <a:schemeClr val="accent5"/>
+          </a:fillRef>
+          <a:effectRef idx="2">
+            <a:schemeClr val="accent5"/>
+          </a:effectRef>
+          <a:fontRef idx="minor">
+            <a:schemeClr val="lt1"/>
+          </a:fontRef>
+        </p:style>
+        <p:txBody>
+          <a:bodyPr rtlCol="0" anchor="ctr"/>
+          <a:lstStyle/>
+          <a:p>
+            <a:pPr algn="ctr"/>
+            <a:endParaRPr lang="en-US" sz="2400" dirty="0" smtClean="0">
+              <a:solidFill>
+                <a:schemeClr val="bg1"/>
+              </a:solidFill>
+            </a:endParaRPr>
+          </a:p>
+        </p:txBody>
+      </p:sp>
+      <p:sp>
+        <p:nvSpPr>
+          <p:cNvPr id="87" name="Up-Down Arrow 86"/>
+          <p:cNvSpPr/>
+          <p:nvPr/>
+        </p:nvSpPr>
+        <p:spPr>
+          <a:xfrm>
+            <a:off x="8054791" y="3915578"/>
+            <a:ext cx="313587" cy="493917"/>
+          </a:xfrm>
+          <a:prstGeom prst="upDownArrow">
+            <a:avLst/>
+          </a:prstGeom>
+          <a:ln/>
+        </p:spPr>
+        <p:style>
+          <a:lnRef idx="1">
+            <a:schemeClr val="accent2"/>
+          </a:lnRef>
+          <a:fillRef idx="3">
+            <a:schemeClr val="accent2"/>
+          </a:fillRef>
+          <a:effectRef idx="2">
+            <a:schemeClr val="accent2"/>
+          </a:effectRef>
+          <a:fontRef idx="minor">
+            <a:schemeClr val="lt1"/>
+          </a:fontRef>
+        </p:style>
+        <p:txBody>
+          <a:bodyPr rtlCol="0" anchor="ctr"/>
+          <a:lstStyle/>
+          <a:p>
+            <a:pPr algn="ctr"/>
+            <a:endParaRPr lang="en-US" sz="2400" dirty="0" smtClean="0">
+              <a:solidFill>
+                <a:schemeClr val="bg1"/>
+              </a:solidFill>
+            </a:endParaRPr>
+          </a:p>
+        </p:txBody>
+      </p:sp>
+      <p:sp>
+        <p:nvSpPr>
+          <p:cNvPr id="88" name="24-Point Star 87"/>
+          <p:cNvSpPr/>
+          <p:nvPr/>
+        </p:nvSpPr>
+        <p:spPr>
+          <a:xfrm>
+            <a:off x="6945951" y="751678"/>
+            <a:ext cx="1614973" cy="807515"/>
+          </a:xfrm>
+          <a:prstGeom prst="star24">
+            <a:avLst>
+              <a:gd name="adj" fmla="val 47214"/>
+            </a:avLst>
+          </a:prstGeom>
+          <a:ln/>
+        </p:spPr>
+        <p:style>
+          <a:lnRef idx="1">
+            <a:schemeClr val="dk1"/>
+          </a:lnRef>
+          <a:fillRef idx="3">
+            <a:schemeClr val="dk1"/>
+          </a:fillRef>
+          <a:effectRef idx="2">
+            <a:schemeClr val="dk1"/>
+          </a:effectRef>
+          <a:fontRef idx="minor">
+            <a:schemeClr val="lt1"/>
+          </a:fontRef>
+        </p:style>
+        <p:txBody>
+          <a:bodyPr rtlCol="0" anchor="ctr"/>
+          <a:lstStyle/>
+          <a:p>
+            <a:pPr algn="ctr"/>
+            <a:r>
+              <a:rPr lang="en-US" sz="1200" dirty="0" smtClean="0">
+                <a:solidFill>
+                  <a:schemeClr val="bg1"/>
+                </a:solidFill>
+              </a:rPr>
+              <a:t>EMF-</a:t>
+            </a:r>
+            <a:r>
+              <a:rPr lang="en-US" sz="1200" dirty="0" err="1" smtClean="0">
+                <a:solidFill>
+                  <a:schemeClr val="bg1"/>
+                </a:solidFill>
+              </a:rPr>
+              <a:t>IncQuery</a:t>
+            </a:r>
+            <a:r>
+              <a:rPr lang="en-US" sz="1200" dirty="0" smtClean="0">
+                <a:solidFill>
+                  <a:schemeClr val="bg1"/>
+                </a:solidFill>
+              </a:rPr>
+              <a:t> Tooling</a:t>
+            </a:r>
+          </a:p>
+        </p:txBody>
+      </p:sp>
+      <p:sp>
+        <p:nvSpPr>
+          <p:cNvPr id="89" name="Down Arrow 88"/>
+          <p:cNvSpPr/>
+          <p:nvPr/>
+        </p:nvSpPr>
+        <p:spPr>
+          <a:xfrm>
+            <a:off x="7580965" y="1426873"/>
+            <a:ext cx="313587" cy="501757"/>
+          </a:xfrm>
+          <a:prstGeom prst="downArrow">
+            <a:avLst/>
+          </a:prstGeom>
+          <a:ln/>
+        </p:spPr>
+        <p:style>
+          <a:lnRef idx="1">
+            <a:schemeClr val="accent4"/>
+          </a:lnRef>
+          <a:fillRef idx="3">
+            <a:schemeClr val="accent4"/>
+          </a:fillRef>
+          <a:effectRef idx="2">
+            <a:schemeClr val="accent4"/>
+          </a:effectRef>
+          <a:fontRef idx="minor">
+            <a:schemeClr val="lt1"/>
+          </a:fontRef>
+        </p:style>
+        <p:txBody>
+          <a:bodyPr rtlCol="0" anchor="ctr"/>
+          <a:lstStyle/>
+          <a:p>
+            <a:pPr algn="ctr"/>
+            <a:endParaRPr lang="en-US" sz="2400" dirty="0" smtClean="0">
+              <a:solidFill>
+                <a:schemeClr val="bg1"/>
+              </a:solidFill>
+            </a:endParaRPr>
+          </a:p>
+        </p:txBody>
+      </p:sp>
+    </p:spTree>
+    <p:extLst>
+      <p:ext uri="{BB962C8B-B14F-4D97-AF65-F5344CB8AC3E}">
+        <p14:creationId xmlns:p14="http://schemas.microsoft.com/office/powerpoint/2010/main" val="3385696325"/>
+      </p:ext>
+    </p:extLst>
+  </p:cSld>
+  <p:clrMapOvr>
+    <a:masterClrMapping/>
+  </p:clrMapOvr>
+  <p:timing>
+    <p:tnLst>
+      <p:par>
+        <p:cTn id="1" dur="indefinite" restart="never" nodeType="tmRoot">
+          <p:childTnLst>
+            <p:seq concurrent="1" nextAc="seek">
+              <p:cTn id="2" dur="indefinite" nodeType="mainSeq">
+                <p:childTnLst>
+                  <p:par>
+                    <p:cTn id="3" fill="hold">
+                      <p:stCondLst>
+                        <p:cond delay="indefinite"/>
+                        <p:cond evt="onBegin" delay="0">
+                          <p:tn val="2"/>
+                        </p:cond>
+                      </p:stCondLst>
+                      <p:childTnLst>
+                        <p:par>
+                          <p:cTn id="4" fill="hold">
+                            <p:stCondLst>
+                              <p:cond delay="0"/>
+                            </p:stCondLst>
+                            <p:childTnLst>
+                              <p:par>
+                                <p:cTn id="5" presetID="1" presetClass="exit" presetSubtype="0" fill="hold" grpId="0" nodeType="withEffect">
+                                  <p:stCondLst>
+                                    <p:cond delay="0"/>
+                                  </p:stCondLst>
+                                  <p:childTnLst>
+                                    <p:set>
+                                      <p:cBhvr>
+                                        <p:cTn id="6" dur="1" fill="hold">
+                                          <p:stCondLst>
+                                            <p:cond delay="0"/>
+                                          </p:stCondLst>
+                                        </p:cTn>
+                                        <p:tgtEl>
+                                          <p:spTgt spid="29"/>
+                                        </p:tgtEl>
+                                        <p:attrNameLst>
+                                          <p:attrName>style.visibility</p:attrName>
+                                        </p:attrNameLst>
+                                      </p:cBhvr>
+                                      <p:to>
+                                        <p:strVal val="hidden"/>
+                                      </p:to>
+                                    </p:set>
+                                  </p:childTnLst>
+                                </p:cTn>
+                              </p:par>
+                              <p:par>
+                                <p:cTn id="7" presetID="1" presetClass="entr" presetSubtype="0" fill="hold" grpId="0" nodeType="withEffect">
+                                  <p:stCondLst>
+                                    <p:cond delay="0"/>
+                                  </p:stCondLst>
+                                  <p:childTnLst>
+                                    <p:set>
+                                      <p:cBhvr>
+                                        <p:cTn id="8" dur="1" fill="hold">
+                                          <p:stCondLst>
+                                            <p:cond delay="0"/>
+                                          </p:stCondLst>
+                                        </p:cTn>
+                                        <p:tgtEl>
+                                          <p:spTgt spid="30"/>
+                                        </p:tgtEl>
+                                        <p:attrNameLst>
+                                          <p:attrName>style.visibility</p:attrName>
+                                        </p:attrNameLst>
+                                      </p:cBhvr>
+                                      <p:to>
+                                        <p:strVal val="visible"/>
+                                      </p:to>
+                                    </p:set>
+                                  </p:childTnLst>
+                                </p:cTn>
+                              </p:par>
+                              <p:par>
+                                <p:cTn id="9" presetID="1" presetClass="entr" presetSubtype="0" fill="hold" grpId="0" nodeType="withEffect">
+                                  <p:stCondLst>
+                                    <p:cond delay="0"/>
+                                  </p:stCondLst>
+                                  <p:childTnLst>
+                                    <p:set>
+                                      <p:cBhvr>
+                                        <p:cTn id="10" dur="1" fill="hold">
+                                          <p:stCondLst>
+                                            <p:cond delay="0"/>
+                                          </p:stCondLst>
+                                        </p:cTn>
+                                        <p:tgtEl>
+                                          <p:spTgt spid="34"/>
+                                        </p:tgtEl>
+                                        <p:attrNameLst>
+                                          <p:attrName>style.visibility</p:attrName>
+                                        </p:attrNameLst>
+                                      </p:cBhvr>
+                                      <p:to>
+                                        <p:strVal val="visible"/>
+                                      </p:to>
+                                    </p:set>
+                                  </p:childTnLst>
+                                </p:cTn>
+                              </p:par>
+                              <p:par>
+                                <p:cTn id="11" presetID="1" presetClass="entr" presetSubtype="0" fill="hold" nodeType="withEffect">
+                                  <p:stCondLst>
+                                    <p:cond delay="0"/>
+                                  </p:stCondLst>
+                                  <p:childTnLst>
+                                    <p:set>
+                                      <p:cBhvr>
+                                        <p:cTn id="12" dur="1" fill="hold">
+                                          <p:stCondLst>
+                                            <p:cond delay="0"/>
+                                          </p:stCondLst>
+                                        </p:cTn>
+                                        <p:tgtEl>
+                                          <p:spTgt spid="23"/>
+                                        </p:tgtEl>
+                                        <p:attrNameLst>
+                                          <p:attrName>style.visibility</p:attrName>
+                                        </p:attrNameLst>
+                                      </p:cBhvr>
+                                      <p:to>
+                                        <p:strVal val="visible"/>
+                                      </p:to>
+                                    </p:set>
+                                  </p:childTnLst>
+                                </p:cTn>
+                              </p:par>
+                              <p:par>
+                                <p:cTn id="13" presetID="1" presetClass="entr" presetSubtype="0" fill="hold" nodeType="withEffect">
+                                  <p:stCondLst>
+                                    <p:cond delay="0"/>
+                                  </p:stCondLst>
+                                  <p:childTnLst>
+                                    <p:set>
+                                      <p:cBhvr>
+                                        <p:cTn id="14" dur="1" fill="hold">
+                                          <p:stCondLst>
+                                            <p:cond delay="0"/>
+                                          </p:stCondLst>
+                                        </p:cTn>
+                                        <p:tgtEl>
+                                          <p:spTgt spid="24"/>
+                                        </p:tgtEl>
+                                        <p:attrNameLst>
+                                          <p:attrName>style.visibility</p:attrName>
+                                        </p:attrNameLst>
+                                      </p:cBhvr>
+                                      <p:to>
+                                        <p:strVal val="visible"/>
+                                      </p:to>
+                                    </p:set>
+                                  </p:childTnLst>
+                                </p:cTn>
+                              </p:par>
+                              <p:par>
+                                <p:cTn id="15" presetID="1" presetClass="entr" presetSubtype="0" fill="hold" nodeType="withEffect">
+                                  <p:stCondLst>
+                                    <p:cond delay="0"/>
+                                  </p:stCondLst>
+                                  <p:childTnLst>
+                                    <p:set>
+                                      <p:cBhvr>
+                                        <p:cTn id="16" dur="1" fill="hold">
+                                          <p:stCondLst>
+                                            <p:cond delay="0"/>
+                                          </p:stCondLst>
+                                        </p:cTn>
+                                        <p:tgtEl>
+                                          <p:spTgt spid="25"/>
+                                        </p:tgtEl>
+                                        <p:attrNameLst>
+                                          <p:attrName>style.visibility</p:attrName>
+                                        </p:attrNameLst>
+                                      </p:cBhvr>
+                                      <p:to>
+                                        <p:strVal val="visible"/>
+                                      </p:to>
+                                    </p:set>
+                                  </p:childTnLst>
+                                </p:cTn>
+                              </p:par>
+                              <p:par>
+                                <p:cTn id="17" presetID="1" presetClass="entr" presetSubtype="0" fill="hold" grpId="0" nodeType="withEffect">
+                                  <p:stCondLst>
+                                    <p:cond delay="0"/>
+                                  </p:stCondLst>
+                                  <p:childTnLst>
+                                    <p:set>
+                                      <p:cBhvr>
+                                        <p:cTn id="18" dur="1" fill="hold">
+                                          <p:stCondLst>
+                                            <p:cond delay="0"/>
+                                          </p:stCondLst>
+                                        </p:cTn>
+                                        <p:tgtEl>
+                                          <p:spTgt spid="14"/>
+                                        </p:tgtEl>
+                                        <p:attrNameLst>
+                                          <p:attrName>style.visibility</p:attrName>
+                                        </p:attrNameLst>
+                                      </p:cBhvr>
+                                      <p:to>
+                                        <p:strVal val="visible"/>
+                                      </p:to>
+                                    </p:set>
+                                  </p:childTnLst>
+                                </p:cTn>
+                              </p:par>
+                              <p:par>
+                                <p:cTn id="19" presetID="1" presetClass="entr" presetSubtype="0" fill="hold" grpId="0" nodeType="withEffect">
+                                  <p:stCondLst>
+                                    <p:cond delay="0"/>
+                                  </p:stCondLst>
+                                  <p:childTnLst>
+                                    <p:set>
+                                      <p:cBhvr>
+                                        <p:cTn id="20" dur="1" fill="hold">
+                                          <p:stCondLst>
+                                            <p:cond delay="0"/>
+                                          </p:stCondLst>
+                                        </p:cTn>
+                                        <p:tgtEl>
+                                          <p:spTgt spid="16"/>
+                                        </p:tgtEl>
+                                        <p:attrNameLst>
+                                          <p:attrName>style.visibility</p:attrName>
+                                        </p:attrNameLst>
+                                      </p:cBhvr>
+                                      <p:to>
+                                        <p:strVal val="visible"/>
+                                      </p:to>
+                                    </p:set>
+                                  </p:childTnLst>
+                                </p:cTn>
+                              </p:par>
+                              <p:par>
+                                <p:cTn id="21" presetID="1" presetClass="entr" presetSubtype="0" fill="hold" nodeType="withEffect">
+                                  <p:stCondLst>
+                                    <p:cond delay="0"/>
+                                  </p:stCondLst>
+                                  <p:childTnLst>
+                                    <p:set>
+                                      <p:cBhvr>
+                                        <p:cTn id="22" dur="1" fill="hold">
+                                          <p:stCondLst>
+                                            <p:cond delay="0"/>
+                                          </p:stCondLst>
+                                        </p:cTn>
+                                        <p:tgtEl>
+                                          <p:spTgt spid="15"/>
+                                        </p:tgtEl>
+                                        <p:attrNameLst>
+                                          <p:attrName>style.visibility</p:attrName>
+                                        </p:attrNameLst>
+                                      </p:cBhvr>
+                                      <p:to>
+                                        <p:strVal val="visible"/>
+                                      </p:to>
+                                    </p:set>
+                                  </p:childTnLst>
+                                </p:cTn>
+                              </p:par>
+                              <p:par>
+                                <p:cTn id="23" presetID="1" presetClass="exit" presetSubtype="0" fill="hold" grpId="0" nodeType="withEffect">
+                                  <p:stCondLst>
+                                    <p:cond delay="0"/>
+                                  </p:stCondLst>
+                                  <p:childTnLst>
+                                    <p:set>
+                                      <p:cBhvr>
+                                        <p:cTn id="24" dur="1" fill="hold">
+                                          <p:stCondLst>
+                                            <p:cond delay="0"/>
+                                          </p:stCondLst>
+                                        </p:cTn>
+                                        <p:tgtEl>
+                                          <p:spTgt spid="36"/>
+                                        </p:tgtEl>
+                                        <p:attrNameLst>
+                                          <p:attrName>style.visibility</p:attrName>
+                                        </p:attrNameLst>
+                                      </p:cBhvr>
+                                      <p:to>
+                                        <p:strVal val="hidden"/>
+                                      </p:to>
+                                    </p:set>
+                                  </p:childTnLst>
+                                </p:cTn>
+                              </p:par>
+                              <p:par>
+                                <p:cTn id="25" presetID="1" presetClass="entr" presetSubtype="0" fill="hold" grpId="0" nodeType="withEffect">
+                                  <p:stCondLst>
+                                    <p:cond delay="0"/>
+                                  </p:stCondLst>
+                                  <p:childTnLst>
+                                    <p:set>
+                                      <p:cBhvr>
+                                        <p:cTn id="26" dur="1" fill="hold">
+                                          <p:stCondLst>
+                                            <p:cond delay="0"/>
+                                          </p:stCondLst>
+                                        </p:cTn>
+                                        <p:tgtEl>
+                                          <p:spTgt spid="37"/>
+                                        </p:tgtEl>
+                                        <p:attrNameLst>
+                                          <p:attrName>style.visibility</p:attrName>
+                                        </p:attrNameLst>
+                                      </p:cBhvr>
+                                      <p:to>
+                                        <p:strVal val="visible"/>
+                                      </p:to>
+                                    </p:set>
+                                  </p:childTnLst>
+                                </p:cTn>
+                              </p:par>
+                              <p:par>
+                                <p:cTn id="27" presetID="1" presetClass="exit" presetSubtype="0" fill="hold" nodeType="withEffect">
+                                  <p:stCondLst>
+                                    <p:cond delay="0"/>
+                                  </p:stCondLst>
+                                  <p:childTnLst>
+                                    <p:set>
+                                      <p:cBhvr>
+                                        <p:cTn id="28" dur="1" fill="hold">
+                                          <p:stCondLst>
+                                            <p:cond delay="0"/>
+                                          </p:stCondLst>
+                                        </p:cTn>
+                                        <p:tgtEl>
+                                          <p:spTgt spid="13"/>
+                                        </p:tgtEl>
+                                        <p:attrNameLst>
+                                          <p:attrName>style.visibility</p:attrName>
+                                        </p:attrNameLst>
+                                      </p:cBhvr>
+                                      <p:to>
+                                        <p:strVal val="hidden"/>
+                                      </p:to>
+                                    </p:set>
+                                  </p:childTnLst>
+                                </p:cTn>
+                              </p:par>
+                              <p:par>
+                                <p:cTn id="29" presetID="1" presetClass="entr" presetSubtype="0" fill="hold" nodeType="withEffect">
+                                  <p:stCondLst>
+                                    <p:cond delay="0"/>
+                                  </p:stCondLst>
+                                  <p:childTnLst>
+                                    <p:set>
+                                      <p:cBhvr>
+                                        <p:cTn id="30" dur="1" fill="hold">
+                                          <p:stCondLst>
+                                            <p:cond delay="0"/>
+                                          </p:stCondLst>
+                                        </p:cTn>
+                                        <p:tgtEl>
+                                          <p:spTgt spid="4"/>
+                                        </p:tgtEl>
+                                        <p:attrNameLst>
+                                          <p:attrName>style.visibility</p:attrName>
+                                        </p:attrNameLst>
+                                      </p:cBhvr>
+                                      <p:to>
+                                        <p:strVal val="visible"/>
+                                      </p:to>
+                                    </p:set>
+                                  </p:childTnLst>
+                                </p:cTn>
+                              </p:par>
+                              <p:par>
+                                <p:cTn id="31" presetID="1" presetClass="entr" presetSubtype="0" fill="hold" nodeType="withEffect">
+                                  <p:stCondLst>
+                                    <p:cond delay="0"/>
+                                  </p:stCondLst>
+                                  <p:childTnLst>
+                                    <p:set>
+                                      <p:cBhvr>
+                                        <p:cTn id="32" dur="1" fill="hold">
+                                          <p:stCondLst>
+                                            <p:cond delay="0"/>
+                                          </p:stCondLst>
+                                        </p:cTn>
+                                        <p:tgtEl>
+                                          <p:spTgt spid="5"/>
+                                        </p:tgtEl>
+                                        <p:attrNameLst>
+                                          <p:attrName>style.visibility</p:attrName>
+                                        </p:attrNameLst>
+                                      </p:cBhvr>
+                                      <p:to>
+                                        <p:strVal val="visible"/>
+                                      </p:to>
+                                    </p:set>
+                                  </p:childTnLst>
+                                </p:cTn>
+                              </p:par>
+                              <p:par>
+                                <p:cTn id="33" presetID="1" presetClass="exit" presetSubtype="0" fill="hold" nodeType="withEffect">
+                                  <p:stCondLst>
+                                    <p:cond delay="0"/>
+                                  </p:stCondLst>
+                                  <p:childTnLst>
+                                    <p:set>
+                                      <p:cBhvr>
+                                        <p:cTn id="34" dur="1" fill="hold">
+                                          <p:stCondLst>
+                                            <p:cond delay="0"/>
+                                          </p:stCondLst>
+                                        </p:cTn>
+                                        <p:tgtEl>
+                                          <p:spTgt spid="10"/>
+                                        </p:tgtEl>
+                                        <p:attrNameLst>
+                                          <p:attrName>style.visibility</p:attrName>
+                                        </p:attrNameLst>
+                                      </p:cBhvr>
+                                      <p:to>
+                                        <p:strVal val="hidden"/>
+                                      </p:to>
+                                    </p:set>
+                                  </p:childTnLst>
+                                </p:cTn>
+                              </p:par>
+                              <p:par>
+                                <p:cTn id="35" presetID="1" presetClass="entr" presetSubtype="0" fill="hold" nodeType="withEffect">
+                                  <p:stCondLst>
+                                    <p:cond delay="0"/>
+                                  </p:stCondLst>
+                                  <p:childTnLst>
+                                    <p:set>
+                                      <p:cBhvr>
+                                        <p:cTn id="36" dur="1" fill="hold">
+                                          <p:stCondLst>
+                                            <p:cond delay="0"/>
+                                          </p:stCondLst>
+                                        </p:cTn>
+                                        <p:tgtEl>
+                                          <p:spTgt spid="39"/>
+                                        </p:tgtEl>
+                                        <p:attrNameLst>
+                                          <p:attrName>style.visibility</p:attrName>
+                                        </p:attrNameLst>
+                                      </p:cBhvr>
+                                      <p:to>
+                                        <p:strVal val="visible"/>
+                                      </p:to>
+                                    </p:set>
+                                  </p:childTnLst>
+                                </p:cTn>
+                              </p:par>
+                              <p:par>
+                                <p:cTn id="37" presetID="1" presetClass="exit" presetSubtype="0" fill="hold" grpId="0" nodeType="withEffect">
+                                  <p:stCondLst>
+                                    <p:cond delay="0"/>
+                                  </p:stCondLst>
+                                  <p:childTnLst>
+                                    <p:set>
+                                      <p:cBhvr>
+                                        <p:cTn id="38" dur="1" fill="hold">
+                                          <p:stCondLst>
+                                            <p:cond delay="0"/>
+                                          </p:stCondLst>
+                                        </p:cTn>
+                                        <p:tgtEl>
+                                          <p:spTgt spid="35"/>
+                                        </p:tgtEl>
+                                        <p:attrNameLst>
+                                          <p:attrName>style.visibility</p:attrName>
+                                        </p:attrNameLst>
+                                      </p:cBhvr>
+                                      <p:to>
+                                        <p:strVal val="hidden"/>
+                                      </p:to>
+                                    </p:set>
+                                  </p:childTnLst>
+                                </p:cTn>
+                              </p:par>
+                              <p:par>
+                                <p:cTn id="39" presetID="1" presetClass="entr" presetSubtype="0" fill="hold" grpId="0" nodeType="withEffect">
+                                  <p:stCondLst>
+                                    <p:cond delay="0"/>
+                                  </p:stCondLst>
+                                  <p:childTnLst>
+                                    <p:set>
+                                      <p:cBhvr>
+                                        <p:cTn id="40" dur="1" fill="hold">
+                                          <p:stCondLst>
+                                            <p:cond delay="0"/>
+                                          </p:stCondLst>
+                                        </p:cTn>
+                                        <p:tgtEl>
+                                          <p:spTgt spid="38"/>
+                                        </p:tgtEl>
+                                        <p:attrNameLst>
+                                          <p:attrName>style.visibility</p:attrName>
+                                        </p:attrNameLst>
+                                      </p:cBhvr>
+                                      <p:to>
+                                        <p:strVal val="visible"/>
+                                      </p:to>
+                                    </p:set>
+                                  </p:childTnLst>
+                                </p:cTn>
+                              </p:par>
+                              <p:par>
+                                <p:cTn id="41" presetID="1" presetClass="entr" presetSubtype="0" fill="hold" nodeType="withEffect">
+                                  <p:stCondLst>
+                                    <p:cond delay="0"/>
+                                  </p:stCondLst>
+                                  <p:childTnLst>
+                                    <p:set>
+                                      <p:cBhvr>
+                                        <p:cTn id="42" dur="1" fill="hold">
+                                          <p:stCondLst>
+                                            <p:cond delay="0"/>
+                                          </p:stCondLst>
+                                        </p:cTn>
+                                        <p:tgtEl>
+                                          <p:spTgt spid="31"/>
+                                        </p:tgtEl>
+                                        <p:attrNameLst>
+                                          <p:attrName>style.visibility</p:attrName>
+                                        </p:attrNameLst>
+                                      </p:cBhvr>
+                                      <p:to>
+                                        <p:strVal val="visible"/>
+                                      </p:to>
+                                    </p:set>
+                                  </p:childTnLst>
+                                </p:cTn>
+                              </p:par>
+                              <p:par>
+                                <p:cTn id="43" presetID="1" presetClass="entr" presetSubtype="0" fill="hold" nodeType="withEffect">
+                                  <p:stCondLst>
+                                    <p:cond delay="0"/>
+                                  </p:stCondLst>
+                                  <p:childTnLst>
+                                    <p:set>
+                                      <p:cBhvr>
+                                        <p:cTn id="44" dur="1" fill="hold">
+                                          <p:stCondLst>
+                                            <p:cond delay="0"/>
+                                          </p:stCondLst>
+                                        </p:cTn>
+                                        <p:tgtEl>
+                                          <p:spTgt spid="4"/>
+                                        </p:tgtEl>
+                                        <p:attrNameLst>
+                                          <p:attrName>style.visibility</p:attrName>
+                                        </p:attrNameLst>
+                                      </p:cBhvr>
+                                      <p:to>
+                                        <p:strVal val="visible"/>
+                                      </p:to>
+                                    </p:set>
+                                  </p:childTnLst>
+                                </p:cTn>
+                              </p:par>
+                            </p:childTnLst>
+                          </p:cTn>
+                        </p:par>
+                      </p:childTnLst>
+                    </p:cTn>
+                  </p:par>
+                </p:childTnLst>
+              </p:cTn>
+              <p:prevCondLst>
+                <p:cond evt="onPrev" delay="0">
+                  <p:tgtEl>
+                    <p:sldTgt/>
+                  </p:tgtEl>
+                </p:cond>
+              </p:prevCondLst>
+              <p:nextCondLst>
+                <p:cond evt="onNext" delay="0">
+                  <p:tgtEl>
+                    <p:sldTgt/>
+                  </p:tgtEl>
+                </p:cond>
+              </p:nextCondLst>
+            </p:seq>
+          </p:childTnLst>
+        </p:cTn>
+      </p:par>
+    </p:tnLst>
+    <p:bldLst>
+      <p:bldP spid="14" grpId="0" animBg="1"/>
+      <p:bldP spid="16" grpId="0" animBg="1"/>
+      <p:bldP spid="29" grpId="0" animBg="1"/>
+      <p:bldP spid="30" grpId="0" animBg="1"/>
+      <p:bldP spid="34" grpId="0" animBg="1"/>
+      <p:bldP spid="35" grpId="0" animBg="1"/>
+      <p:bldP spid="36" grpId="0" animBg="1"/>
+      <p:bldP spid="37" grpId="0" animBg="1"/>
+      <p:bldP spid="38" grpId="0" animBg="1"/>
+    </p:bldLst>
+  </p:timing>
+</p:sld>
+</file>
+
+<file path=ppt/slides/slide11.xml><?xml version="1.0" encoding="utf-8"?>
+<p:sld xmlns:a="http://schemas.openxmlformats.org/drawingml/2006/main" xmlns:r="http://schemas.openxmlformats.org/officeDocument/2006/relationships" xmlns:p="http://schemas.openxmlformats.org/presentationml/2006/main">
+  <p:cSld>
+    <p:spTree>
+      <p:nvGrpSpPr>
+        <p:cNvPr id="1" name=""/>
+        <p:cNvGrpSpPr/>
+        <p:nvPr/>
+      </p:nvGrpSpPr>
+      <p:grpSpPr>
+        <a:xfrm>
+          <a:off x="0" y="0"/>
+          <a:ext cx="0" cy="0"/>
+          <a:chOff x="0" y="0"/>
+          <a:chExt cx="0" cy="0"/>
+        </a:xfrm>
+      </p:grpSpPr>
+      <p:sp>
+        <p:nvSpPr>
+          <p:cNvPr id="2" name="Title 1"/>
+          <p:cNvSpPr>
+            <a:spLocks noGrp="1"/>
+          </p:cNvSpPr>
+          <p:nvPr>
+            <p:ph type="title"/>
+          </p:nvPr>
+        </p:nvSpPr>
+        <p:spPr/>
+        <p:txBody>
+          <a:bodyPr/>
+          <a:lstStyle/>
+          <a:p>
+            <a:r>
+              <a:rPr lang="en-US" dirty="0" smtClean="0"/>
+              <a:t>Roles of components</a:t>
             </a:r>
             <a:endParaRPr lang="en-US" dirty="0"/>
           </a:p>
@@ -3063,84 +5623,820 @@
           <a:p>
             <a:r>
               <a:rPr lang="en-US" dirty="0" smtClean="0"/>
+              <a:t>Monitoring and Control</a:t>
+            </a:r>
+          </a:p>
+          <a:p>
+            <a:pPr lvl="1"/>
+            <a:r>
+              <a:rPr lang="en-US" dirty="0" smtClean="0"/>
+              <a:t>Provide live telemetry from the </a:t>
+            </a:r>
+            <a:r>
+              <a:rPr lang="en-US" dirty="0" err="1" smtClean="0"/>
+              <a:t>IncQuery</a:t>
+            </a:r>
+            <a:r>
+              <a:rPr lang="en-US" dirty="0" smtClean="0"/>
+              <a:t>-D system</a:t>
+            </a:r>
+          </a:p>
+          <a:p>
+            <a:pPr lvl="2"/>
+            <a:r>
+              <a:rPr lang="en-US" dirty="0" smtClean="0"/>
+              <a:t>Rete node and comm. channel statistics</a:t>
+            </a:r>
+          </a:p>
+          <a:p>
+            <a:pPr lvl="2"/>
+            <a:r>
+              <a:rPr lang="en-US" dirty="0" smtClean="0"/>
+              <a:t>DB shard statistics</a:t>
+            </a:r>
+          </a:p>
+          <a:p>
+            <a:pPr lvl="2"/>
+            <a:r>
+              <a:rPr lang="en-US" dirty="0" smtClean="0"/>
+              <a:t>Cloud node resource statistics</a:t>
+            </a:r>
+          </a:p>
+          <a:p>
+            <a:pPr lvl="1"/>
+            <a:r>
+              <a:rPr lang="en-US" dirty="0" smtClean="0"/>
+              <a:t>(Re)configuration and deployment API (and </a:t>
+            </a:r>
+            <a:r>
+              <a:rPr lang="en-US" dirty="0" err="1" smtClean="0"/>
+              <a:t>impl</a:t>
+            </a:r>
+            <a:r>
+              <a:rPr lang="en-US" dirty="0" smtClean="0"/>
+              <a:t>.)</a:t>
+            </a:r>
+          </a:p>
+          <a:p>
+            <a:pPr lvl="2"/>
+            <a:r>
+              <a:rPr lang="en-US" dirty="0" smtClean="0"/>
+              <a:t>Middleware (index) </a:t>
+            </a:r>
+            <a:r>
+              <a:rPr lang="en-US" dirty="0" err="1" smtClean="0"/>
+              <a:t>init</a:t>
+            </a:r>
+            <a:endParaRPr lang="en-US" dirty="0" smtClean="0"/>
+          </a:p>
+          <a:p>
+            <a:pPr lvl="2"/>
+            <a:r>
+              <a:rPr lang="en-US" dirty="0" smtClean="0"/>
+              <a:t>Rete construction, deployment and </a:t>
+            </a:r>
+            <a:r>
+              <a:rPr lang="en-US" dirty="0" err="1" smtClean="0"/>
+              <a:t>init</a:t>
+            </a:r>
+            <a:endParaRPr lang="en-US" dirty="0" smtClean="0"/>
+          </a:p>
+          <a:p>
+            <a:pPr lvl="2"/>
+            <a:r>
+              <a:rPr lang="en-US" dirty="0" smtClean="0"/>
+              <a:t>Reconfiguration</a:t>
+            </a:r>
+          </a:p>
+          <a:p>
+            <a:pPr lvl="3"/>
+            <a:r>
+              <a:rPr lang="en-US" dirty="0" smtClean="0"/>
+              <a:t>Node </a:t>
+            </a:r>
+            <a:r>
+              <a:rPr lang="en-US" dirty="0" err="1" smtClean="0"/>
+              <a:t>sharding</a:t>
+            </a:r>
+            <a:endParaRPr lang="en-US" dirty="0" smtClean="0"/>
+          </a:p>
+          <a:p>
+            <a:pPr lvl="3"/>
+            <a:r>
+              <a:rPr lang="en-US" dirty="0" err="1" smtClean="0"/>
+              <a:t>Reindex</a:t>
+            </a:r>
+            <a:endParaRPr lang="en-US" dirty="0" smtClean="0"/>
+          </a:p>
+          <a:p>
+            <a:pPr lvl="3"/>
+            <a:r>
+              <a:rPr lang="en-US" dirty="0" smtClean="0"/>
+              <a:t>Add / remove cloud nodes</a:t>
+            </a:r>
+            <a:endParaRPr lang="en-US" dirty="0"/>
+          </a:p>
+        </p:txBody>
+      </p:sp>
+    </p:spTree>
+    <p:extLst>
+      <p:ext uri="{BB962C8B-B14F-4D97-AF65-F5344CB8AC3E}">
+        <p14:creationId xmlns:p14="http://schemas.microsoft.com/office/powerpoint/2010/main" val="4238748895"/>
+      </p:ext>
+    </p:extLst>
+  </p:cSld>
+  <p:clrMapOvr>
+    <a:masterClrMapping/>
+  </p:clrMapOvr>
+  <p:timing>
+    <p:tnLst>
+      <p:par>
+        <p:cTn id="1" dur="indefinite" restart="never" nodeType="tmRoot"/>
+      </p:par>
+    </p:tnLst>
+  </p:timing>
+</p:sld>
+</file>
+
+<file path=ppt/slides/slide12.xml><?xml version="1.0" encoding="utf-8"?>
+<p:sld xmlns:a="http://schemas.openxmlformats.org/drawingml/2006/main" xmlns:r="http://schemas.openxmlformats.org/officeDocument/2006/relationships" xmlns:p="http://schemas.openxmlformats.org/presentationml/2006/main">
+  <p:cSld>
+    <p:spTree>
+      <p:nvGrpSpPr>
+        <p:cNvPr id="1" name=""/>
+        <p:cNvGrpSpPr/>
+        <p:nvPr/>
+      </p:nvGrpSpPr>
+      <p:grpSpPr>
+        <a:xfrm>
+          <a:off x="0" y="0"/>
+          <a:ext cx="0" cy="0"/>
+          <a:chOff x="0" y="0"/>
+          <a:chExt cx="0" cy="0"/>
+        </a:xfrm>
+      </p:grpSpPr>
+      <p:sp>
+        <p:nvSpPr>
+          <p:cNvPr id="2" name="Title 1"/>
+          <p:cNvSpPr>
+            <a:spLocks noGrp="1"/>
+          </p:cNvSpPr>
+          <p:nvPr>
+            <p:ph type="title"/>
+          </p:nvPr>
+        </p:nvSpPr>
+        <p:spPr/>
+        <p:txBody>
+          <a:bodyPr/>
+          <a:lstStyle/>
+          <a:p>
+            <a:r>
+              <a:rPr lang="en-US" dirty="0" smtClean="0"/>
+              <a:t>Roles of components 2.</a:t>
+            </a:r>
+            <a:endParaRPr lang="en-US" dirty="0"/>
+          </a:p>
+        </p:txBody>
+      </p:sp>
+      <p:sp>
+        <p:nvSpPr>
+          <p:cNvPr id="3" name="Content Placeholder 2"/>
+          <p:cNvSpPr>
+            <a:spLocks noGrp="1"/>
+          </p:cNvSpPr>
+          <p:nvPr>
+            <p:ph idx="1"/>
+          </p:nvPr>
+        </p:nvSpPr>
+        <p:spPr/>
+        <p:txBody>
+          <a:bodyPr/>
+          <a:lstStyle/>
+          <a:p>
+            <a:r>
+              <a:rPr lang="en-US" sz="2800" dirty="0" smtClean="0"/>
+              <a:t>Tooling</a:t>
+            </a:r>
+          </a:p>
+          <a:p>
+            <a:pPr lvl="1"/>
+            <a:r>
+              <a:rPr lang="en-US" sz="2400" dirty="0" smtClean="0"/>
+              <a:t>EMF-</a:t>
+            </a:r>
+            <a:r>
+              <a:rPr lang="en-US" sz="2400" dirty="0" err="1" smtClean="0"/>
+              <a:t>IncQuery</a:t>
+            </a:r>
+            <a:r>
+              <a:rPr lang="en-US" sz="2400" dirty="0" smtClean="0"/>
+              <a:t>: IQPL + Rete layout</a:t>
+            </a:r>
+          </a:p>
+          <a:p>
+            <a:pPr lvl="1"/>
+            <a:r>
+              <a:rPr lang="en-US" sz="2400" dirty="0" smtClean="0"/>
+              <a:t>Live models: live Rete, Cloud and Deployment models</a:t>
+            </a:r>
+          </a:p>
+          <a:p>
+            <a:pPr lvl="2"/>
+            <a:r>
+              <a:rPr lang="en-US" sz="2000" dirty="0" smtClean="0"/>
+              <a:t>Updated from monitoring telemetry</a:t>
+            </a:r>
+          </a:p>
+          <a:p>
+            <a:pPr lvl="2"/>
+            <a:r>
+              <a:rPr lang="en-US" sz="2000" dirty="0" smtClean="0"/>
+              <a:t>Changes propagated to </a:t>
+            </a:r>
+            <a:r>
+              <a:rPr lang="en-US" sz="2000" dirty="0" err="1" smtClean="0"/>
+              <a:t>IncQuery</a:t>
+            </a:r>
+            <a:r>
+              <a:rPr lang="hu-HU" sz="2000" dirty="0" smtClean="0"/>
+              <a:t>-</a:t>
+            </a:r>
+            <a:r>
+              <a:rPr lang="en-US" sz="2000" dirty="0" smtClean="0"/>
+              <a:t>D </a:t>
+            </a:r>
+            <a:r>
+              <a:rPr lang="en-US" sz="2000" dirty="0" smtClean="0"/>
+              <a:t>via Control</a:t>
+            </a:r>
+          </a:p>
+          <a:p>
+            <a:r>
+              <a:rPr lang="en-US" sz="2800" dirty="0" smtClean="0"/>
               <a:t>Runtime</a:t>
             </a:r>
           </a:p>
           <a:p>
             <a:pPr lvl="1"/>
             <a:r>
+              <a:rPr lang="en-US" sz="2400" dirty="0" smtClean="0"/>
+              <a:t>DSE: </a:t>
+            </a:r>
+          </a:p>
+          <a:p>
+            <a:pPr lvl="2"/>
+            <a:r>
+              <a:rPr lang="en-US" sz="2000" dirty="0" smtClean="0"/>
+              <a:t>Allocation optimization</a:t>
+            </a:r>
+          </a:p>
+          <a:p>
+            <a:pPr lvl="2"/>
+            <a:r>
+              <a:rPr lang="en-US" sz="2000" dirty="0" smtClean="0"/>
+              <a:t>Dynamic reconfiguration</a:t>
+            </a:r>
+          </a:p>
+          <a:p>
+            <a:pPr lvl="1"/>
+            <a:r>
+              <a:rPr lang="en-US" sz="2400" dirty="0" smtClean="0"/>
+              <a:t>CEP </a:t>
+            </a:r>
+            <a:r>
+              <a:rPr lang="en-US" sz="2400" dirty="0" smtClean="0"/>
+              <a:t>(optionally</a:t>
+            </a:r>
+            <a:r>
+              <a:rPr lang="en-US" sz="2400" dirty="0" smtClean="0"/>
+              <a:t>)</a:t>
+            </a:r>
+            <a:r>
+              <a:rPr lang="hu-HU" sz="2400" dirty="0" smtClean="0"/>
+              <a:t>:</a:t>
+            </a:r>
+            <a:endParaRPr lang="en-US" sz="2400" dirty="0" smtClean="0"/>
+          </a:p>
+          <a:p>
+            <a:pPr lvl="2"/>
+            <a:r>
+              <a:rPr lang="en-US" sz="2000" dirty="0" smtClean="0"/>
+              <a:t>Identify complex events in the monitoring event stream</a:t>
+            </a:r>
+          </a:p>
+          <a:p>
+            <a:pPr lvl="2"/>
+            <a:r>
+              <a:rPr lang="en-US" sz="2000" dirty="0" smtClean="0"/>
+              <a:t>Trigger control actions (reconfiguration)</a:t>
+            </a:r>
+            <a:endParaRPr lang="en-US" sz="2000" dirty="0"/>
+          </a:p>
+        </p:txBody>
+      </p:sp>
+    </p:spTree>
+    <p:extLst>
+      <p:ext uri="{BB962C8B-B14F-4D97-AF65-F5344CB8AC3E}">
+        <p14:creationId xmlns:p14="http://schemas.microsoft.com/office/powerpoint/2010/main" val="1397920723"/>
+      </p:ext>
+    </p:extLst>
+  </p:cSld>
+  <p:clrMapOvr>
+    <a:masterClrMapping/>
+  </p:clrMapOvr>
+  <p:timing>
+    <p:tnLst>
+      <p:par>
+        <p:cTn id="1" dur="indefinite" restart="never" nodeType="tmRoot"/>
+      </p:par>
+    </p:tnLst>
+  </p:timing>
+</p:sld>
+</file>
+
+<file path=ppt/slides/slide13.xml><?xml version="1.0" encoding="utf-8"?>
+<p:sld xmlns:a="http://schemas.openxmlformats.org/drawingml/2006/main" xmlns:r="http://schemas.openxmlformats.org/officeDocument/2006/relationships" xmlns:p="http://schemas.openxmlformats.org/presentationml/2006/main">
+  <p:cSld>
+    <p:spTree>
+      <p:nvGrpSpPr>
+        <p:cNvPr id="1" name=""/>
+        <p:cNvGrpSpPr/>
+        <p:nvPr/>
+      </p:nvGrpSpPr>
+      <p:grpSpPr>
+        <a:xfrm>
+          <a:off x="0" y="0"/>
+          <a:ext cx="0" cy="0"/>
+          <a:chOff x="0" y="0"/>
+          <a:chExt cx="0" cy="0"/>
+        </a:xfrm>
+      </p:grpSpPr>
+      <p:sp>
+        <p:nvSpPr>
+          <p:cNvPr id="2" name="Title 1"/>
+          <p:cNvSpPr>
+            <a:spLocks noGrp="1"/>
+          </p:cNvSpPr>
+          <p:nvPr>
+            <p:ph type="title"/>
+          </p:nvPr>
+        </p:nvSpPr>
+        <p:spPr/>
+        <p:txBody>
+          <a:bodyPr/>
+          <a:lstStyle/>
+          <a:p>
+            <a:r>
+              <a:rPr lang="en-US" dirty="0" smtClean="0"/>
+              <a:t>Post-TDK TODOs</a:t>
+            </a:r>
+            <a:endParaRPr lang="en-US" dirty="0"/>
+          </a:p>
+        </p:txBody>
+      </p:sp>
+      <p:sp>
+        <p:nvSpPr>
+          <p:cNvPr id="3" name="Content Placeholder 2"/>
+          <p:cNvSpPr>
+            <a:spLocks noGrp="1"/>
+          </p:cNvSpPr>
+          <p:nvPr>
+            <p:ph idx="1"/>
+          </p:nvPr>
+        </p:nvSpPr>
+        <p:spPr/>
+        <p:txBody>
+          <a:bodyPr/>
+          <a:lstStyle/>
+          <a:p>
+            <a:r>
+              <a:rPr lang="hu-HU" dirty="0" err="1" smtClean="0"/>
+              <a:t>Support</a:t>
+            </a:r>
+            <a:r>
+              <a:rPr lang="hu-HU" dirty="0" smtClean="0"/>
+              <a:t> </a:t>
+            </a:r>
+            <a:r>
+              <a:rPr lang="hu-HU" dirty="0" err="1" smtClean="0"/>
+              <a:t>for</a:t>
+            </a:r>
+            <a:r>
+              <a:rPr lang="hu-HU" dirty="0" smtClean="0"/>
+              <a:t> more </a:t>
+            </a:r>
+            <a:r>
+              <a:rPr lang="hu-HU" dirty="0" err="1" smtClean="0"/>
+              <a:t>complex</a:t>
+            </a:r>
+            <a:r>
+              <a:rPr lang="hu-HU" dirty="0" smtClean="0"/>
+              <a:t> </a:t>
+            </a:r>
+            <a:r>
+              <a:rPr lang="hu-HU" dirty="0" err="1" smtClean="0"/>
+              <a:t>queries</a:t>
+            </a:r>
+            <a:endParaRPr lang="hu-HU" dirty="0" smtClean="0"/>
+          </a:p>
+          <a:p>
+            <a:pPr lvl="1"/>
+            <a:r>
+              <a:rPr lang="hu-HU" dirty="0" err="1" smtClean="0"/>
+              <a:t>recursive</a:t>
+            </a:r>
+            <a:r>
+              <a:rPr lang="hu-HU" dirty="0" smtClean="0"/>
+              <a:t> </a:t>
+            </a:r>
+            <a:r>
+              <a:rPr lang="hu-HU" dirty="0" err="1" smtClean="0"/>
+              <a:t>patterns</a:t>
+            </a:r>
+            <a:endParaRPr lang="hu-HU" dirty="0" smtClean="0"/>
+          </a:p>
+          <a:p>
+            <a:pPr lvl="1"/>
+            <a:r>
+              <a:rPr lang="en-US" dirty="0" smtClean="0"/>
+              <a:t>c</a:t>
+            </a:r>
+            <a:r>
+              <a:rPr lang="hu-HU" dirty="0" err="1" smtClean="0"/>
+              <a:t>heck</a:t>
+            </a:r>
+            <a:r>
+              <a:rPr lang="en-US" dirty="0" smtClean="0"/>
+              <a:t>, </a:t>
+            </a:r>
+            <a:r>
               <a:rPr lang="en-US" dirty="0" err="1" smtClean="0"/>
+              <a:t>eval</a:t>
+            </a:r>
+            <a:r>
+              <a:rPr lang="hu-HU" dirty="0" smtClean="0"/>
+              <a:t> </a:t>
+            </a:r>
+            <a:r>
+              <a:rPr lang="hu-HU" dirty="0" err="1" smtClean="0"/>
+              <a:t>expressions</a:t>
+            </a:r>
+            <a:endParaRPr lang="hu-HU" dirty="0" smtClean="0"/>
+          </a:p>
+          <a:p>
+            <a:r>
+              <a:rPr lang="en-US" dirty="0" smtClean="0"/>
+              <a:t>Utilize </a:t>
+            </a:r>
+            <a:r>
+              <a:rPr lang="en-US" dirty="0" err="1" smtClean="0"/>
+              <a:t>Akka’s</a:t>
+            </a:r>
+            <a:r>
+              <a:rPr lang="en-US" dirty="0" smtClean="0"/>
+              <a:t> cluster support</a:t>
+            </a:r>
+            <a:endParaRPr lang="hu-HU" dirty="0" smtClean="0"/>
+          </a:p>
+          <a:p>
+            <a:r>
+              <a:rPr lang="en-US" dirty="0" smtClean="0"/>
+              <a:t>Implement more Rete nodes</a:t>
+            </a:r>
+          </a:p>
+          <a:p>
+            <a:pPr lvl="1"/>
+            <a:r>
+              <a:rPr lang="en-US" dirty="0" err="1" smtClean="0"/>
+              <a:t>ConstantNode</a:t>
+            </a:r>
+            <a:endParaRPr lang="en-US" dirty="0" smtClean="0"/>
+          </a:p>
+          <a:p>
+            <a:pPr lvl="1"/>
+            <a:r>
+              <a:rPr lang="en-US" dirty="0" err="1" smtClean="0"/>
+              <a:t>EqualityNode</a:t>
+            </a:r>
+            <a:r>
+              <a:rPr lang="en-US" dirty="0" smtClean="0"/>
+              <a:t>, </a:t>
+            </a:r>
+            <a:r>
+              <a:rPr lang="en-US" dirty="0" err="1" smtClean="0"/>
+              <a:t>InequalityNode</a:t>
+            </a:r>
+            <a:endParaRPr lang="en-US" dirty="0" smtClean="0"/>
+          </a:p>
+          <a:p>
+            <a:pPr lvl="1"/>
+            <a:r>
+              <a:rPr lang="en-US" dirty="0" err="1" smtClean="0"/>
+              <a:t>TermEvaluatorNode</a:t>
+            </a:r>
+            <a:endParaRPr lang="en-US" dirty="0" smtClean="0"/>
+          </a:p>
+          <a:p>
+            <a:pPr lvl="1"/>
+            <a:r>
+              <a:rPr lang="en-US" dirty="0" err="1" smtClean="0"/>
+              <a:t>TrimmerNode</a:t>
+            </a:r>
+            <a:endParaRPr lang="en-US" dirty="0" smtClean="0"/>
+          </a:p>
+          <a:p>
+            <a:pPr lvl="1"/>
+            <a:r>
+              <a:rPr lang="en-US" dirty="0" err="1" smtClean="0"/>
+              <a:t>UniquenessEnforcerNode</a:t>
+            </a:r>
+            <a:endParaRPr lang="en-US" dirty="0" smtClean="0"/>
+          </a:p>
+          <a:p>
+            <a:pPr lvl="1"/>
+            <a:endParaRPr lang="en-US" dirty="0" smtClean="0"/>
+          </a:p>
+        </p:txBody>
+      </p:sp>
+    </p:spTree>
+    <p:extLst>
+      <p:ext uri="{BB962C8B-B14F-4D97-AF65-F5344CB8AC3E}">
+        <p14:creationId xmlns:p14="http://schemas.microsoft.com/office/powerpoint/2010/main" val="2251547100"/>
+      </p:ext>
+    </p:extLst>
+  </p:cSld>
+  <p:clrMapOvr>
+    <a:masterClrMapping/>
+  </p:clrMapOvr>
+  <p:timing>
+    <p:tnLst>
+      <p:par>
+        <p:cTn id="1" dur="indefinite" restart="never" nodeType="tmRoot"/>
+      </p:par>
+    </p:tnLst>
+  </p:timing>
+</p:sld>
+</file>
+
+<file path=ppt/slides/slide14.xml><?xml version="1.0" encoding="utf-8"?>
+<p:sld xmlns:a="http://schemas.openxmlformats.org/drawingml/2006/main" xmlns:r="http://schemas.openxmlformats.org/officeDocument/2006/relationships" xmlns:p="http://schemas.openxmlformats.org/presentationml/2006/main">
+  <p:cSld>
+    <p:spTree>
+      <p:nvGrpSpPr>
+        <p:cNvPr id="1" name=""/>
+        <p:cNvGrpSpPr/>
+        <p:nvPr/>
+      </p:nvGrpSpPr>
+      <p:grpSpPr>
+        <a:xfrm>
+          <a:off x="0" y="0"/>
+          <a:ext cx="0" cy="0"/>
+          <a:chOff x="0" y="0"/>
+          <a:chExt cx="0" cy="0"/>
+        </a:xfrm>
+      </p:grpSpPr>
+      <p:sp>
+        <p:nvSpPr>
+          <p:cNvPr id="2" name="Title 1"/>
+          <p:cNvSpPr>
+            <a:spLocks noGrp="1"/>
+          </p:cNvSpPr>
+          <p:nvPr>
+            <p:ph type="title"/>
+          </p:nvPr>
+        </p:nvSpPr>
+        <p:spPr/>
+        <p:txBody>
+          <a:bodyPr/>
+          <a:lstStyle/>
+          <a:p>
+            <a:r>
+              <a:rPr lang="en-US" dirty="0" smtClean="0"/>
+              <a:t>Future ideas</a:t>
+            </a:r>
+            <a:endParaRPr lang="en-US" dirty="0"/>
+          </a:p>
+        </p:txBody>
+      </p:sp>
+      <p:sp>
+        <p:nvSpPr>
+          <p:cNvPr id="3" name="Content Placeholder 2"/>
+          <p:cNvSpPr>
+            <a:spLocks noGrp="1"/>
+          </p:cNvSpPr>
+          <p:nvPr>
+            <p:ph idx="1"/>
+          </p:nvPr>
+        </p:nvSpPr>
+        <p:spPr/>
+        <p:txBody>
+          <a:bodyPr/>
+          <a:lstStyle/>
+          <a:p>
+            <a:r>
+              <a:rPr lang="en-US" sz="2400" dirty="0" smtClean="0"/>
+              <a:t>Runtime</a:t>
+            </a:r>
+          </a:p>
+          <a:p>
+            <a:pPr lvl="1"/>
+            <a:r>
+              <a:rPr lang="en-US" sz="2000" dirty="0" err="1" smtClean="0"/>
               <a:t>Memcached</a:t>
             </a:r>
-            <a:endParaRPr lang="en-US" dirty="0" smtClean="0"/>
+            <a:endParaRPr lang="en-US" sz="2000" dirty="0" smtClean="0"/>
           </a:p>
           <a:p>
             <a:pPr lvl="1"/>
             <a:r>
-              <a:rPr lang="en-US" dirty="0" smtClean="0"/>
-              <a:t>Interleaving import with indexing</a:t>
-            </a:r>
-          </a:p>
-          <a:p>
-            <a:r>
-              <a:rPr lang="en-US" dirty="0" smtClean="0"/>
+              <a:rPr lang="en-US" sz="2000" dirty="0" smtClean="0"/>
+              <a:t>Interleaving import with </a:t>
+            </a:r>
+            <a:r>
+              <a:rPr lang="en-US" sz="2000" dirty="0" smtClean="0"/>
+              <a:t>indexing</a:t>
+            </a:r>
+          </a:p>
+          <a:p>
+            <a:pPr lvl="1"/>
+            <a:r>
+              <a:rPr lang="hu-HU" sz="2000" dirty="0" err="1"/>
+              <a:t>Experiment</a:t>
+            </a:r>
+            <a:r>
+              <a:rPr lang="hu-HU" sz="2000" dirty="0"/>
+              <a:t> </a:t>
+            </a:r>
+            <a:r>
+              <a:rPr lang="hu-HU" sz="2000" dirty="0" err="1"/>
+              <a:t>with</a:t>
+            </a:r>
+            <a:r>
+              <a:rPr lang="hu-HU" sz="2000" dirty="0"/>
+              <a:t> </a:t>
+            </a:r>
+            <a:r>
+              <a:rPr lang="hu-HU" sz="2000" dirty="0" err="1"/>
+              <a:t>other</a:t>
+            </a:r>
+            <a:r>
+              <a:rPr lang="hu-HU" sz="2000" dirty="0"/>
+              <a:t> </a:t>
+            </a:r>
+            <a:r>
+              <a:rPr lang="hu-HU" sz="2000" dirty="0" err="1"/>
+              <a:t>storage</a:t>
+            </a:r>
+            <a:r>
+              <a:rPr lang="hu-HU" sz="2000" dirty="0"/>
+              <a:t> </a:t>
+            </a:r>
+            <a:r>
+              <a:rPr lang="hu-HU" sz="2000" dirty="0" err="1" smtClean="0"/>
+              <a:t>backends</a:t>
+            </a:r>
+            <a:endParaRPr lang="en-US" sz="2000" dirty="0" smtClean="0"/>
+          </a:p>
+          <a:p>
+            <a:r>
+              <a:rPr lang="en-US" sz="2400" dirty="0" smtClean="0"/>
               <a:t>Tooling</a:t>
             </a:r>
           </a:p>
           <a:p>
             <a:pPr lvl="1"/>
             <a:r>
-              <a:rPr lang="en-US" dirty="0" smtClean="0"/>
+              <a:rPr lang="en-US" sz="2000" dirty="0" smtClean="0"/>
               <a:t>Eclipse editor</a:t>
             </a:r>
           </a:p>
           <a:p>
             <a:pPr lvl="1"/>
             <a:r>
-              <a:rPr lang="en-US" dirty="0" smtClean="0"/>
-              <a:t>Automated configuration management</a:t>
-            </a:r>
-            <a:endParaRPr lang="en-US" dirty="0" smtClean="0"/>
-          </a:p>
-          <a:p>
-            <a:r>
-              <a:rPr lang="en-US" dirty="0" smtClean="0"/>
+              <a:rPr lang="hu-HU" sz="2000" dirty="0" err="1" smtClean="0"/>
+              <a:t>Automatic</a:t>
+            </a:r>
+            <a:r>
+              <a:rPr lang="hu-HU" sz="2000" dirty="0" smtClean="0"/>
+              <a:t> </a:t>
+            </a:r>
+            <a:r>
+              <a:rPr lang="hu-HU" sz="2000" dirty="0" err="1"/>
+              <a:t>configuration</a:t>
+            </a:r>
+            <a:r>
+              <a:rPr lang="hu-HU" sz="2000" dirty="0"/>
+              <a:t> of </a:t>
+            </a:r>
+            <a:r>
+              <a:rPr lang="hu-HU" sz="2000" dirty="0" err="1"/>
+              <a:t>cloud</a:t>
+            </a:r>
+            <a:r>
+              <a:rPr lang="hu-HU" sz="2000" dirty="0"/>
+              <a:t> </a:t>
+            </a:r>
+            <a:r>
+              <a:rPr lang="hu-HU" sz="2000" dirty="0" smtClean="0"/>
+              <a:t>servers</a:t>
+            </a:r>
+            <a:endParaRPr lang="en-US" sz="2000" dirty="0" smtClean="0"/>
+          </a:p>
+          <a:p>
+            <a:r>
+              <a:rPr lang="en-US" sz="2400" dirty="0" smtClean="0"/>
               <a:t>Language</a:t>
             </a:r>
           </a:p>
           <a:p>
             <a:pPr lvl="1"/>
             <a:r>
-              <a:rPr lang="en-US" dirty="0" smtClean="0"/>
+              <a:rPr lang="en-US" sz="2000" dirty="0" smtClean="0"/>
               <a:t>Mappings</a:t>
             </a:r>
+            <a:endParaRPr lang="en-US" sz="2000" dirty="0" smtClean="0"/>
           </a:p>
           <a:p>
             <a:pPr lvl="2"/>
             <a:r>
-              <a:rPr lang="en-US" dirty="0" smtClean="0"/>
+              <a:rPr lang="en-US" sz="1800" dirty="0" smtClean="0"/>
               <a:t>Automated </a:t>
             </a:r>
             <a:r>
-              <a:rPr lang="en-US" dirty="0" err="1" smtClean="0"/>
+              <a:rPr lang="en-US" sz="1800" dirty="0" err="1" smtClean="0"/>
               <a:t>Ecore</a:t>
             </a:r>
             <a:r>
-              <a:rPr lang="en-US" dirty="0"/>
+              <a:rPr lang="en-US" sz="1800" dirty="0"/>
               <a:t> </a:t>
             </a:r>
             <a:r>
-              <a:rPr lang="en-US" dirty="0" smtClean="0"/>
+              <a:rPr lang="en-US" sz="1800" dirty="0" smtClean="0"/>
               <a:t>– property graph mapping</a:t>
             </a:r>
           </a:p>
           <a:p>
             <a:pPr lvl="2"/>
             <a:r>
-              <a:rPr lang="en-US" dirty="0" smtClean="0"/>
-              <a:t>Generalize IQPL to property graphs</a:t>
-            </a:r>
-            <a:endParaRPr lang="en-US" dirty="0"/>
+              <a:rPr lang="en-US" sz="1800" dirty="0" smtClean="0"/>
+              <a:t>Generalize IQPL to property </a:t>
+            </a:r>
+            <a:r>
+              <a:rPr lang="en-US" sz="1800" dirty="0" smtClean="0"/>
+              <a:t>graphs</a:t>
+            </a:r>
+          </a:p>
+          <a:p>
+            <a:pPr lvl="1"/>
+            <a:r>
+              <a:rPr lang="hu-HU" sz="2000" dirty="0" err="1" smtClean="0"/>
+              <a:t>Adopt</a:t>
+            </a:r>
+            <a:r>
+              <a:rPr lang="hu-HU" sz="2000" dirty="0" smtClean="0"/>
+              <a:t> </a:t>
+            </a:r>
+            <a:r>
+              <a:rPr lang="hu-HU" sz="2000" dirty="0"/>
+              <a:t>Scala </a:t>
+            </a:r>
+            <a:r>
+              <a:rPr lang="hu-HU" sz="2000" dirty="0" err="1"/>
+              <a:t>in</a:t>
+            </a:r>
+            <a:r>
+              <a:rPr lang="hu-HU" sz="2000" dirty="0"/>
+              <a:t> </a:t>
+            </a:r>
+            <a:r>
+              <a:rPr lang="hu-HU" sz="2000" dirty="0" err="1"/>
+              <a:t>the</a:t>
+            </a:r>
+            <a:r>
+              <a:rPr lang="hu-HU" sz="2000" dirty="0"/>
+              <a:t> </a:t>
+            </a:r>
+            <a:r>
+              <a:rPr lang="hu-HU" sz="2000" dirty="0" err="1"/>
+              <a:t>production</a:t>
+            </a:r>
+            <a:r>
+              <a:rPr lang="hu-HU" sz="2000" dirty="0"/>
+              <a:t> </a:t>
+            </a:r>
+            <a:r>
+              <a:rPr lang="hu-HU" sz="2000" dirty="0" err="1"/>
+              <a:t>network</a:t>
+            </a:r>
+            <a:r>
+              <a:rPr lang="en-US" sz="2000" dirty="0"/>
+              <a:t>’s </a:t>
+            </a:r>
+            <a:r>
+              <a:rPr lang="en-US" sz="2000" dirty="0" smtClean="0"/>
+              <a:t>code</a:t>
+            </a:r>
+            <a:endParaRPr lang="en-US" sz="2000" dirty="0"/>
           </a:p>
         </p:txBody>
       </p:sp>
@@ -8965,7 +12261,7 @@
                                           </p:stCondLst>
                                         </p:cTn>
                                         <p:tgtEl>
-                                          <p:spTgt spid="54"/>
+                                          <p:spTgt spid="45"/>
                                         </p:tgtEl>
                                         <p:attrNameLst>
                                           <p:attrName>style.visibility</p:attrName>
@@ -9010,7 +12306,7 @@
                                           </p:stCondLst>
                                         </p:cTn>
                                         <p:tgtEl>
-                                          <p:spTgt spid="53"/>
+                                          <p:spTgt spid="54"/>
                                         </p:tgtEl>
                                         <p:attrNameLst>
                                           <p:attrName>style.visibility</p:attrName>
@@ -9055,7 +12351,7 @@
                                           </p:stCondLst>
                                         </p:cTn>
                                         <p:tgtEl>
-                                          <p:spTgt spid="45"/>
+                                          <p:spTgt spid="53"/>
                                         </p:tgtEl>
                                         <p:attrNameLst>
                                           <p:attrName>style.visibility</p:attrName>
@@ -9123,6 +12419,131 @@
           <a:chExt cx="0" cy="0"/>
         </a:xfrm>
       </p:grpSpPr>
+      <p:sp>
+        <p:nvSpPr>
+          <p:cNvPr id="2" name="Cím 1"/>
+          <p:cNvSpPr>
+            <a:spLocks noGrp="1"/>
+          </p:cNvSpPr>
+          <p:nvPr>
+            <p:ph type="title"/>
+          </p:nvPr>
+        </p:nvSpPr>
+        <p:spPr/>
+        <p:txBody>
+          <a:bodyPr/>
+          <a:lstStyle/>
+          <a:p>
+            <a:r>
+              <a:rPr lang="en-US" dirty="0" smtClean="0"/>
+              <a:t>Neo4j Remarks</a:t>
+            </a:r>
+            <a:endParaRPr lang="hu-HU" dirty="0"/>
+          </a:p>
+        </p:txBody>
+      </p:sp>
+      <p:sp>
+        <p:nvSpPr>
+          <p:cNvPr id="3" name="Tartalom helye 2"/>
+          <p:cNvSpPr>
+            <a:spLocks noGrp="1"/>
+          </p:cNvSpPr>
+          <p:nvPr>
+            <p:ph idx="1"/>
+          </p:nvPr>
+        </p:nvSpPr>
+        <p:spPr/>
+        <p:txBody>
+          <a:bodyPr/>
+          <a:lstStyle/>
+          <a:p>
+            <a:r>
+              <a:rPr lang="en-US" dirty="0" smtClean="0"/>
+              <a:t>Property graph data model</a:t>
+            </a:r>
+          </a:p>
+          <a:p>
+            <a:r>
+              <a:rPr lang="en-US" dirty="0" smtClean="0"/>
+              <a:t>Manual </a:t>
+            </a:r>
+            <a:r>
+              <a:rPr lang="en-US" dirty="0" err="1" smtClean="0"/>
+              <a:t>sharding</a:t>
+            </a:r>
+            <a:endParaRPr lang="en-US" dirty="0" smtClean="0"/>
+          </a:p>
+          <a:p>
+            <a:pPr lvl="1"/>
+            <a:r>
+              <a:rPr lang="en-US" dirty="0" err="1" smtClean="0"/>
+              <a:t>Sharding</a:t>
+            </a:r>
+            <a:r>
+              <a:rPr lang="en-US" dirty="0" smtClean="0"/>
+              <a:t> the graph</a:t>
+            </a:r>
+          </a:p>
+          <a:p>
+            <a:pPr lvl="1"/>
+            <a:r>
+              <a:rPr lang="en-US" dirty="0" smtClean="0"/>
+              <a:t>Generating unique identifiers</a:t>
+            </a:r>
+          </a:p>
+          <a:p>
+            <a:pPr lvl="1"/>
+            <a:r>
+              <a:rPr lang="en-US" dirty="0" smtClean="0"/>
+              <a:t>Distribute and synchronize the transaction</a:t>
+            </a:r>
+          </a:p>
+          <a:p>
+            <a:r>
+              <a:rPr lang="en-US" dirty="0" smtClean="0"/>
+              <a:t>Manual parallelization of initialization</a:t>
+            </a:r>
+            <a:endParaRPr lang="hu-HU" dirty="0"/>
+          </a:p>
+        </p:txBody>
+      </p:sp>
+    </p:spTree>
+    <p:extLst>
+      <p:ext uri="{BB962C8B-B14F-4D97-AF65-F5344CB8AC3E}">
+        <p14:creationId xmlns:p14="http://schemas.microsoft.com/office/powerpoint/2010/main" val="1147718614"/>
+      </p:ext>
+    </p:extLst>
+  </p:cSld>
+  <p:clrMapOvr>
+    <a:masterClrMapping/>
+  </p:clrMapOvr>
+  <p:timing>
+    <p:tnLst>
+      <p:par>
+        <p:cTn id="1" dur="indefinite" restart="never" nodeType="tmRoot"/>
+      </p:par>
+    </p:tnLst>
+  </p:timing>
+</p:sld>
+</file>
+
+<file path=ppt/slides/slide5.xml><?xml version="1.0" encoding="utf-8"?>
+<p:sld xmlns:a="http://schemas.openxmlformats.org/drawingml/2006/main" xmlns:r="http://schemas.openxmlformats.org/officeDocument/2006/relationships" xmlns:p="http://schemas.openxmlformats.org/presentationml/2006/main">
+  <p:cSld>
+    <p:spTree>
+      <p:nvGrpSpPr>
+        <p:cNvPr id="1" name=""/>
+        <p:cNvGrpSpPr/>
+        <p:nvPr/>
+      </p:nvGrpSpPr>
+      <p:grpSpPr>
+        <a:xfrm>
+          <a:off x="0" y="0"/>
+          <a:ext cx="0" cy="0"/>
+          <a:chOff x="0" y="0"/>
+          <a:chExt cx="0" cy="0"/>
+        </a:xfrm>
+      </p:grpSpPr>
       <p:cxnSp>
         <p:nvCxnSpPr>
           <p:cNvPr id="112" name="Elbow Connector 109"/>
@@ -9564,7 +12985,7 @@
         </p:nvSpPr>
         <p:spPr>
           <a:xfrm>
-            <a:off x="2380246" y="1231036"/>
+            <a:off x="2521798" y="1316112"/>
             <a:ext cx="2120793" cy="4623219"/>
           </a:xfrm>
           <a:prstGeom prst="rect">
@@ -10045,7 +13466,7 @@
         </p:nvCxnSpPr>
         <p:spPr>
           <a:xfrm>
-            <a:off x="3440643" y="5854255"/>
+            <a:off x="3582195" y="5939331"/>
             <a:ext cx="0" cy="425661"/>
           </a:xfrm>
           <a:prstGeom prst="line">
@@ -11076,7 +14497,15 @@
                   <a:schemeClr val="bg1"/>
                 </a:solidFill>
               </a:rPr>
-              <a:t> OWL</a:t>
+              <a:t> </a:t>
+            </a:r>
+            <a:r>
+              <a:rPr lang="en-US" sz="2400" dirty="0" smtClean="0">
+                <a:solidFill>
+                  <a:schemeClr val="bg1"/>
+                </a:solidFill>
+              </a:rPr>
+              <a:t>RDF</a:t>
             </a:r>
             <a:endParaRPr lang="en-GB" sz="2400" dirty="0" smtClean="0">
               <a:solidFill>
@@ -11290,7 +14719,7 @@
                                           </p:stCondLst>
                                         </p:cTn>
                                         <p:tgtEl>
-                                          <p:spTgt spid="54"/>
+                                          <p:spTgt spid="45"/>
                                         </p:tgtEl>
                                         <p:attrNameLst>
                                           <p:attrName>style.visibility</p:attrName>
@@ -11335,7 +14764,7 @@
                                           </p:stCondLst>
                                         </p:cTn>
                                         <p:tgtEl>
-                                          <p:spTgt spid="53"/>
+                                          <p:spTgt spid="54"/>
                                         </p:tgtEl>
                                         <p:attrNameLst>
                                           <p:attrName>style.visibility</p:attrName>
@@ -11380,7 +14809,7 @@
                                           </p:stCondLst>
                                         </p:cTn>
                                         <p:tgtEl>
-                                          <p:spTgt spid="45"/>
+                                          <p:spTgt spid="53"/>
                                         </p:tgtEl>
                                         <p:attrNameLst>
                                           <p:attrName>style.visibility</p:attrName>
@@ -11431,7 +14860,128 @@
 </p:sld>
 </file>
 
-<file path=ppt/slides/slide5.xml><?xml version="1.0" encoding="utf-8"?>
+<file path=ppt/slides/slide6.xml><?xml version="1.0" encoding="utf-8"?>
+<p:sld xmlns:a="http://schemas.openxmlformats.org/drawingml/2006/main" xmlns:r="http://schemas.openxmlformats.org/officeDocument/2006/relationships" xmlns:p="http://schemas.openxmlformats.org/presentationml/2006/main">
+  <p:cSld>
+    <p:spTree>
+      <p:nvGrpSpPr>
+        <p:cNvPr id="1" name=""/>
+        <p:cNvGrpSpPr/>
+        <p:nvPr/>
+      </p:nvGrpSpPr>
+      <p:grpSpPr>
+        <a:xfrm>
+          <a:off x="0" y="0"/>
+          <a:ext cx="0" cy="0"/>
+          <a:chOff x="0" y="0"/>
+          <a:chExt cx="0" cy="0"/>
+        </a:xfrm>
+      </p:grpSpPr>
+      <p:sp>
+        <p:nvSpPr>
+          <p:cNvPr id="2" name="Cím 1"/>
+          <p:cNvSpPr>
+            <a:spLocks noGrp="1"/>
+          </p:cNvSpPr>
+          <p:nvPr>
+            <p:ph type="title"/>
+          </p:nvPr>
+        </p:nvSpPr>
+        <p:spPr/>
+        <p:txBody>
+          <a:bodyPr/>
+          <a:lstStyle/>
+          <a:p>
+            <a:r>
+              <a:rPr lang="en-US" dirty="0" smtClean="0"/>
+              <a:t>4store Remarks</a:t>
+            </a:r>
+            <a:endParaRPr lang="hu-HU" dirty="0"/>
+          </a:p>
+        </p:txBody>
+      </p:sp>
+      <p:sp>
+        <p:nvSpPr>
+          <p:cNvPr id="3" name="Tartalom helye 2"/>
+          <p:cNvSpPr>
+            <a:spLocks noGrp="1"/>
+          </p:cNvSpPr>
+          <p:nvPr>
+            <p:ph idx="1"/>
+          </p:nvPr>
+        </p:nvSpPr>
+        <p:spPr/>
+        <p:txBody>
+          <a:bodyPr/>
+          <a:lstStyle/>
+          <a:p>
+            <a:r>
+              <a:rPr lang="en-US" dirty="0" smtClean="0"/>
+              <a:t>RDF data model</a:t>
+            </a:r>
+          </a:p>
+          <a:p>
+            <a:r>
+              <a:rPr lang="en-US" dirty="0" smtClean="0"/>
+              <a:t>Initialization and querying with the command line API (instead of 4store’s HTTP server)</a:t>
+            </a:r>
+          </a:p>
+          <a:p>
+            <a:r>
+              <a:rPr lang="en-US" dirty="0" smtClean="0"/>
+              <a:t>Single-node initialization</a:t>
+            </a:r>
+          </a:p>
+          <a:p>
+            <a:r>
+              <a:rPr lang="en-US" dirty="0" smtClean="0"/>
+              <a:t>Automatic </a:t>
+            </a:r>
+            <a:r>
+              <a:rPr lang="en-US" dirty="0" err="1" smtClean="0"/>
+              <a:t>sharding</a:t>
+            </a:r>
+            <a:endParaRPr lang="en-US" dirty="0" smtClean="0"/>
+          </a:p>
+          <a:p>
+            <a:r>
+              <a:rPr lang="en-US" dirty="0" smtClean="0"/>
+              <a:t>Generating unique identifiers is a future task</a:t>
+            </a:r>
+          </a:p>
+          <a:p>
+            <a:r>
+              <a:rPr lang="en-US" dirty="0"/>
+              <a:t>Single-node querying</a:t>
+            </a:r>
+            <a:endParaRPr lang="hu-HU" dirty="0"/>
+          </a:p>
+          <a:p>
+            <a:endParaRPr lang="en-US" dirty="0" smtClean="0"/>
+          </a:p>
+        </p:txBody>
+      </p:sp>
+    </p:spTree>
+    <p:extLst>
+      <p:ext uri="{BB962C8B-B14F-4D97-AF65-F5344CB8AC3E}">
+        <p14:creationId xmlns:p14="http://schemas.microsoft.com/office/powerpoint/2010/main" val="949479203"/>
+      </p:ext>
+    </p:extLst>
+  </p:cSld>
+  <p:clrMapOvr>
+    <a:masterClrMapping/>
+  </p:clrMapOvr>
+  <p:timing>
+    <p:tnLst>
+      <p:par>
+        <p:cTn id="1" dur="indefinite" restart="never" nodeType="tmRoot"/>
+      </p:par>
+    </p:tnLst>
+  </p:timing>
+</p:sld>
+</file>
+
+<file path=ppt/slides/slide7.xml><?xml version="1.0" encoding="utf-8"?>
 <p:sld xmlns:a="http://schemas.openxmlformats.org/drawingml/2006/main" xmlns:r="http://schemas.openxmlformats.org/officeDocument/2006/relationships" xmlns:p="http://schemas.openxmlformats.org/presentationml/2006/main">
   <p:cSld>
     <p:spTree>
@@ -13806,7 +17356,7 @@
                                           </p:stCondLst>
                                         </p:cTn>
                                         <p:tgtEl>
-                                          <p:spTgt spid="54"/>
+                                          <p:spTgt spid="45"/>
                                         </p:tgtEl>
                                         <p:attrNameLst>
                                           <p:attrName>style.visibility</p:attrName>
@@ -13851,7 +17401,7 @@
                                           </p:stCondLst>
                                         </p:cTn>
                                         <p:tgtEl>
-                                          <p:spTgt spid="53"/>
+                                          <p:spTgt spid="54"/>
                                         </p:tgtEl>
                                         <p:attrNameLst>
                                           <p:attrName>style.visibility</p:attrName>
@@ -13896,7 +17446,7 @@
                                           </p:stCondLst>
                                         </p:cTn>
                                         <p:tgtEl>
-                                          <p:spTgt spid="45"/>
+                                          <p:spTgt spid="53"/>
                                         </p:tgtEl>
                                         <p:attrNameLst>
                                           <p:attrName>style.visibility</p:attrName>
@@ -13948,2746 +17498,6 @@
 </p:sld>
 </file>
 
-<file path=ppt/slides/slide6.xml><?xml version="1.0" encoding="utf-8"?>
-<p:sld xmlns:a="http://schemas.openxmlformats.org/drawingml/2006/main" xmlns:r="http://schemas.openxmlformats.org/officeDocument/2006/relationships" xmlns:p="http://schemas.openxmlformats.org/presentationml/2006/main">
-  <p:cSld>
-    <p:spTree>
-      <p:nvGrpSpPr>
-        <p:cNvPr id="1" name=""/>
-        <p:cNvGrpSpPr/>
-        <p:nvPr/>
-      </p:nvGrpSpPr>
-      <p:grpSpPr>
-        <a:xfrm>
-          <a:off x="0" y="0"/>
-          <a:ext cx="0" cy="0"/>
-          <a:chOff x="0" y="0"/>
-          <a:chExt cx="0" cy="0"/>
-        </a:xfrm>
-      </p:grpSpPr>
-      <p:sp>
-        <p:nvSpPr>
-          <p:cNvPr id="2" name="Title 1"/>
-          <p:cNvSpPr>
-            <a:spLocks noGrp="1"/>
-          </p:cNvSpPr>
-          <p:nvPr>
-            <p:ph type="title"/>
-          </p:nvPr>
-        </p:nvSpPr>
-        <p:spPr/>
-        <p:txBody>
-          <a:bodyPr/>
-          <a:lstStyle/>
-          <a:p>
-            <a:r>
-              <a:rPr lang="en-US" dirty="0" smtClean="0"/>
-              <a:t>Extended Architecture</a:t>
-            </a:r>
-            <a:endParaRPr lang="en-US" dirty="0"/>
-          </a:p>
-        </p:txBody>
-      </p:sp>
-      <p:cxnSp>
-        <p:nvCxnSpPr>
-          <p:cNvPr id="4" name="Elbow Connector 109"/>
-          <p:cNvCxnSpPr>
-            <a:stCxn id="30" idx="4"/>
-            <a:endCxn id="36" idx="2"/>
-          </p:cNvCxnSpPr>
-          <p:nvPr/>
-        </p:nvCxnSpPr>
-        <p:spPr>
-          <a:xfrm flipV="1">
-            <a:off x="1435067" y="3564940"/>
-            <a:ext cx="232915" cy="1000511"/>
-          </a:xfrm>
-          <a:prstGeom prst="bentConnector2">
-            <a:avLst/>
-          </a:prstGeom>
-          <a:ln w="38100">
-            <a:solidFill>
-              <a:schemeClr val="accent3"/>
-            </a:solidFill>
-            <a:headEnd type="triangle" w="med" len="med"/>
-            <a:tailEnd type="triangle" w="med" len="med"/>
-          </a:ln>
-          <a:effectLst/>
-        </p:spPr>
-        <p:style>
-          <a:lnRef idx="2">
-            <a:schemeClr val="accent1"/>
-          </a:lnRef>
-          <a:fillRef idx="0">
-            <a:schemeClr val="accent1"/>
-          </a:fillRef>
-          <a:effectRef idx="1">
-            <a:schemeClr val="accent1"/>
-          </a:effectRef>
-          <a:fontRef idx="minor">
-            <a:schemeClr val="tx1"/>
-          </a:fontRef>
-        </p:style>
-      </p:cxnSp>
-      <p:cxnSp>
-        <p:nvCxnSpPr>
-          <p:cNvPr id="5" name="Elbow Connector 109"/>
-          <p:cNvCxnSpPr>
-            <a:stCxn id="16" idx="4"/>
-          </p:cNvCxnSpPr>
-          <p:nvPr/>
-        </p:nvCxnSpPr>
-        <p:spPr>
-          <a:xfrm flipV="1">
-            <a:off x="3697410" y="3576355"/>
-            <a:ext cx="232915" cy="978654"/>
-          </a:xfrm>
-          <a:prstGeom prst="bentConnector2">
-            <a:avLst/>
-          </a:prstGeom>
-          <a:ln w="38100">
-            <a:solidFill>
-              <a:schemeClr val="accent3"/>
-            </a:solidFill>
-            <a:headEnd type="triangle" w="med" len="med"/>
-            <a:tailEnd type="triangle" w="med" len="med"/>
-          </a:ln>
-          <a:effectLst/>
-        </p:spPr>
-        <p:style>
-          <a:lnRef idx="2">
-            <a:schemeClr val="accent1"/>
-          </a:lnRef>
-          <a:fillRef idx="0">
-            <a:schemeClr val="accent1"/>
-          </a:fillRef>
-          <a:effectRef idx="1">
-            <a:schemeClr val="accent1"/>
-          </a:effectRef>
-          <a:fontRef idx="minor">
-            <a:schemeClr val="tx1"/>
-          </a:fontRef>
-        </p:style>
-      </p:cxnSp>
-      <p:sp>
-        <p:nvSpPr>
-          <p:cNvPr id="8" name="Téglalap 7"/>
-          <p:cNvSpPr/>
-          <p:nvPr/>
-        </p:nvSpPr>
-        <p:spPr>
-          <a:xfrm>
-            <a:off x="122945" y="986160"/>
-            <a:ext cx="2120793" cy="4623219"/>
-          </a:xfrm>
-          <a:prstGeom prst="rect">
-            <a:avLst/>
-          </a:prstGeom>
-          <a:noFill/>
-          <a:ln w="19050">
-            <a:solidFill>
-              <a:schemeClr val="bg1">
-                <a:lumMod val="65000"/>
-              </a:schemeClr>
-            </a:solidFill>
-          </a:ln>
-          <a:effectLst/>
-        </p:spPr>
-        <p:style>
-          <a:lnRef idx="2">
-            <a:schemeClr val="accent4">
-              <a:shade val="50000"/>
-            </a:schemeClr>
-          </a:lnRef>
-          <a:fillRef idx="1">
-            <a:schemeClr val="accent4"/>
-          </a:fillRef>
-          <a:effectRef idx="0">
-            <a:schemeClr val="accent4"/>
-          </a:effectRef>
-          <a:fontRef idx="minor">
-            <a:schemeClr val="lt1"/>
-          </a:fontRef>
-        </p:style>
-        <p:txBody>
-          <a:bodyPr rtlCol="0" anchor="b"/>
-          <a:lstStyle/>
-          <a:p>
-            <a:endParaRPr lang="en-GB" sz="2400" dirty="0" smtClean="0">
-              <a:solidFill>
-                <a:schemeClr val="bg1">
-                  <a:lumMod val="65000"/>
-                </a:schemeClr>
-              </a:solidFill>
-            </a:endParaRPr>
-          </a:p>
-        </p:txBody>
-      </p:sp>
-      <p:pic>
-        <p:nvPicPr>
-          <p:cNvPr id="9" name="Picture 9" descr="dist_compu.png"/>
-          <p:cNvPicPr>
-            <a:picLocks noChangeAspect="1"/>
-          </p:cNvPicPr>
-          <p:nvPr/>
-        </p:nvPicPr>
-        <p:blipFill>
-          <a:blip r:embed="rId2" cstate="print"/>
-          <a:stretch>
-            <a:fillRect/>
-          </a:stretch>
-        </p:blipFill>
-        <p:spPr>
-          <a:xfrm>
-            <a:off x="1609440" y="4974493"/>
-            <a:ext cx="530905" cy="525173"/>
-          </a:xfrm>
-          <a:prstGeom prst="rect">
-            <a:avLst/>
-          </a:prstGeom>
-          <a:ln>
-            <a:noFill/>
-          </a:ln>
-        </p:spPr>
-      </p:pic>
-      <p:cxnSp>
-        <p:nvCxnSpPr>
-          <p:cNvPr id="10" name="Straight Arrow Connector 35"/>
-          <p:cNvCxnSpPr>
-            <a:stCxn id="28" idx="2"/>
-            <a:endCxn id="29" idx="1"/>
-          </p:cNvCxnSpPr>
-          <p:nvPr/>
-        </p:nvCxnSpPr>
-        <p:spPr>
-          <a:xfrm>
-            <a:off x="863567" y="1710272"/>
-            <a:ext cx="0" cy="2362201"/>
-          </a:xfrm>
-          <a:prstGeom prst="straightConnector1">
-            <a:avLst/>
-          </a:prstGeom>
-          <a:ln w="38100">
-            <a:prstDash val="solid"/>
-            <a:headEnd type="none" w="med" len="med"/>
-            <a:tailEnd type="arrow" w="med" len="med"/>
-          </a:ln>
-          <a:effectLst/>
-        </p:spPr>
-        <p:style>
-          <a:lnRef idx="2">
-            <a:schemeClr val="dk1"/>
-          </a:lnRef>
-          <a:fillRef idx="0">
-            <a:schemeClr val="dk1"/>
-          </a:fillRef>
-          <a:effectRef idx="1">
-            <a:schemeClr val="dk1"/>
-          </a:effectRef>
-          <a:fontRef idx="minor">
-            <a:schemeClr val="tx1"/>
-          </a:fontRef>
-        </p:style>
-      </p:cxnSp>
-      <p:cxnSp>
-        <p:nvCxnSpPr>
-          <p:cNvPr id="11" name="Elbow Connector 109"/>
-          <p:cNvCxnSpPr>
-            <a:stCxn id="35" idx="0"/>
-            <a:endCxn id="28" idx="3"/>
-          </p:cNvCxnSpPr>
-          <p:nvPr/>
-        </p:nvCxnSpPr>
-        <p:spPr>
-          <a:xfrm rot="16200000" flipV="1">
-            <a:off x="1204095" y="1674545"/>
-            <a:ext cx="694859" cy="232914"/>
-          </a:xfrm>
-          <a:prstGeom prst="bentConnector2">
-            <a:avLst/>
-          </a:prstGeom>
-          <a:ln w="38100">
-            <a:solidFill>
-              <a:schemeClr val="accent3"/>
-            </a:solidFill>
-            <a:headEnd type="none" w="med" len="med"/>
-            <a:tailEnd type="triangle" w="med" len="med"/>
-          </a:ln>
-          <a:effectLst/>
-        </p:spPr>
-        <p:style>
-          <a:lnRef idx="2">
-            <a:schemeClr val="accent1"/>
-          </a:lnRef>
-          <a:fillRef idx="0">
-            <a:schemeClr val="accent1"/>
-          </a:fillRef>
-          <a:effectRef idx="1">
-            <a:schemeClr val="accent1"/>
-          </a:effectRef>
-          <a:fontRef idx="minor">
-            <a:schemeClr val="tx1"/>
-          </a:fontRef>
-        </p:style>
-      </p:cxnSp>
-      <p:cxnSp>
-        <p:nvCxnSpPr>
-          <p:cNvPr id="12" name="Straight Arrow Connector 64"/>
-          <p:cNvCxnSpPr>
-            <a:stCxn id="36" idx="0"/>
-            <a:endCxn id="35" idx="2"/>
-          </p:cNvCxnSpPr>
-          <p:nvPr/>
-        </p:nvCxnSpPr>
-        <p:spPr>
-          <a:xfrm flipH="1" flipV="1">
-            <a:off x="1667981" y="2709410"/>
-            <a:ext cx="1" cy="321195"/>
-          </a:xfrm>
-          <a:prstGeom prst="straightConnector1">
-            <a:avLst/>
-          </a:prstGeom>
-          <a:ln w="38100" cmpd="sng">
-            <a:solidFill>
-              <a:schemeClr val="accent3"/>
-            </a:solidFill>
-            <a:headEnd type="none"/>
-            <a:tailEnd type="triangle"/>
-          </a:ln>
-          <a:effectLst/>
-        </p:spPr>
-        <p:style>
-          <a:lnRef idx="2">
-            <a:schemeClr val="accent1"/>
-          </a:lnRef>
-          <a:fillRef idx="0">
-            <a:schemeClr val="accent1"/>
-          </a:fillRef>
-          <a:effectRef idx="1">
-            <a:schemeClr val="accent1"/>
-          </a:effectRef>
-          <a:fontRef idx="minor">
-            <a:schemeClr val="tx1"/>
-          </a:fontRef>
-        </p:style>
-      </p:cxnSp>
-      <p:cxnSp>
-        <p:nvCxnSpPr>
-          <p:cNvPr id="13" name="Elbow Connector 109"/>
-          <p:cNvCxnSpPr>
-            <a:stCxn id="29" idx="4"/>
-            <a:endCxn id="36" idx="2"/>
-          </p:cNvCxnSpPr>
-          <p:nvPr/>
-        </p:nvCxnSpPr>
-        <p:spPr>
-          <a:xfrm flipV="1">
-            <a:off x="1435067" y="3564940"/>
-            <a:ext cx="232915" cy="1002833"/>
-          </a:xfrm>
-          <a:prstGeom prst="bentConnector2">
-            <a:avLst/>
-          </a:prstGeom>
-          <a:ln w="38100">
-            <a:solidFill>
-              <a:schemeClr val="accent3"/>
-            </a:solidFill>
-            <a:headEnd type="none" w="med" len="med"/>
-            <a:tailEnd type="triangle" w="med" len="med"/>
-          </a:ln>
-          <a:effectLst/>
-        </p:spPr>
-        <p:style>
-          <a:lnRef idx="2">
-            <a:schemeClr val="accent1"/>
-          </a:lnRef>
-          <a:fillRef idx="0">
-            <a:schemeClr val="accent1"/>
-          </a:fillRef>
-          <a:effectRef idx="1">
-            <a:schemeClr val="accent1"/>
-          </a:effectRef>
-          <a:fontRef idx="minor">
-            <a:schemeClr val="tx1"/>
-          </a:fontRef>
-        </p:style>
-      </p:cxnSp>
-      <p:sp>
-        <p:nvSpPr>
-          <p:cNvPr id="14" name="Téglalap 14"/>
-          <p:cNvSpPr/>
-          <p:nvPr/>
-        </p:nvSpPr>
-        <p:spPr>
-          <a:xfrm>
-            <a:off x="2385288" y="986160"/>
-            <a:ext cx="2120793" cy="4623219"/>
-          </a:xfrm>
-          <a:prstGeom prst="rect">
-            <a:avLst/>
-          </a:prstGeom>
-          <a:noFill/>
-          <a:ln w="19050">
-            <a:solidFill>
-              <a:schemeClr val="bg1">
-                <a:lumMod val="65000"/>
-              </a:schemeClr>
-            </a:solidFill>
-          </a:ln>
-          <a:effectLst/>
-        </p:spPr>
-        <p:style>
-          <a:lnRef idx="2">
-            <a:schemeClr val="accent4">
-              <a:shade val="50000"/>
-            </a:schemeClr>
-          </a:lnRef>
-          <a:fillRef idx="1">
-            <a:schemeClr val="accent4"/>
-          </a:fillRef>
-          <a:effectRef idx="0">
-            <a:schemeClr val="accent4"/>
-          </a:effectRef>
-          <a:fontRef idx="minor">
-            <a:schemeClr val="lt1"/>
-          </a:fontRef>
-        </p:style>
-        <p:txBody>
-          <a:bodyPr rtlCol="0" anchor="b"/>
-          <a:lstStyle/>
-          <a:p>
-            <a:r>
-              <a:rPr lang="en-GB" sz="1600" dirty="0" smtClean="0">
-                <a:solidFill>
-                  <a:schemeClr val="bg1">
-                    <a:lumMod val="65000"/>
-                  </a:schemeClr>
-                </a:solidFill>
-              </a:rPr>
-              <a:t>Server </a:t>
-            </a:r>
-            <a:r>
-              <a:rPr lang="en-GB" sz="1600" i="1" dirty="0" smtClean="0">
-                <a:solidFill>
-                  <a:schemeClr val="bg1">
-                    <a:lumMod val="65000"/>
-                  </a:schemeClr>
-                </a:solidFill>
-              </a:rPr>
-              <a:t>n</a:t>
-            </a:r>
-          </a:p>
-        </p:txBody>
-      </p:sp>
-      <p:pic>
-        <p:nvPicPr>
-          <p:cNvPr id="15" name="Picture 9" descr="dist_compu.png"/>
-          <p:cNvPicPr>
-            <a:picLocks noChangeAspect="1"/>
-          </p:cNvPicPr>
-          <p:nvPr/>
-        </p:nvPicPr>
-        <p:blipFill>
-          <a:blip r:embed="rId2" cstate="print"/>
-          <a:stretch>
-            <a:fillRect/>
-          </a:stretch>
-        </p:blipFill>
-        <p:spPr>
-          <a:xfrm>
-            <a:off x="3871783" y="4961729"/>
-            <a:ext cx="530905" cy="525173"/>
-          </a:xfrm>
-          <a:prstGeom prst="rect">
-            <a:avLst/>
-          </a:prstGeom>
-          <a:ln>
-            <a:noFill/>
-          </a:ln>
-        </p:spPr>
-      </p:pic>
-      <p:sp>
-        <p:nvSpPr>
-          <p:cNvPr id="16" name="Can 30"/>
-          <p:cNvSpPr/>
-          <p:nvPr/>
-        </p:nvSpPr>
-        <p:spPr>
-          <a:xfrm>
-            <a:off x="2554410" y="4059709"/>
-            <a:ext cx="1143000" cy="990600"/>
-          </a:xfrm>
-          <a:prstGeom prst="can">
-            <a:avLst/>
-          </a:prstGeom>
-          <a:noFill/>
-          <a:ln w="38100"/>
-          <a:effectLst/>
-        </p:spPr>
-        <p:style>
-          <a:lnRef idx="1">
-            <a:schemeClr val="dk1"/>
-          </a:lnRef>
-          <a:fillRef idx="2">
-            <a:schemeClr val="dk1"/>
-          </a:fillRef>
-          <a:effectRef idx="1">
-            <a:schemeClr val="dk1"/>
-          </a:effectRef>
-          <a:fontRef idx="minor">
-            <a:schemeClr val="dk1"/>
-          </a:fontRef>
-        </p:style>
-        <p:txBody>
-          <a:bodyPr rtlCol="0" anchor="ctr"/>
-          <a:lstStyle/>
-          <a:p>
-            <a:pPr algn="ctr"/>
-            <a:r>
-              <a:rPr lang="en-US" sz="1600" dirty="0" smtClean="0">
-                <a:latin typeface="+mj-lt"/>
-                <a:cs typeface="Gill Sans"/>
-              </a:rPr>
-              <a:t>DB shard </a:t>
-            </a:r>
-            <a:r>
-              <a:rPr lang="en-US" sz="1600" i="1" dirty="0" smtClean="0">
-                <a:latin typeface="+mj-lt"/>
-                <a:cs typeface="Gill Sans"/>
-              </a:rPr>
-              <a:t>n</a:t>
-            </a:r>
-            <a:endParaRPr lang="en-US" sz="1600" i="1" dirty="0">
-              <a:latin typeface="+mj-lt"/>
-              <a:cs typeface="Gill Sans"/>
-            </a:endParaRPr>
-          </a:p>
-        </p:txBody>
-      </p:sp>
-      <p:cxnSp>
-        <p:nvCxnSpPr>
-          <p:cNvPr id="23" name="Egyenes összekötő 23"/>
-          <p:cNvCxnSpPr/>
-          <p:nvPr/>
-        </p:nvCxnSpPr>
-        <p:spPr>
-          <a:xfrm flipV="1">
-            <a:off x="0" y="6021659"/>
-            <a:ext cx="4501836" cy="13381"/>
-          </a:xfrm>
-          <a:prstGeom prst="line">
-            <a:avLst/>
-          </a:prstGeom>
-          <a:ln w="19050">
-            <a:solidFill>
-              <a:schemeClr val="bg1">
-                <a:lumMod val="65000"/>
-              </a:schemeClr>
-            </a:solidFill>
-          </a:ln>
-        </p:spPr>
-        <p:style>
-          <a:lnRef idx="1">
-            <a:schemeClr val="dk1"/>
-          </a:lnRef>
-          <a:fillRef idx="0">
-            <a:schemeClr val="dk1"/>
-          </a:fillRef>
-          <a:effectRef idx="0">
-            <a:schemeClr val="dk1"/>
-          </a:effectRef>
-          <a:fontRef idx="minor">
-            <a:schemeClr val="tx1"/>
-          </a:fontRef>
-        </p:style>
-      </p:cxnSp>
-      <p:cxnSp>
-        <p:nvCxnSpPr>
-          <p:cNvPr id="24" name="Egyenes összekötő 24"/>
-          <p:cNvCxnSpPr/>
-          <p:nvPr/>
-        </p:nvCxnSpPr>
-        <p:spPr>
-          <a:xfrm>
-            <a:off x="1185584" y="5609379"/>
-            <a:ext cx="0" cy="425661"/>
-          </a:xfrm>
-          <a:prstGeom prst="line">
-            <a:avLst/>
-          </a:prstGeom>
-          <a:ln w="19050">
-            <a:solidFill>
-              <a:schemeClr val="bg1">
-                <a:lumMod val="65000"/>
-              </a:schemeClr>
-            </a:solidFill>
-          </a:ln>
-        </p:spPr>
-        <p:style>
-          <a:lnRef idx="1">
-            <a:schemeClr val="dk1"/>
-          </a:lnRef>
-          <a:fillRef idx="0">
-            <a:schemeClr val="dk1"/>
-          </a:fillRef>
-          <a:effectRef idx="0">
-            <a:schemeClr val="dk1"/>
-          </a:effectRef>
-          <a:fontRef idx="minor">
-            <a:schemeClr val="tx1"/>
-          </a:fontRef>
-        </p:style>
-      </p:cxnSp>
-      <p:cxnSp>
-        <p:nvCxnSpPr>
-          <p:cNvPr id="25" name="Egyenes összekötő 25"/>
-          <p:cNvCxnSpPr>
-            <a:stCxn id="14" idx="2"/>
-          </p:cNvCxnSpPr>
-          <p:nvPr/>
-        </p:nvCxnSpPr>
-        <p:spPr>
-          <a:xfrm>
-            <a:off x="3445685" y="5609379"/>
-            <a:ext cx="0" cy="425661"/>
-          </a:xfrm>
-          <a:prstGeom prst="line">
-            <a:avLst/>
-          </a:prstGeom>
-          <a:ln w="19050">
-            <a:solidFill>
-              <a:schemeClr val="bg1">
-                <a:lumMod val="65000"/>
-              </a:schemeClr>
-            </a:solidFill>
-          </a:ln>
-        </p:spPr>
-        <p:style>
-          <a:lnRef idx="1">
-            <a:schemeClr val="dk1"/>
-          </a:lnRef>
-          <a:fillRef idx="0">
-            <a:schemeClr val="dk1"/>
-          </a:fillRef>
-          <a:effectRef idx="0">
-            <a:schemeClr val="dk1"/>
-          </a:effectRef>
-          <a:fontRef idx="minor">
-            <a:schemeClr val="tx1"/>
-          </a:fontRef>
-        </p:style>
-      </p:cxnSp>
-      <p:sp>
-        <p:nvSpPr>
-          <p:cNvPr id="28" name="Rectangle 29"/>
-          <p:cNvSpPr/>
-          <p:nvPr/>
-        </p:nvSpPr>
-        <p:spPr>
-          <a:xfrm>
-            <a:off x="292067" y="1176872"/>
-            <a:ext cx="1143000" cy="533400"/>
-          </a:xfrm>
-          <a:prstGeom prst="rect">
-            <a:avLst/>
-          </a:prstGeom>
-          <a:noFill/>
-          <a:ln w="38100"/>
-        </p:spPr>
-        <p:style>
-          <a:lnRef idx="2">
-            <a:schemeClr val="dk1"/>
-          </a:lnRef>
-          <a:fillRef idx="1">
-            <a:schemeClr val="lt1"/>
-          </a:fillRef>
-          <a:effectRef idx="0">
-            <a:schemeClr val="dk1"/>
-          </a:effectRef>
-          <a:fontRef idx="minor">
-            <a:schemeClr val="dk1"/>
-          </a:fontRef>
-        </p:style>
-        <p:txBody>
-          <a:bodyPr rtlCol="0" anchor="ctr"/>
-          <a:lstStyle/>
-          <a:p>
-            <a:pPr algn="ctr"/>
-            <a:r>
-              <a:rPr lang="en-US" sz="1600" dirty="0" smtClean="0">
-                <a:latin typeface="+mj-lt"/>
-                <a:cs typeface="Gill Sans"/>
-              </a:rPr>
-              <a:t>Transaction</a:t>
-            </a:r>
-            <a:endParaRPr lang="en-US" sz="1600" baseline="-25000" dirty="0">
-              <a:latin typeface="+mj-lt"/>
-              <a:cs typeface="Gill Sans"/>
-            </a:endParaRPr>
-          </a:p>
-        </p:txBody>
-      </p:sp>
-      <p:sp>
-        <p:nvSpPr>
-          <p:cNvPr id="29" name="Can 30"/>
-          <p:cNvSpPr/>
-          <p:nvPr/>
-        </p:nvSpPr>
-        <p:spPr>
-          <a:xfrm>
-            <a:off x="292067" y="4072473"/>
-            <a:ext cx="1143000" cy="990600"/>
-          </a:xfrm>
-          <a:prstGeom prst="can">
-            <a:avLst/>
-          </a:prstGeom>
-          <a:noFill/>
-          <a:ln w="38100"/>
-          <a:effectLst/>
-        </p:spPr>
-        <p:style>
-          <a:lnRef idx="1">
-            <a:schemeClr val="dk1"/>
-          </a:lnRef>
-          <a:fillRef idx="2">
-            <a:schemeClr val="dk1"/>
-          </a:fillRef>
-          <a:effectRef idx="1">
-            <a:schemeClr val="dk1"/>
-          </a:effectRef>
-          <a:fontRef idx="minor">
-            <a:schemeClr val="dk1"/>
-          </a:fontRef>
-        </p:style>
-        <p:txBody>
-          <a:bodyPr rtlCol="0" anchor="ctr"/>
-          <a:lstStyle/>
-          <a:p>
-            <a:pPr algn="ctr"/>
-            <a:endParaRPr lang="en-US" sz="1600" dirty="0">
-              <a:latin typeface="+mj-lt"/>
-              <a:cs typeface="Gill Sans"/>
-            </a:endParaRPr>
-          </a:p>
-        </p:txBody>
-      </p:sp>
-      <p:sp>
-        <p:nvSpPr>
-          <p:cNvPr id="30" name="Can 29"/>
-          <p:cNvSpPr/>
-          <p:nvPr/>
-        </p:nvSpPr>
-        <p:spPr>
-          <a:xfrm>
-            <a:off x="292067" y="4070151"/>
-            <a:ext cx="1143000" cy="990600"/>
-          </a:xfrm>
-          <a:prstGeom prst="can">
-            <a:avLst/>
-          </a:prstGeom>
-          <a:noFill/>
-          <a:ln w="38100"/>
-          <a:effectLst/>
-        </p:spPr>
-        <p:style>
-          <a:lnRef idx="1">
-            <a:schemeClr val="dk1"/>
-          </a:lnRef>
-          <a:fillRef idx="2">
-            <a:schemeClr val="dk1"/>
-          </a:fillRef>
-          <a:effectRef idx="1">
-            <a:schemeClr val="dk1"/>
-          </a:effectRef>
-          <a:fontRef idx="minor">
-            <a:schemeClr val="dk1"/>
-          </a:fontRef>
-        </p:style>
-        <p:txBody>
-          <a:bodyPr rtlCol="0" anchor="ctr"/>
-          <a:lstStyle/>
-          <a:p>
-            <a:pPr algn="ctr"/>
-            <a:r>
-              <a:rPr lang="en-US" sz="1600" dirty="0" smtClean="0">
-                <a:latin typeface="+mj-lt"/>
-                <a:cs typeface="Gill Sans"/>
-              </a:rPr>
-              <a:t>DB shard 0</a:t>
-            </a:r>
-            <a:endParaRPr lang="en-US" sz="1600" dirty="0">
-              <a:latin typeface="+mj-lt"/>
-              <a:cs typeface="Gill Sans"/>
-            </a:endParaRPr>
-          </a:p>
-        </p:txBody>
-      </p:sp>
-      <p:cxnSp>
-        <p:nvCxnSpPr>
-          <p:cNvPr id="31" name="Straight Arrow Connector 64"/>
-          <p:cNvCxnSpPr/>
-          <p:nvPr/>
-        </p:nvCxnSpPr>
-        <p:spPr>
-          <a:xfrm flipV="1">
-            <a:off x="3930325" y="2720092"/>
-            <a:ext cx="2" cy="310514"/>
-          </a:xfrm>
-          <a:prstGeom prst="straightConnector1">
-            <a:avLst/>
-          </a:prstGeom>
-          <a:ln w="38100" cmpd="sng">
-            <a:solidFill>
-              <a:schemeClr val="accent3"/>
-            </a:solidFill>
-            <a:headEnd type="none"/>
-            <a:tailEnd type="triangle"/>
-          </a:ln>
-          <a:effectLst/>
-        </p:spPr>
-        <p:style>
-          <a:lnRef idx="2">
-            <a:schemeClr val="accent1"/>
-          </a:lnRef>
-          <a:fillRef idx="0">
-            <a:schemeClr val="accent1"/>
-          </a:fillRef>
-          <a:effectRef idx="1">
-            <a:schemeClr val="accent1"/>
-          </a:effectRef>
-          <a:fontRef idx="minor">
-            <a:schemeClr val="tx1"/>
-          </a:fontRef>
-        </p:style>
-      </p:cxnSp>
-      <p:sp>
-        <p:nvSpPr>
-          <p:cNvPr id="34" name="Téglalap 34"/>
-          <p:cNvSpPr/>
-          <p:nvPr/>
-        </p:nvSpPr>
-        <p:spPr>
-          <a:xfrm>
-            <a:off x="123557" y="986162"/>
-            <a:ext cx="2120793" cy="4623219"/>
-          </a:xfrm>
-          <a:prstGeom prst="rect">
-            <a:avLst/>
-          </a:prstGeom>
-          <a:noFill/>
-          <a:ln w="19050">
-            <a:solidFill>
-              <a:schemeClr val="bg1">
-                <a:lumMod val="65000"/>
-              </a:schemeClr>
-            </a:solidFill>
-          </a:ln>
-          <a:effectLst/>
-        </p:spPr>
-        <p:style>
-          <a:lnRef idx="2">
-            <a:schemeClr val="accent4">
-              <a:shade val="50000"/>
-            </a:schemeClr>
-          </a:lnRef>
-          <a:fillRef idx="1">
-            <a:schemeClr val="accent4"/>
-          </a:fillRef>
-          <a:effectRef idx="0">
-            <a:schemeClr val="accent4"/>
-          </a:effectRef>
-          <a:fontRef idx="minor">
-            <a:schemeClr val="lt1"/>
-          </a:fontRef>
-        </p:style>
-        <p:txBody>
-          <a:bodyPr rtlCol="0" anchor="b"/>
-          <a:lstStyle/>
-          <a:p>
-            <a:r>
-              <a:rPr lang="en-GB" sz="1600" dirty="0" smtClean="0">
-                <a:solidFill>
-                  <a:schemeClr val="bg1">
-                    <a:lumMod val="65000"/>
-                  </a:schemeClr>
-                </a:solidFill>
-              </a:rPr>
-              <a:t>Server 0</a:t>
-            </a:r>
-          </a:p>
-        </p:txBody>
-      </p:sp>
-      <p:sp>
-        <p:nvSpPr>
-          <p:cNvPr id="35" name="Rectangle 62"/>
-          <p:cNvSpPr/>
-          <p:nvPr/>
-        </p:nvSpPr>
-        <p:spPr>
-          <a:xfrm>
-            <a:off x="1251313" y="2138431"/>
-            <a:ext cx="833335" cy="570979"/>
-          </a:xfrm>
-          <a:prstGeom prst="rect">
-            <a:avLst/>
-          </a:prstGeom>
-          <a:solidFill>
-            <a:schemeClr val="bg1"/>
-          </a:solidFill>
-          <a:ln w="38100">
-            <a:solidFill>
-              <a:schemeClr val="accent3"/>
-            </a:solidFill>
-            <a:prstDash val="solid"/>
-          </a:ln>
-        </p:spPr>
-        <p:style>
-          <a:lnRef idx="2">
-            <a:schemeClr val="accent3"/>
-          </a:lnRef>
-          <a:fillRef idx="1">
-            <a:schemeClr val="lt1"/>
-          </a:fillRef>
-          <a:effectRef idx="0">
-            <a:schemeClr val="accent3"/>
-          </a:effectRef>
-          <a:fontRef idx="minor">
-            <a:schemeClr val="dk1"/>
-          </a:fontRef>
-        </p:style>
-        <p:txBody>
-          <a:bodyPr rtlCol="0" anchor="ctr"/>
-          <a:lstStyle/>
-          <a:p>
-            <a:pPr algn="ctr"/>
-            <a:r>
-              <a:rPr lang="en-US" sz="1600" dirty="0" smtClean="0">
-                <a:solidFill>
-                  <a:schemeClr val="tx1"/>
-                </a:solidFill>
-                <a:latin typeface="+mj-lt"/>
-                <a:cs typeface="Gill Sans"/>
-              </a:rPr>
-              <a:t>Rete net</a:t>
-            </a:r>
-            <a:endParaRPr lang="en-US" sz="1600" dirty="0">
-              <a:solidFill>
-                <a:schemeClr val="tx1"/>
-              </a:solidFill>
-              <a:latin typeface="+mj-lt"/>
-              <a:cs typeface="Gill Sans"/>
-            </a:endParaRPr>
-          </a:p>
-        </p:txBody>
-      </p:sp>
-      <p:sp>
-        <p:nvSpPr>
-          <p:cNvPr id="36" name="Rectangle 61"/>
-          <p:cNvSpPr/>
-          <p:nvPr/>
-        </p:nvSpPr>
-        <p:spPr>
-          <a:xfrm>
-            <a:off x="1251314" y="3030605"/>
-            <a:ext cx="833335" cy="534335"/>
-          </a:xfrm>
-          <a:prstGeom prst="rect">
-            <a:avLst/>
-          </a:prstGeom>
-          <a:solidFill>
-            <a:schemeClr val="bg1"/>
-          </a:solidFill>
-          <a:ln w="38100">
-            <a:solidFill>
-              <a:schemeClr val="accent3"/>
-            </a:solidFill>
-          </a:ln>
-        </p:spPr>
-        <p:style>
-          <a:lnRef idx="2">
-            <a:schemeClr val="accent3">
-              <a:shade val="50000"/>
-            </a:schemeClr>
-          </a:lnRef>
-          <a:fillRef idx="1">
-            <a:schemeClr val="accent3"/>
-          </a:fillRef>
-          <a:effectRef idx="0">
-            <a:schemeClr val="accent3"/>
-          </a:effectRef>
-          <a:fontRef idx="minor">
-            <a:schemeClr val="lt1"/>
-          </a:fontRef>
-        </p:style>
-        <p:txBody>
-          <a:bodyPr rtlCol="0" anchor="ctr"/>
-          <a:lstStyle/>
-          <a:p>
-            <a:pPr algn="ctr"/>
-            <a:r>
-              <a:rPr lang="en-US" sz="1400" dirty="0" smtClean="0">
-                <a:solidFill>
-                  <a:schemeClr val="tx1"/>
-                </a:solidFill>
-                <a:latin typeface="+mj-lt"/>
-                <a:cs typeface="Gill Sans"/>
-              </a:rPr>
-              <a:t>Indexer layer</a:t>
-            </a:r>
-            <a:endParaRPr lang="en-US" sz="1400" dirty="0">
-              <a:solidFill>
-                <a:schemeClr val="tx1"/>
-              </a:solidFill>
-              <a:latin typeface="+mj-lt"/>
-              <a:cs typeface="Gill Sans"/>
-            </a:endParaRPr>
-          </a:p>
-        </p:txBody>
-      </p:sp>
-      <p:sp>
-        <p:nvSpPr>
-          <p:cNvPr id="37" name="Rectangle 61"/>
-          <p:cNvSpPr/>
-          <p:nvPr/>
-        </p:nvSpPr>
-        <p:spPr>
-          <a:xfrm>
-            <a:off x="1253163" y="3030605"/>
-            <a:ext cx="3000304" cy="534335"/>
-          </a:xfrm>
-          <a:prstGeom prst="rect">
-            <a:avLst/>
-          </a:prstGeom>
-          <a:solidFill>
-            <a:schemeClr val="bg1"/>
-          </a:solidFill>
-          <a:ln w="38100">
-            <a:solidFill>
-              <a:schemeClr val="accent3"/>
-            </a:solidFill>
-          </a:ln>
-        </p:spPr>
-        <p:style>
-          <a:lnRef idx="2">
-            <a:schemeClr val="accent3">
-              <a:shade val="50000"/>
-            </a:schemeClr>
-          </a:lnRef>
-          <a:fillRef idx="1">
-            <a:schemeClr val="accent3"/>
-          </a:fillRef>
-          <a:effectRef idx="0">
-            <a:schemeClr val="accent3"/>
-          </a:effectRef>
-          <a:fontRef idx="minor">
-            <a:schemeClr val="lt1"/>
-          </a:fontRef>
-        </p:style>
-        <p:txBody>
-          <a:bodyPr rtlCol="0" anchor="ctr"/>
-          <a:lstStyle/>
-          <a:p>
-            <a:pPr algn="ctr"/>
-            <a:r>
-              <a:rPr lang="en-US" dirty="0" err="1" smtClean="0">
-                <a:solidFill>
-                  <a:schemeClr val="tx1"/>
-                </a:solidFill>
-                <a:latin typeface="+mj-lt"/>
-                <a:cs typeface="Gill Sans"/>
-              </a:rPr>
-              <a:t>IncQuery</a:t>
-            </a:r>
-            <a:r>
-              <a:rPr lang="en-US" dirty="0" smtClean="0">
-                <a:solidFill>
-                  <a:schemeClr val="tx1"/>
-                </a:solidFill>
-                <a:latin typeface="+mj-lt"/>
-                <a:cs typeface="Gill Sans"/>
-              </a:rPr>
-              <a:t>-D middleware</a:t>
-            </a:r>
-            <a:endParaRPr lang="en-US" dirty="0">
-              <a:solidFill>
-                <a:schemeClr val="tx1"/>
-              </a:solidFill>
-              <a:latin typeface="+mj-lt"/>
-              <a:cs typeface="Gill Sans"/>
-            </a:endParaRPr>
-          </a:p>
-        </p:txBody>
-      </p:sp>
-      <p:sp>
-        <p:nvSpPr>
-          <p:cNvPr id="38" name="Rectangle 62"/>
-          <p:cNvSpPr/>
-          <p:nvPr/>
-        </p:nvSpPr>
-        <p:spPr>
-          <a:xfrm>
-            <a:off x="1251311" y="2138432"/>
-            <a:ext cx="3001053" cy="570979"/>
-          </a:xfrm>
-          <a:prstGeom prst="rect">
-            <a:avLst/>
-          </a:prstGeom>
-          <a:solidFill>
-            <a:schemeClr val="bg1"/>
-          </a:solidFill>
-          <a:ln w="38100">
-            <a:solidFill>
-              <a:schemeClr val="accent3"/>
-            </a:solidFill>
-            <a:prstDash val="solid"/>
-          </a:ln>
-        </p:spPr>
-        <p:style>
-          <a:lnRef idx="2">
-            <a:schemeClr val="accent3"/>
-          </a:lnRef>
-          <a:fillRef idx="1">
-            <a:schemeClr val="lt1"/>
-          </a:fillRef>
-          <a:effectRef idx="0">
-            <a:schemeClr val="accent3"/>
-          </a:effectRef>
-          <a:fontRef idx="minor">
-            <a:schemeClr val="dk1"/>
-          </a:fontRef>
-        </p:style>
-        <p:txBody>
-          <a:bodyPr rtlCol="0" anchor="ctr"/>
-          <a:lstStyle/>
-          <a:p>
-            <a:pPr algn="ctr"/>
-            <a:r>
-              <a:rPr lang="en-US" dirty="0" smtClean="0">
-                <a:solidFill>
-                  <a:schemeClr val="tx1"/>
-                </a:solidFill>
-                <a:latin typeface="+mj-lt"/>
-                <a:cs typeface="Gill Sans"/>
-              </a:rPr>
-              <a:t>Rete net</a:t>
-            </a:r>
-            <a:endParaRPr lang="en-US" dirty="0">
-              <a:solidFill>
-                <a:schemeClr val="tx1"/>
-              </a:solidFill>
-              <a:latin typeface="+mj-lt"/>
-              <a:cs typeface="Gill Sans"/>
-            </a:endParaRPr>
-          </a:p>
-        </p:txBody>
-      </p:sp>
-      <p:cxnSp>
-        <p:nvCxnSpPr>
-          <p:cNvPr id="39" name="Straight Arrow Connector 35"/>
-          <p:cNvCxnSpPr>
-            <a:stCxn id="28" idx="2"/>
-            <a:endCxn id="36" idx="1"/>
-          </p:cNvCxnSpPr>
-          <p:nvPr/>
-        </p:nvCxnSpPr>
-        <p:spPr>
-          <a:xfrm rot="16200000" flipH="1">
-            <a:off x="263690" y="2310148"/>
-            <a:ext cx="1587501" cy="387747"/>
-          </a:xfrm>
-          <a:prstGeom prst="bentConnector2">
-            <a:avLst/>
-          </a:prstGeom>
-          <a:ln w="38100">
-            <a:prstDash val="solid"/>
-            <a:headEnd type="none" w="med" len="med"/>
-            <a:tailEnd type="arrow" w="med" len="med"/>
-          </a:ln>
-          <a:effectLst/>
-        </p:spPr>
-        <p:style>
-          <a:lnRef idx="2">
-            <a:schemeClr val="dk1"/>
-          </a:lnRef>
-          <a:fillRef idx="0">
-            <a:schemeClr val="dk1"/>
-          </a:fillRef>
-          <a:effectRef idx="1">
-            <a:schemeClr val="dk1"/>
-          </a:effectRef>
-          <a:fontRef idx="minor">
-            <a:schemeClr val="tx1"/>
-          </a:fontRef>
-        </p:style>
-      </p:cxnSp>
-      <p:sp>
-        <p:nvSpPr>
-          <p:cNvPr id="46" name="Oval 45"/>
-          <p:cNvSpPr/>
-          <p:nvPr/>
-        </p:nvSpPr>
-        <p:spPr>
-          <a:xfrm>
-            <a:off x="5136027" y="1772970"/>
-            <a:ext cx="1338077" cy="975259"/>
-          </a:xfrm>
-          <a:prstGeom prst="ellipse">
-            <a:avLst/>
-          </a:prstGeom>
-          <a:ln/>
-        </p:spPr>
-        <p:style>
-          <a:lnRef idx="1">
-            <a:schemeClr val="accent5"/>
-          </a:lnRef>
-          <a:fillRef idx="3">
-            <a:schemeClr val="accent5"/>
-          </a:fillRef>
-          <a:effectRef idx="2">
-            <a:schemeClr val="accent5"/>
-          </a:effectRef>
-          <a:fontRef idx="minor">
-            <a:schemeClr val="lt1"/>
-          </a:fontRef>
-        </p:style>
-        <p:txBody>
-          <a:bodyPr rtlCol="0" anchor="ctr"/>
-          <a:lstStyle/>
-          <a:p>
-            <a:pPr algn="ctr"/>
-            <a:r>
-              <a:rPr lang="en-US" sz="1200" dirty="0" smtClean="0">
-                <a:solidFill>
-                  <a:schemeClr val="bg1"/>
-                </a:solidFill>
-              </a:rPr>
-              <a:t>Monitoring</a:t>
-            </a:r>
-          </a:p>
-        </p:txBody>
-      </p:sp>
-      <p:sp>
-        <p:nvSpPr>
-          <p:cNvPr id="52" name="Rectangle 51"/>
-          <p:cNvSpPr/>
-          <p:nvPr/>
-        </p:nvSpPr>
-        <p:spPr>
-          <a:xfrm>
-            <a:off x="6921726" y="1701033"/>
-            <a:ext cx="1632908" cy="2245365"/>
-          </a:xfrm>
-          <a:prstGeom prst="rect">
-            <a:avLst/>
-          </a:prstGeom>
-          <a:ln w="57150" cmpd="sng">
-            <a:solidFill>
-              <a:schemeClr val="accent4">
-                <a:lumMod val="75000"/>
-              </a:schemeClr>
-            </a:solidFill>
-          </a:ln>
-        </p:spPr>
-        <p:style>
-          <a:lnRef idx="2">
-            <a:schemeClr val="accent5"/>
-          </a:lnRef>
-          <a:fillRef idx="1">
-            <a:schemeClr val="lt1"/>
-          </a:fillRef>
-          <a:effectRef idx="0">
-            <a:schemeClr val="accent5"/>
-          </a:effectRef>
-          <a:fontRef idx="minor">
-            <a:schemeClr val="dk1"/>
-          </a:fontRef>
-        </p:style>
-        <p:txBody>
-          <a:bodyPr rtlCol="0" anchor="b"/>
-          <a:lstStyle/>
-          <a:p>
-            <a:pPr algn="ctr"/>
-            <a:r>
-              <a:rPr lang="en-US" dirty="0" smtClean="0">
-                <a:solidFill>
-                  <a:schemeClr val="tx1"/>
-                </a:solidFill>
-              </a:rPr>
-              <a:t>Live models</a:t>
-            </a:r>
-          </a:p>
-        </p:txBody>
-      </p:sp>
-      <p:sp>
-        <p:nvSpPr>
-          <p:cNvPr id="53" name="Rounded Rectangle 52"/>
-          <p:cNvSpPr/>
-          <p:nvPr/>
-        </p:nvSpPr>
-        <p:spPr>
-          <a:xfrm>
-            <a:off x="7227895" y="2041238"/>
-            <a:ext cx="1009228" cy="544331"/>
-          </a:xfrm>
-          <a:prstGeom prst="roundRect">
-            <a:avLst/>
-          </a:prstGeom>
-          <a:solidFill>
-            <a:schemeClr val="accent4">
-              <a:lumMod val="75000"/>
-            </a:schemeClr>
-          </a:solidFill>
-          <a:ln/>
-        </p:spPr>
-        <p:style>
-          <a:lnRef idx="1">
-            <a:schemeClr val="dk1"/>
-          </a:lnRef>
-          <a:fillRef idx="3">
-            <a:schemeClr val="dk1"/>
-          </a:fillRef>
-          <a:effectRef idx="2">
-            <a:schemeClr val="dk1"/>
-          </a:effectRef>
-          <a:fontRef idx="minor">
-            <a:schemeClr val="lt1"/>
-          </a:fontRef>
-        </p:style>
-        <p:txBody>
-          <a:bodyPr rtlCol="0" anchor="ctr"/>
-          <a:lstStyle/>
-          <a:p>
-            <a:pPr algn="ctr"/>
-            <a:r>
-              <a:rPr lang="en-US" sz="2400" dirty="0" smtClean="0">
-                <a:solidFill>
-                  <a:schemeClr val="bg1"/>
-                </a:solidFill>
-              </a:rPr>
-              <a:t>Rete</a:t>
-            </a:r>
-          </a:p>
-        </p:txBody>
-      </p:sp>
-      <p:sp>
-        <p:nvSpPr>
-          <p:cNvPr id="54" name="Rounded Rectangle 53"/>
-          <p:cNvSpPr/>
-          <p:nvPr/>
-        </p:nvSpPr>
-        <p:spPr>
-          <a:xfrm>
-            <a:off x="7232880" y="2783332"/>
-            <a:ext cx="1009228" cy="544331"/>
-          </a:xfrm>
-          <a:prstGeom prst="roundRect">
-            <a:avLst/>
-          </a:prstGeom>
-          <a:solidFill>
-            <a:schemeClr val="accent4">
-              <a:lumMod val="75000"/>
-            </a:schemeClr>
-          </a:solidFill>
-          <a:ln/>
-        </p:spPr>
-        <p:style>
-          <a:lnRef idx="1">
-            <a:schemeClr val="dk1"/>
-          </a:lnRef>
-          <a:fillRef idx="3">
-            <a:schemeClr val="dk1"/>
-          </a:fillRef>
-          <a:effectRef idx="2">
-            <a:schemeClr val="dk1"/>
-          </a:effectRef>
-          <a:fontRef idx="minor">
-            <a:schemeClr val="lt1"/>
-          </a:fontRef>
-        </p:style>
-        <p:txBody>
-          <a:bodyPr rtlCol="0" anchor="ctr"/>
-          <a:lstStyle/>
-          <a:p>
-            <a:pPr algn="ctr"/>
-            <a:r>
-              <a:rPr lang="en-US" sz="2400" dirty="0" smtClean="0">
-                <a:solidFill>
-                  <a:schemeClr val="bg1"/>
-                </a:solidFill>
-              </a:rPr>
-              <a:t>Cloud</a:t>
-            </a:r>
-          </a:p>
-        </p:txBody>
-      </p:sp>
-      <p:cxnSp>
-        <p:nvCxnSpPr>
-          <p:cNvPr id="55" name="Straight Arrow Connector 54"/>
-          <p:cNvCxnSpPr>
-            <a:stCxn id="46" idx="6"/>
-            <a:endCxn id="52" idx="1"/>
-          </p:cNvCxnSpPr>
-          <p:nvPr/>
-        </p:nvCxnSpPr>
-        <p:spPr>
-          <a:xfrm>
-            <a:off x="6474104" y="2260600"/>
-            <a:ext cx="447622" cy="563116"/>
-          </a:xfrm>
-          <a:prstGeom prst="straightConnector1">
-            <a:avLst/>
-          </a:prstGeom>
-          <a:ln>
-            <a:tailEnd type="arrow"/>
-          </a:ln>
-        </p:spPr>
-        <p:style>
-          <a:lnRef idx="3">
-            <a:schemeClr val="accent5"/>
-          </a:lnRef>
-          <a:fillRef idx="0">
-            <a:schemeClr val="accent5"/>
-          </a:fillRef>
-          <a:effectRef idx="2">
-            <a:schemeClr val="accent5"/>
-          </a:effectRef>
-          <a:fontRef idx="minor">
-            <a:schemeClr val="tx1"/>
-          </a:fontRef>
-        </p:style>
-      </p:cxnSp>
-      <p:sp>
-        <p:nvSpPr>
-          <p:cNvPr id="58" name="Oval 57"/>
-          <p:cNvSpPr/>
-          <p:nvPr/>
-        </p:nvSpPr>
-        <p:spPr>
-          <a:xfrm>
-            <a:off x="5135301" y="2930621"/>
-            <a:ext cx="1338077" cy="975259"/>
-          </a:xfrm>
-          <a:prstGeom prst="ellipse">
-            <a:avLst/>
-          </a:prstGeom>
-          <a:ln/>
-        </p:spPr>
-        <p:style>
-          <a:lnRef idx="1">
-            <a:schemeClr val="accent2"/>
-          </a:lnRef>
-          <a:fillRef idx="3">
-            <a:schemeClr val="accent2"/>
-          </a:fillRef>
-          <a:effectRef idx="2">
-            <a:schemeClr val="accent2"/>
-          </a:effectRef>
-          <a:fontRef idx="minor">
-            <a:schemeClr val="lt1"/>
-          </a:fontRef>
-        </p:style>
-        <p:txBody>
-          <a:bodyPr rtlCol="0" anchor="ctr"/>
-          <a:lstStyle/>
-          <a:p>
-            <a:pPr algn="ctr"/>
-            <a:r>
-              <a:rPr lang="en-US" sz="1200" dirty="0" smtClean="0">
-                <a:solidFill>
-                  <a:schemeClr val="bg1"/>
-                </a:solidFill>
-              </a:rPr>
-              <a:t>Control</a:t>
-            </a:r>
-          </a:p>
-        </p:txBody>
-      </p:sp>
-      <p:cxnSp>
-        <p:nvCxnSpPr>
-          <p:cNvPr id="60" name="Elbow Connector 59"/>
-          <p:cNvCxnSpPr>
-            <a:stCxn id="37" idx="2"/>
-            <a:endCxn id="46" idx="2"/>
-          </p:cNvCxnSpPr>
-          <p:nvPr/>
-        </p:nvCxnSpPr>
-        <p:spPr>
-          <a:xfrm rot="5400000" flipH="1" flipV="1">
-            <a:off x="3292501" y="1721414"/>
-            <a:ext cx="1304340" cy="2382712"/>
-          </a:xfrm>
-          <a:prstGeom prst="bentConnector4">
-            <a:avLst>
-              <a:gd name="adj1" fmla="val -17526"/>
-              <a:gd name="adj2" fmla="val 88098"/>
-            </a:avLst>
-          </a:prstGeom>
-          <a:ln>
-            <a:tailEnd type="arrow"/>
-          </a:ln>
-        </p:spPr>
-        <p:style>
-          <a:lnRef idx="3">
-            <a:schemeClr val="accent5"/>
-          </a:lnRef>
-          <a:fillRef idx="0">
-            <a:schemeClr val="accent5"/>
-          </a:fillRef>
-          <a:effectRef idx="2">
-            <a:schemeClr val="accent5"/>
-          </a:effectRef>
-          <a:fontRef idx="minor">
-            <a:schemeClr val="tx1"/>
-          </a:fontRef>
-        </p:style>
-      </p:cxnSp>
-      <p:cxnSp>
-        <p:nvCxnSpPr>
-          <p:cNvPr id="62" name="Elbow Connector 61"/>
-          <p:cNvCxnSpPr>
-            <a:stCxn id="58" idx="2"/>
-            <a:endCxn id="37" idx="3"/>
-          </p:cNvCxnSpPr>
-          <p:nvPr/>
-        </p:nvCxnSpPr>
-        <p:spPr>
-          <a:xfrm rot="10800000">
-            <a:off x="4253467" y="3297773"/>
-            <a:ext cx="881834" cy="120478"/>
-          </a:xfrm>
-          <a:prstGeom prst="bentConnector3">
-            <a:avLst>
-              <a:gd name="adj1" fmla="val 58216"/>
-            </a:avLst>
-          </a:prstGeom>
-          <a:ln>
-            <a:tailEnd type="arrow"/>
-          </a:ln>
-        </p:spPr>
-        <p:style>
-          <a:lnRef idx="3">
-            <a:schemeClr val="accent2"/>
-          </a:lnRef>
-          <a:fillRef idx="0">
-            <a:schemeClr val="accent2"/>
-          </a:fillRef>
-          <a:effectRef idx="2">
-            <a:schemeClr val="accent2"/>
-          </a:effectRef>
-          <a:fontRef idx="minor">
-            <a:schemeClr val="tx1"/>
-          </a:fontRef>
-        </p:style>
-      </p:cxnSp>
-      <p:cxnSp>
-        <p:nvCxnSpPr>
-          <p:cNvPr id="65" name="Elbow Connector 64"/>
-          <p:cNvCxnSpPr>
-            <a:stCxn id="58" idx="2"/>
-            <a:endCxn id="38" idx="3"/>
-          </p:cNvCxnSpPr>
-          <p:nvPr/>
-        </p:nvCxnSpPr>
-        <p:spPr>
-          <a:xfrm rot="10800000">
-            <a:off x="4252365" y="2423923"/>
-            <a:ext cx="882937" cy="994329"/>
-          </a:xfrm>
-          <a:prstGeom prst="bentConnector3">
-            <a:avLst>
-              <a:gd name="adj1" fmla="val 46139"/>
-            </a:avLst>
-          </a:prstGeom>
-          <a:ln>
-            <a:tailEnd type="arrow"/>
-          </a:ln>
-        </p:spPr>
-        <p:style>
-          <a:lnRef idx="3">
-            <a:schemeClr val="accent2"/>
-          </a:lnRef>
-          <a:fillRef idx="0">
-            <a:schemeClr val="accent2"/>
-          </a:fillRef>
-          <a:effectRef idx="2">
-            <a:schemeClr val="accent2"/>
-          </a:effectRef>
-          <a:fontRef idx="minor">
-            <a:schemeClr val="tx1"/>
-          </a:fontRef>
-        </p:style>
-      </p:cxnSp>
-      <p:cxnSp>
-        <p:nvCxnSpPr>
-          <p:cNvPr id="69" name="Elbow Connector 68"/>
-          <p:cNvCxnSpPr>
-            <a:stCxn id="38" idx="0"/>
-            <a:endCxn id="46" idx="2"/>
-          </p:cNvCxnSpPr>
-          <p:nvPr/>
-        </p:nvCxnSpPr>
-        <p:spPr>
-          <a:xfrm rot="16200000" flipH="1">
-            <a:off x="3882848" y="1007422"/>
-            <a:ext cx="122168" cy="2384189"/>
-          </a:xfrm>
-          <a:prstGeom prst="bentConnector4">
-            <a:avLst>
-              <a:gd name="adj1" fmla="val -187119"/>
-              <a:gd name="adj2" fmla="val 81468"/>
-            </a:avLst>
-          </a:prstGeom>
-          <a:ln>
-            <a:tailEnd type="arrow"/>
-          </a:ln>
-        </p:spPr>
-        <p:style>
-          <a:lnRef idx="3">
-            <a:schemeClr val="accent5"/>
-          </a:lnRef>
-          <a:fillRef idx="0">
-            <a:schemeClr val="accent5"/>
-          </a:fillRef>
-          <a:effectRef idx="2">
-            <a:schemeClr val="accent5"/>
-          </a:effectRef>
-          <a:fontRef idx="minor">
-            <a:schemeClr val="tx1"/>
-          </a:fontRef>
-        </p:style>
-      </p:cxnSp>
-      <p:cxnSp>
-        <p:nvCxnSpPr>
-          <p:cNvPr id="80" name="Straight Arrow Connector 79"/>
-          <p:cNvCxnSpPr>
-            <a:stCxn id="52" idx="1"/>
-            <a:endCxn id="58" idx="6"/>
-          </p:cNvCxnSpPr>
-          <p:nvPr/>
-        </p:nvCxnSpPr>
-        <p:spPr>
-          <a:xfrm flipH="1">
-            <a:off x="6473378" y="2823716"/>
-            <a:ext cx="448348" cy="594535"/>
-          </a:xfrm>
-          <a:prstGeom prst="straightConnector1">
-            <a:avLst/>
-          </a:prstGeom>
-          <a:ln>
-            <a:tailEnd type="arrow"/>
-          </a:ln>
-        </p:spPr>
-        <p:style>
-          <a:lnRef idx="3">
-            <a:schemeClr val="accent2"/>
-          </a:lnRef>
-          <a:fillRef idx="0">
-            <a:schemeClr val="accent2"/>
-          </a:fillRef>
-          <a:effectRef idx="2">
-            <a:schemeClr val="accent2"/>
-          </a:effectRef>
-          <a:fontRef idx="minor">
-            <a:schemeClr val="tx1"/>
-          </a:fontRef>
-        </p:style>
-      </p:cxnSp>
-      <p:sp>
-        <p:nvSpPr>
-          <p:cNvPr id="84" name="24-Point Star 83"/>
-          <p:cNvSpPr/>
-          <p:nvPr/>
-        </p:nvSpPr>
-        <p:spPr>
-          <a:xfrm>
-            <a:off x="7769111" y="4225736"/>
-            <a:ext cx="878043" cy="807515"/>
-          </a:xfrm>
-          <a:prstGeom prst="star24">
-            <a:avLst>
-              <a:gd name="adj" fmla="val 47214"/>
-            </a:avLst>
-          </a:prstGeom>
-          <a:ln/>
-        </p:spPr>
-        <p:style>
-          <a:lnRef idx="1">
-            <a:schemeClr val="dk1"/>
-          </a:lnRef>
-          <a:fillRef idx="3">
-            <a:schemeClr val="dk1"/>
-          </a:fillRef>
-          <a:effectRef idx="2">
-            <a:schemeClr val="dk1"/>
-          </a:effectRef>
-          <a:fontRef idx="minor">
-            <a:schemeClr val="lt1"/>
-          </a:fontRef>
-        </p:style>
-        <p:txBody>
-          <a:bodyPr rtlCol="0" anchor="ctr"/>
-          <a:lstStyle/>
-          <a:p>
-            <a:pPr algn="ctr"/>
-            <a:r>
-              <a:rPr lang="en-US" sz="2000" dirty="0" smtClean="0">
-                <a:solidFill>
-                  <a:schemeClr val="bg1"/>
-                </a:solidFill>
-              </a:rPr>
-              <a:t>DSE</a:t>
-            </a:r>
-          </a:p>
-        </p:txBody>
-      </p:sp>
-      <p:sp>
-        <p:nvSpPr>
-          <p:cNvPr id="85" name="24-Point Star 84"/>
-          <p:cNvSpPr/>
-          <p:nvPr/>
-        </p:nvSpPr>
-        <p:spPr>
-          <a:xfrm>
-            <a:off x="6808278" y="4237017"/>
-            <a:ext cx="878043" cy="807515"/>
-          </a:xfrm>
-          <a:prstGeom prst="star24">
-            <a:avLst>
-              <a:gd name="adj" fmla="val 47214"/>
-            </a:avLst>
-          </a:prstGeom>
-          <a:ln/>
-        </p:spPr>
-        <p:style>
-          <a:lnRef idx="1">
-            <a:schemeClr val="dk1"/>
-          </a:lnRef>
-          <a:fillRef idx="3">
-            <a:schemeClr val="dk1"/>
-          </a:fillRef>
-          <a:effectRef idx="2">
-            <a:schemeClr val="dk1"/>
-          </a:effectRef>
-          <a:fontRef idx="minor">
-            <a:schemeClr val="lt1"/>
-          </a:fontRef>
-        </p:style>
-        <p:txBody>
-          <a:bodyPr rtlCol="0" anchor="ctr"/>
-          <a:lstStyle/>
-          <a:p>
-            <a:pPr algn="ctr"/>
-            <a:r>
-              <a:rPr lang="en-US" sz="2000" dirty="0" smtClean="0">
-                <a:solidFill>
-                  <a:schemeClr val="bg1"/>
-                </a:solidFill>
-              </a:rPr>
-              <a:t>CEP</a:t>
-            </a:r>
-          </a:p>
-        </p:txBody>
-      </p:sp>
-      <p:sp>
-        <p:nvSpPr>
-          <p:cNvPr id="86" name="Up-Down Arrow 85"/>
-          <p:cNvSpPr/>
-          <p:nvPr/>
-        </p:nvSpPr>
-        <p:spPr>
-          <a:xfrm>
-            <a:off x="7094905" y="3912137"/>
-            <a:ext cx="313587" cy="493917"/>
-          </a:xfrm>
-          <a:prstGeom prst="upDownArrow">
-            <a:avLst/>
-          </a:prstGeom>
-          <a:ln/>
-        </p:spPr>
-        <p:style>
-          <a:lnRef idx="1">
-            <a:schemeClr val="accent5"/>
-          </a:lnRef>
-          <a:fillRef idx="3">
-            <a:schemeClr val="accent5"/>
-          </a:fillRef>
-          <a:effectRef idx="2">
-            <a:schemeClr val="accent5"/>
-          </a:effectRef>
-          <a:fontRef idx="minor">
-            <a:schemeClr val="lt1"/>
-          </a:fontRef>
-        </p:style>
-        <p:txBody>
-          <a:bodyPr rtlCol="0" anchor="ctr"/>
-          <a:lstStyle/>
-          <a:p>
-            <a:pPr algn="ctr"/>
-            <a:endParaRPr lang="en-US" sz="2400" dirty="0" smtClean="0">
-              <a:solidFill>
-                <a:schemeClr val="bg1"/>
-              </a:solidFill>
-            </a:endParaRPr>
-          </a:p>
-        </p:txBody>
-      </p:sp>
-      <p:sp>
-        <p:nvSpPr>
-          <p:cNvPr id="87" name="Up-Down Arrow 86"/>
-          <p:cNvSpPr/>
-          <p:nvPr/>
-        </p:nvSpPr>
-        <p:spPr>
-          <a:xfrm>
-            <a:off x="8054791" y="3915578"/>
-            <a:ext cx="313587" cy="493917"/>
-          </a:xfrm>
-          <a:prstGeom prst="upDownArrow">
-            <a:avLst/>
-          </a:prstGeom>
-          <a:ln/>
-        </p:spPr>
-        <p:style>
-          <a:lnRef idx="1">
-            <a:schemeClr val="accent2"/>
-          </a:lnRef>
-          <a:fillRef idx="3">
-            <a:schemeClr val="accent2"/>
-          </a:fillRef>
-          <a:effectRef idx="2">
-            <a:schemeClr val="accent2"/>
-          </a:effectRef>
-          <a:fontRef idx="minor">
-            <a:schemeClr val="lt1"/>
-          </a:fontRef>
-        </p:style>
-        <p:txBody>
-          <a:bodyPr rtlCol="0" anchor="ctr"/>
-          <a:lstStyle/>
-          <a:p>
-            <a:pPr algn="ctr"/>
-            <a:endParaRPr lang="en-US" sz="2400" dirty="0" smtClean="0">
-              <a:solidFill>
-                <a:schemeClr val="bg1"/>
-              </a:solidFill>
-            </a:endParaRPr>
-          </a:p>
-        </p:txBody>
-      </p:sp>
-      <p:sp>
-        <p:nvSpPr>
-          <p:cNvPr id="88" name="24-Point Star 87"/>
-          <p:cNvSpPr/>
-          <p:nvPr/>
-        </p:nvSpPr>
-        <p:spPr>
-          <a:xfrm>
-            <a:off x="6945951" y="751678"/>
-            <a:ext cx="1614973" cy="807515"/>
-          </a:xfrm>
-          <a:prstGeom prst="star24">
-            <a:avLst>
-              <a:gd name="adj" fmla="val 47214"/>
-            </a:avLst>
-          </a:prstGeom>
-          <a:ln/>
-        </p:spPr>
-        <p:style>
-          <a:lnRef idx="1">
-            <a:schemeClr val="dk1"/>
-          </a:lnRef>
-          <a:fillRef idx="3">
-            <a:schemeClr val="dk1"/>
-          </a:fillRef>
-          <a:effectRef idx="2">
-            <a:schemeClr val="dk1"/>
-          </a:effectRef>
-          <a:fontRef idx="minor">
-            <a:schemeClr val="lt1"/>
-          </a:fontRef>
-        </p:style>
-        <p:txBody>
-          <a:bodyPr rtlCol="0" anchor="ctr"/>
-          <a:lstStyle/>
-          <a:p>
-            <a:pPr algn="ctr"/>
-            <a:r>
-              <a:rPr lang="en-US" sz="1200" dirty="0" smtClean="0">
-                <a:solidFill>
-                  <a:schemeClr val="bg1"/>
-                </a:solidFill>
-              </a:rPr>
-              <a:t>EMF-</a:t>
-            </a:r>
-            <a:r>
-              <a:rPr lang="en-US" sz="1200" dirty="0" err="1" smtClean="0">
-                <a:solidFill>
-                  <a:schemeClr val="bg1"/>
-                </a:solidFill>
-              </a:rPr>
-              <a:t>IncQuery</a:t>
-            </a:r>
-            <a:r>
-              <a:rPr lang="en-US" sz="1200" dirty="0" smtClean="0">
-                <a:solidFill>
-                  <a:schemeClr val="bg1"/>
-                </a:solidFill>
-              </a:rPr>
-              <a:t> Tooling</a:t>
-            </a:r>
-          </a:p>
-        </p:txBody>
-      </p:sp>
-      <p:sp>
-        <p:nvSpPr>
-          <p:cNvPr id="89" name="Down Arrow 88"/>
-          <p:cNvSpPr/>
-          <p:nvPr/>
-        </p:nvSpPr>
-        <p:spPr>
-          <a:xfrm>
-            <a:off x="7580965" y="1426873"/>
-            <a:ext cx="313587" cy="501757"/>
-          </a:xfrm>
-          <a:prstGeom prst="downArrow">
-            <a:avLst/>
-          </a:prstGeom>
-          <a:ln/>
-        </p:spPr>
-        <p:style>
-          <a:lnRef idx="1">
-            <a:schemeClr val="accent4"/>
-          </a:lnRef>
-          <a:fillRef idx="3">
-            <a:schemeClr val="accent4"/>
-          </a:fillRef>
-          <a:effectRef idx="2">
-            <a:schemeClr val="accent4"/>
-          </a:effectRef>
-          <a:fontRef idx="minor">
-            <a:schemeClr val="lt1"/>
-          </a:fontRef>
-        </p:style>
-        <p:txBody>
-          <a:bodyPr rtlCol="0" anchor="ctr"/>
-          <a:lstStyle/>
-          <a:p>
-            <a:pPr algn="ctr"/>
-            <a:endParaRPr lang="en-US" sz="2400" dirty="0" smtClean="0">
-              <a:solidFill>
-                <a:schemeClr val="bg1"/>
-              </a:solidFill>
-            </a:endParaRPr>
-          </a:p>
-        </p:txBody>
-      </p:sp>
-    </p:spTree>
-    <p:extLst>
-      <p:ext uri="{BB962C8B-B14F-4D97-AF65-F5344CB8AC3E}">
-        <p14:creationId xmlns:p14="http://schemas.microsoft.com/office/powerpoint/2010/main" val="3385696325"/>
-      </p:ext>
-    </p:extLst>
-  </p:cSld>
-  <p:clrMapOvr>
-    <a:masterClrMapping/>
-  </p:clrMapOvr>
-  <p:timing>
-    <p:tnLst>
-      <p:par>
-        <p:cTn id="1" dur="indefinite" restart="never" nodeType="tmRoot">
-          <p:childTnLst>
-            <p:seq concurrent="1" nextAc="seek">
-              <p:cTn id="2" dur="indefinite" nodeType="mainSeq">
-                <p:childTnLst>
-                  <p:par>
-                    <p:cTn id="3" fill="hold">
-                      <p:stCondLst>
-                        <p:cond delay="indefinite"/>
-                        <p:cond evt="onBegin" delay="0">
-                          <p:tn val="2"/>
-                        </p:cond>
-                      </p:stCondLst>
-                      <p:childTnLst>
-                        <p:par>
-                          <p:cTn id="4" fill="hold">
-                            <p:stCondLst>
-                              <p:cond delay="0"/>
-                            </p:stCondLst>
-                            <p:childTnLst>
-                              <p:par>
-                                <p:cTn id="5" presetID="1" presetClass="exit" presetSubtype="0" fill="hold" grpId="0" nodeType="withEffect">
-                                  <p:stCondLst>
-                                    <p:cond delay="0"/>
-                                  </p:stCondLst>
-                                  <p:childTnLst>
-                                    <p:set>
-                                      <p:cBhvr>
-                                        <p:cTn id="6" dur="1" fill="hold">
-                                          <p:stCondLst>
-                                            <p:cond delay="0"/>
-                                          </p:stCondLst>
-                                        </p:cTn>
-                                        <p:tgtEl>
-                                          <p:spTgt spid="29"/>
-                                        </p:tgtEl>
-                                        <p:attrNameLst>
-                                          <p:attrName>style.visibility</p:attrName>
-                                        </p:attrNameLst>
-                                      </p:cBhvr>
-                                      <p:to>
-                                        <p:strVal val="hidden"/>
-                                      </p:to>
-                                    </p:set>
-                                  </p:childTnLst>
-                                </p:cTn>
-                              </p:par>
-                              <p:par>
-                                <p:cTn id="7" presetID="1" presetClass="entr" presetSubtype="0" fill="hold" grpId="0" nodeType="withEffect">
-                                  <p:stCondLst>
-                                    <p:cond delay="0"/>
-                                  </p:stCondLst>
-                                  <p:childTnLst>
-                                    <p:set>
-                                      <p:cBhvr>
-                                        <p:cTn id="8" dur="1" fill="hold">
-                                          <p:stCondLst>
-                                            <p:cond delay="0"/>
-                                          </p:stCondLst>
-                                        </p:cTn>
-                                        <p:tgtEl>
-                                          <p:spTgt spid="30"/>
-                                        </p:tgtEl>
-                                        <p:attrNameLst>
-                                          <p:attrName>style.visibility</p:attrName>
-                                        </p:attrNameLst>
-                                      </p:cBhvr>
-                                      <p:to>
-                                        <p:strVal val="visible"/>
-                                      </p:to>
-                                    </p:set>
-                                  </p:childTnLst>
-                                </p:cTn>
-                              </p:par>
-                              <p:par>
-                                <p:cTn id="9" presetID="1" presetClass="entr" presetSubtype="0" fill="hold" grpId="0" nodeType="withEffect">
-                                  <p:stCondLst>
-                                    <p:cond delay="0"/>
-                                  </p:stCondLst>
-                                  <p:childTnLst>
-                                    <p:set>
-                                      <p:cBhvr>
-                                        <p:cTn id="10" dur="1" fill="hold">
-                                          <p:stCondLst>
-                                            <p:cond delay="0"/>
-                                          </p:stCondLst>
-                                        </p:cTn>
-                                        <p:tgtEl>
-                                          <p:spTgt spid="34"/>
-                                        </p:tgtEl>
-                                        <p:attrNameLst>
-                                          <p:attrName>style.visibility</p:attrName>
-                                        </p:attrNameLst>
-                                      </p:cBhvr>
-                                      <p:to>
-                                        <p:strVal val="visible"/>
-                                      </p:to>
-                                    </p:set>
-                                  </p:childTnLst>
-                                </p:cTn>
-                              </p:par>
-                              <p:par>
-                                <p:cTn id="11" presetID="1" presetClass="entr" presetSubtype="0" fill="hold" nodeType="withEffect">
-                                  <p:stCondLst>
-                                    <p:cond delay="0"/>
-                                  </p:stCondLst>
-                                  <p:childTnLst>
-                                    <p:set>
-                                      <p:cBhvr>
-                                        <p:cTn id="12" dur="1" fill="hold">
-                                          <p:stCondLst>
-                                            <p:cond delay="0"/>
-                                          </p:stCondLst>
-                                        </p:cTn>
-                                        <p:tgtEl>
-                                          <p:spTgt spid="23"/>
-                                        </p:tgtEl>
-                                        <p:attrNameLst>
-                                          <p:attrName>style.visibility</p:attrName>
-                                        </p:attrNameLst>
-                                      </p:cBhvr>
-                                      <p:to>
-                                        <p:strVal val="visible"/>
-                                      </p:to>
-                                    </p:set>
-                                  </p:childTnLst>
-                                </p:cTn>
-                              </p:par>
-                              <p:par>
-                                <p:cTn id="13" presetID="1" presetClass="entr" presetSubtype="0" fill="hold" nodeType="withEffect">
-                                  <p:stCondLst>
-                                    <p:cond delay="0"/>
-                                  </p:stCondLst>
-                                  <p:childTnLst>
-                                    <p:set>
-                                      <p:cBhvr>
-                                        <p:cTn id="14" dur="1" fill="hold">
-                                          <p:stCondLst>
-                                            <p:cond delay="0"/>
-                                          </p:stCondLst>
-                                        </p:cTn>
-                                        <p:tgtEl>
-                                          <p:spTgt spid="24"/>
-                                        </p:tgtEl>
-                                        <p:attrNameLst>
-                                          <p:attrName>style.visibility</p:attrName>
-                                        </p:attrNameLst>
-                                      </p:cBhvr>
-                                      <p:to>
-                                        <p:strVal val="visible"/>
-                                      </p:to>
-                                    </p:set>
-                                  </p:childTnLst>
-                                </p:cTn>
-                              </p:par>
-                              <p:par>
-                                <p:cTn id="15" presetID="1" presetClass="entr" presetSubtype="0" fill="hold" nodeType="withEffect">
-                                  <p:stCondLst>
-                                    <p:cond delay="0"/>
-                                  </p:stCondLst>
-                                  <p:childTnLst>
-                                    <p:set>
-                                      <p:cBhvr>
-                                        <p:cTn id="16" dur="1" fill="hold">
-                                          <p:stCondLst>
-                                            <p:cond delay="0"/>
-                                          </p:stCondLst>
-                                        </p:cTn>
-                                        <p:tgtEl>
-                                          <p:spTgt spid="25"/>
-                                        </p:tgtEl>
-                                        <p:attrNameLst>
-                                          <p:attrName>style.visibility</p:attrName>
-                                        </p:attrNameLst>
-                                      </p:cBhvr>
-                                      <p:to>
-                                        <p:strVal val="visible"/>
-                                      </p:to>
-                                    </p:set>
-                                  </p:childTnLst>
-                                </p:cTn>
-                              </p:par>
-                              <p:par>
-                                <p:cTn id="17" presetID="1" presetClass="entr" presetSubtype="0" fill="hold" grpId="0" nodeType="withEffect">
-                                  <p:stCondLst>
-                                    <p:cond delay="0"/>
-                                  </p:stCondLst>
-                                  <p:childTnLst>
-                                    <p:set>
-                                      <p:cBhvr>
-                                        <p:cTn id="18" dur="1" fill="hold">
-                                          <p:stCondLst>
-                                            <p:cond delay="0"/>
-                                          </p:stCondLst>
-                                        </p:cTn>
-                                        <p:tgtEl>
-                                          <p:spTgt spid="14"/>
-                                        </p:tgtEl>
-                                        <p:attrNameLst>
-                                          <p:attrName>style.visibility</p:attrName>
-                                        </p:attrNameLst>
-                                      </p:cBhvr>
-                                      <p:to>
-                                        <p:strVal val="visible"/>
-                                      </p:to>
-                                    </p:set>
-                                  </p:childTnLst>
-                                </p:cTn>
-                              </p:par>
-                              <p:par>
-                                <p:cTn id="19" presetID="1" presetClass="entr" presetSubtype="0" fill="hold" grpId="0" nodeType="withEffect">
-                                  <p:stCondLst>
-                                    <p:cond delay="0"/>
-                                  </p:stCondLst>
-                                  <p:childTnLst>
-                                    <p:set>
-                                      <p:cBhvr>
-                                        <p:cTn id="20" dur="1" fill="hold">
-                                          <p:stCondLst>
-                                            <p:cond delay="0"/>
-                                          </p:stCondLst>
-                                        </p:cTn>
-                                        <p:tgtEl>
-                                          <p:spTgt spid="16"/>
-                                        </p:tgtEl>
-                                        <p:attrNameLst>
-                                          <p:attrName>style.visibility</p:attrName>
-                                        </p:attrNameLst>
-                                      </p:cBhvr>
-                                      <p:to>
-                                        <p:strVal val="visible"/>
-                                      </p:to>
-                                    </p:set>
-                                  </p:childTnLst>
-                                </p:cTn>
-                              </p:par>
-                              <p:par>
-                                <p:cTn id="21" presetID="1" presetClass="entr" presetSubtype="0" fill="hold" nodeType="withEffect">
-                                  <p:stCondLst>
-                                    <p:cond delay="0"/>
-                                  </p:stCondLst>
-                                  <p:childTnLst>
-                                    <p:set>
-                                      <p:cBhvr>
-                                        <p:cTn id="22" dur="1" fill="hold">
-                                          <p:stCondLst>
-                                            <p:cond delay="0"/>
-                                          </p:stCondLst>
-                                        </p:cTn>
-                                        <p:tgtEl>
-                                          <p:spTgt spid="15"/>
-                                        </p:tgtEl>
-                                        <p:attrNameLst>
-                                          <p:attrName>style.visibility</p:attrName>
-                                        </p:attrNameLst>
-                                      </p:cBhvr>
-                                      <p:to>
-                                        <p:strVal val="visible"/>
-                                      </p:to>
-                                    </p:set>
-                                  </p:childTnLst>
-                                </p:cTn>
-                              </p:par>
-                              <p:par>
-                                <p:cTn id="23" presetID="1" presetClass="exit" presetSubtype="0" fill="hold" grpId="0" nodeType="withEffect">
-                                  <p:stCondLst>
-                                    <p:cond delay="0"/>
-                                  </p:stCondLst>
-                                  <p:childTnLst>
-                                    <p:set>
-                                      <p:cBhvr>
-                                        <p:cTn id="24" dur="1" fill="hold">
-                                          <p:stCondLst>
-                                            <p:cond delay="0"/>
-                                          </p:stCondLst>
-                                        </p:cTn>
-                                        <p:tgtEl>
-                                          <p:spTgt spid="36"/>
-                                        </p:tgtEl>
-                                        <p:attrNameLst>
-                                          <p:attrName>style.visibility</p:attrName>
-                                        </p:attrNameLst>
-                                      </p:cBhvr>
-                                      <p:to>
-                                        <p:strVal val="hidden"/>
-                                      </p:to>
-                                    </p:set>
-                                  </p:childTnLst>
-                                </p:cTn>
-                              </p:par>
-                              <p:par>
-                                <p:cTn id="25" presetID="1" presetClass="entr" presetSubtype="0" fill="hold" grpId="0" nodeType="withEffect">
-                                  <p:stCondLst>
-                                    <p:cond delay="0"/>
-                                  </p:stCondLst>
-                                  <p:childTnLst>
-                                    <p:set>
-                                      <p:cBhvr>
-                                        <p:cTn id="26" dur="1" fill="hold">
-                                          <p:stCondLst>
-                                            <p:cond delay="0"/>
-                                          </p:stCondLst>
-                                        </p:cTn>
-                                        <p:tgtEl>
-                                          <p:spTgt spid="37"/>
-                                        </p:tgtEl>
-                                        <p:attrNameLst>
-                                          <p:attrName>style.visibility</p:attrName>
-                                        </p:attrNameLst>
-                                      </p:cBhvr>
-                                      <p:to>
-                                        <p:strVal val="visible"/>
-                                      </p:to>
-                                    </p:set>
-                                  </p:childTnLst>
-                                </p:cTn>
-                              </p:par>
-                              <p:par>
-                                <p:cTn id="27" presetID="1" presetClass="exit" presetSubtype="0" fill="hold" nodeType="withEffect">
-                                  <p:stCondLst>
-                                    <p:cond delay="0"/>
-                                  </p:stCondLst>
-                                  <p:childTnLst>
-                                    <p:set>
-                                      <p:cBhvr>
-                                        <p:cTn id="28" dur="1" fill="hold">
-                                          <p:stCondLst>
-                                            <p:cond delay="0"/>
-                                          </p:stCondLst>
-                                        </p:cTn>
-                                        <p:tgtEl>
-                                          <p:spTgt spid="13"/>
-                                        </p:tgtEl>
-                                        <p:attrNameLst>
-                                          <p:attrName>style.visibility</p:attrName>
-                                        </p:attrNameLst>
-                                      </p:cBhvr>
-                                      <p:to>
-                                        <p:strVal val="hidden"/>
-                                      </p:to>
-                                    </p:set>
-                                  </p:childTnLst>
-                                </p:cTn>
-                              </p:par>
-                              <p:par>
-                                <p:cTn id="29" presetID="1" presetClass="entr" presetSubtype="0" fill="hold" nodeType="withEffect">
-                                  <p:stCondLst>
-                                    <p:cond delay="0"/>
-                                  </p:stCondLst>
-                                  <p:childTnLst>
-                                    <p:set>
-                                      <p:cBhvr>
-                                        <p:cTn id="30" dur="1" fill="hold">
-                                          <p:stCondLst>
-                                            <p:cond delay="0"/>
-                                          </p:stCondLst>
-                                        </p:cTn>
-                                        <p:tgtEl>
-                                          <p:spTgt spid="4"/>
-                                        </p:tgtEl>
-                                        <p:attrNameLst>
-                                          <p:attrName>style.visibility</p:attrName>
-                                        </p:attrNameLst>
-                                      </p:cBhvr>
-                                      <p:to>
-                                        <p:strVal val="visible"/>
-                                      </p:to>
-                                    </p:set>
-                                  </p:childTnLst>
-                                </p:cTn>
-                              </p:par>
-                              <p:par>
-                                <p:cTn id="31" presetID="1" presetClass="entr" presetSubtype="0" fill="hold" nodeType="withEffect">
-                                  <p:stCondLst>
-                                    <p:cond delay="0"/>
-                                  </p:stCondLst>
-                                  <p:childTnLst>
-                                    <p:set>
-                                      <p:cBhvr>
-                                        <p:cTn id="32" dur="1" fill="hold">
-                                          <p:stCondLst>
-                                            <p:cond delay="0"/>
-                                          </p:stCondLst>
-                                        </p:cTn>
-                                        <p:tgtEl>
-                                          <p:spTgt spid="5"/>
-                                        </p:tgtEl>
-                                        <p:attrNameLst>
-                                          <p:attrName>style.visibility</p:attrName>
-                                        </p:attrNameLst>
-                                      </p:cBhvr>
-                                      <p:to>
-                                        <p:strVal val="visible"/>
-                                      </p:to>
-                                    </p:set>
-                                  </p:childTnLst>
-                                </p:cTn>
-                              </p:par>
-                              <p:par>
-                                <p:cTn id="33" presetID="1" presetClass="exit" presetSubtype="0" fill="hold" nodeType="withEffect">
-                                  <p:stCondLst>
-                                    <p:cond delay="0"/>
-                                  </p:stCondLst>
-                                  <p:childTnLst>
-                                    <p:set>
-                                      <p:cBhvr>
-                                        <p:cTn id="34" dur="1" fill="hold">
-                                          <p:stCondLst>
-                                            <p:cond delay="0"/>
-                                          </p:stCondLst>
-                                        </p:cTn>
-                                        <p:tgtEl>
-                                          <p:spTgt spid="10"/>
-                                        </p:tgtEl>
-                                        <p:attrNameLst>
-                                          <p:attrName>style.visibility</p:attrName>
-                                        </p:attrNameLst>
-                                      </p:cBhvr>
-                                      <p:to>
-                                        <p:strVal val="hidden"/>
-                                      </p:to>
-                                    </p:set>
-                                  </p:childTnLst>
-                                </p:cTn>
-                              </p:par>
-                              <p:par>
-                                <p:cTn id="35" presetID="1" presetClass="entr" presetSubtype="0" fill="hold" nodeType="withEffect">
-                                  <p:stCondLst>
-                                    <p:cond delay="0"/>
-                                  </p:stCondLst>
-                                  <p:childTnLst>
-                                    <p:set>
-                                      <p:cBhvr>
-                                        <p:cTn id="36" dur="1" fill="hold">
-                                          <p:stCondLst>
-                                            <p:cond delay="0"/>
-                                          </p:stCondLst>
-                                        </p:cTn>
-                                        <p:tgtEl>
-                                          <p:spTgt spid="39"/>
-                                        </p:tgtEl>
-                                        <p:attrNameLst>
-                                          <p:attrName>style.visibility</p:attrName>
-                                        </p:attrNameLst>
-                                      </p:cBhvr>
-                                      <p:to>
-                                        <p:strVal val="visible"/>
-                                      </p:to>
-                                    </p:set>
-                                  </p:childTnLst>
-                                </p:cTn>
-                              </p:par>
-                              <p:par>
-                                <p:cTn id="37" presetID="1" presetClass="exit" presetSubtype="0" fill="hold" grpId="0" nodeType="withEffect">
-                                  <p:stCondLst>
-                                    <p:cond delay="0"/>
-                                  </p:stCondLst>
-                                  <p:childTnLst>
-                                    <p:set>
-                                      <p:cBhvr>
-                                        <p:cTn id="38" dur="1" fill="hold">
-                                          <p:stCondLst>
-                                            <p:cond delay="0"/>
-                                          </p:stCondLst>
-                                        </p:cTn>
-                                        <p:tgtEl>
-                                          <p:spTgt spid="35"/>
-                                        </p:tgtEl>
-                                        <p:attrNameLst>
-                                          <p:attrName>style.visibility</p:attrName>
-                                        </p:attrNameLst>
-                                      </p:cBhvr>
-                                      <p:to>
-                                        <p:strVal val="hidden"/>
-                                      </p:to>
-                                    </p:set>
-                                  </p:childTnLst>
-                                </p:cTn>
-                              </p:par>
-                              <p:par>
-                                <p:cTn id="39" presetID="1" presetClass="entr" presetSubtype="0" fill="hold" grpId="0" nodeType="withEffect">
-                                  <p:stCondLst>
-                                    <p:cond delay="0"/>
-                                  </p:stCondLst>
-                                  <p:childTnLst>
-                                    <p:set>
-                                      <p:cBhvr>
-                                        <p:cTn id="40" dur="1" fill="hold">
-                                          <p:stCondLst>
-                                            <p:cond delay="0"/>
-                                          </p:stCondLst>
-                                        </p:cTn>
-                                        <p:tgtEl>
-                                          <p:spTgt spid="38"/>
-                                        </p:tgtEl>
-                                        <p:attrNameLst>
-                                          <p:attrName>style.visibility</p:attrName>
-                                        </p:attrNameLst>
-                                      </p:cBhvr>
-                                      <p:to>
-                                        <p:strVal val="visible"/>
-                                      </p:to>
-                                    </p:set>
-                                  </p:childTnLst>
-                                </p:cTn>
-                              </p:par>
-                              <p:par>
-                                <p:cTn id="41" presetID="1" presetClass="entr" presetSubtype="0" fill="hold" nodeType="withEffect">
-                                  <p:stCondLst>
-                                    <p:cond delay="0"/>
-                                  </p:stCondLst>
-                                  <p:childTnLst>
-                                    <p:set>
-                                      <p:cBhvr>
-                                        <p:cTn id="42" dur="1" fill="hold">
-                                          <p:stCondLst>
-                                            <p:cond delay="0"/>
-                                          </p:stCondLst>
-                                        </p:cTn>
-                                        <p:tgtEl>
-                                          <p:spTgt spid="31"/>
-                                        </p:tgtEl>
-                                        <p:attrNameLst>
-                                          <p:attrName>style.visibility</p:attrName>
-                                        </p:attrNameLst>
-                                      </p:cBhvr>
-                                      <p:to>
-                                        <p:strVal val="visible"/>
-                                      </p:to>
-                                    </p:set>
-                                  </p:childTnLst>
-                                </p:cTn>
-                              </p:par>
-                              <p:par>
-                                <p:cTn id="43" presetID="1" presetClass="entr" presetSubtype="0" fill="hold" nodeType="withEffect">
-                                  <p:stCondLst>
-                                    <p:cond delay="0"/>
-                                  </p:stCondLst>
-                                  <p:childTnLst>
-                                    <p:set>
-                                      <p:cBhvr>
-                                        <p:cTn id="44" dur="1" fill="hold">
-                                          <p:stCondLst>
-                                            <p:cond delay="0"/>
-                                          </p:stCondLst>
-                                        </p:cTn>
-                                        <p:tgtEl>
-                                          <p:spTgt spid="4"/>
-                                        </p:tgtEl>
-                                        <p:attrNameLst>
-                                          <p:attrName>style.visibility</p:attrName>
-                                        </p:attrNameLst>
-                                      </p:cBhvr>
-                                      <p:to>
-                                        <p:strVal val="visible"/>
-                                      </p:to>
-                                    </p:set>
-                                  </p:childTnLst>
-                                </p:cTn>
-                              </p:par>
-                            </p:childTnLst>
-                          </p:cTn>
-                        </p:par>
-                      </p:childTnLst>
-                    </p:cTn>
-                  </p:par>
-                </p:childTnLst>
-              </p:cTn>
-              <p:prevCondLst>
-                <p:cond evt="onPrev" delay="0">
-                  <p:tgtEl>
-                    <p:sldTgt/>
-                  </p:tgtEl>
-                </p:cond>
-              </p:prevCondLst>
-              <p:nextCondLst>
-                <p:cond evt="onNext" delay="0">
-                  <p:tgtEl>
-                    <p:sldTgt/>
-                  </p:tgtEl>
-                </p:cond>
-              </p:nextCondLst>
-            </p:seq>
-          </p:childTnLst>
-        </p:cTn>
-      </p:par>
-    </p:tnLst>
-    <p:bldLst>
-      <p:bldP spid="14" grpId="0" animBg="1"/>
-      <p:bldP spid="16" grpId="0" animBg="1"/>
-      <p:bldP spid="29" grpId="0" animBg="1"/>
-      <p:bldP spid="30" grpId="0" animBg="1"/>
-      <p:bldP spid="34" grpId="0" animBg="1"/>
-      <p:bldP spid="35" grpId="0" animBg="1"/>
-      <p:bldP spid="36" grpId="0" animBg="1"/>
-      <p:bldP spid="37" grpId="0" animBg="1"/>
-      <p:bldP spid="38" grpId="0" animBg="1"/>
-    </p:bldLst>
-  </p:timing>
-</p:sld>
-</file>
-
-<file path=ppt/slides/slide7.xml><?xml version="1.0" encoding="utf-8"?>
-<p:sld xmlns:a="http://schemas.openxmlformats.org/drawingml/2006/main" xmlns:r="http://schemas.openxmlformats.org/officeDocument/2006/relationships" xmlns:p="http://schemas.openxmlformats.org/presentationml/2006/main">
-  <p:cSld>
-    <p:spTree>
-      <p:nvGrpSpPr>
-        <p:cNvPr id="1" name=""/>
-        <p:cNvGrpSpPr/>
-        <p:nvPr/>
-      </p:nvGrpSpPr>
-      <p:grpSpPr>
-        <a:xfrm>
-          <a:off x="0" y="0"/>
-          <a:ext cx="0" cy="0"/>
-          <a:chOff x="0" y="0"/>
-          <a:chExt cx="0" cy="0"/>
-        </a:xfrm>
-      </p:grpSpPr>
-      <p:sp>
-        <p:nvSpPr>
-          <p:cNvPr id="2" name="Title 1"/>
-          <p:cNvSpPr>
-            <a:spLocks noGrp="1"/>
-          </p:cNvSpPr>
-          <p:nvPr>
-            <p:ph type="title"/>
-          </p:nvPr>
-        </p:nvSpPr>
-        <p:spPr/>
-        <p:txBody>
-          <a:bodyPr/>
-          <a:lstStyle/>
-          <a:p>
-            <a:r>
-              <a:rPr lang="en-US" dirty="0" smtClean="0"/>
-              <a:t>Roles of components</a:t>
-            </a:r>
-            <a:endParaRPr lang="en-US" dirty="0"/>
-          </a:p>
-        </p:txBody>
-      </p:sp>
-      <p:sp>
-        <p:nvSpPr>
-          <p:cNvPr id="3" name="Content Placeholder 2"/>
-          <p:cNvSpPr>
-            <a:spLocks noGrp="1"/>
-          </p:cNvSpPr>
-          <p:nvPr>
-            <p:ph idx="1"/>
-          </p:nvPr>
-        </p:nvSpPr>
-        <p:spPr/>
-        <p:txBody>
-          <a:bodyPr/>
-          <a:lstStyle/>
-          <a:p>
-            <a:r>
-              <a:rPr lang="en-US" dirty="0" smtClean="0"/>
-              <a:t>Monitoring and Control</a:t>
-            </a:r>
-          </a:p>
-          <a:p>
-            <a:pPr lvl="1"/>
-            <a:r>
-              <a:rPr lang="en-US" dirty="0" smtClean="0"/>
-              <a:t>Provide live telemetry from the </a:t>
-            </a:r>
-            <a:r>
-              <a:rPr lang="en-US" dirty="0" err="1" smtClean="0"/>
-              <a:t>IncQuery</a:t>
-            </a:r>
-            <a:r>
-              <a:rPr lang="en-US" dirty="0" smtClean="0"/>
-              <a:t>-D system</a:t>
-            </a:r>
-          </a:p>
-          <a:p>
-            <a:pPr lvl="2"/>
-            <a:r>
-              <a:rPr lang="en-US" dirty="0" smtClean="0"/>
-              <a:t>Rete node and comm. channel statistics</a:t>
-            </a:r>
-          </a:p>
-          <a:p>
-            <a:pPr lvl="2"/>
-            <a:r>
-              <a:rPr lang="en-US" dirty="0" smtClean="0"/>
-              <a:t>DB shard statistics</a:t>
-            </a:r>
-          </a:p>
-          <a:p>
-            <a:pPr lvl="2"/>
-            <a:r>
-              <a:rPr lang="en-US" dirty="0" smtClean="0"/>
-              <a:t>Cloud node resource statistics</a:t>
-            </a:r>
-          </a:p>
-          <a:p>
-            <a:pPr lvl="1"/>
-            <a:r>
-              <a:rPr lang="en-US" dirty="0" smtClean="0"/>
-              <a:t>(Re)configuration and deployment API (and </a:t>
-            </a:r>
-            <a:r>
-              <a:rPr lang="en-US" dirty="0" err="1" smtClean="0"/>
-              <a:t>impl</a:t>
-            </a:r>
-            <a:r>
-              <a:rPr lang="en-US" dirty="0" smtClean="0"/>
-              <a:t>.)</a:t>
-            </a:r>
-          </a:p>
-          <a:p>
-            <a:pPr lvl="2"/>
-            <a:r>
-              <a:rPr lang="en-US" dirty="0" smtClean="0"/>
-              <a:t>Middleware (index) </a:t>
-            </a:r>
-            <a:r>
-              <a:rPr lang="en-US" dirty="0" err="1" smtClean="0"/>
-              <a:t>init</a:t>
-            </a:r>
-            <a:endParaRPr lang="en-US" dirty="0" smtClean="0"/>
-          </a:p>
-          <a:p>
-            <a:pPr lvl="2"/>
-            <a:r>
-              <a:rPr lang="en-US" dirty="0" smtClean="0"/>
-              <a:t>Rete construction, deployment and </a:t>
-            </a:r>
-            <a:r>
-              <a:rPr lang="en-US" dirty="0" err="1" smtClean="0"/>
-              <a:t>init</a:t>
-            </a:r>
-            <a:endParaRPr lang="en-US" dirty="0" smtClean="0"/>
-          </a:p>
-          <a:p>
-            <a:pPr lvl="2"/>
-            <a:r>
-              <a:rPr lang="en-US" dirty="0" smtClean="0"/>
-              <a:t>Reconfiguration</a:t>
-            </a:r>
-          </a:p>
-          <a:p>
-            <a:pPr lvl="3"/>
-            <a:r>
-              <a:rPr lang="en-US" dirty="0" smtClean="0"/>
-              <a:t>Node </a:t>
-            </a:r>
-            <a:r>
-              <a:rPr lang="en-US" dirty="0" err="1" smtClean="0"/>
-              <a:t>sharding</a:t>
-            </a:r>
-            <a:endParaRPr lang="en-US" dirty="0" smtClean="0"/>
-          </a:p>
-          <a:p>
-            <a:pPr lvl="3"/>
-            <a:r>
-              <a:rPr lang="en-US" dirty="0" err="1" smtClean="0"/>
-              <a:t>Reindex</a:t>
-            </a:r>
-            <a:endParaRPr lang="en-US" dirty="0" smtClean="0"/>
-          </a:p>
-          <a:p>
-            <a:pPr lvl="3"/>
-            <a:r>
-              <a:rPr lang="en-US" dirty="0" smtClean="0"/>
-              <a:t>Add / remove cloud nodes</a:t>
-            </a:r>
-            <a:endParaRPr lang="en-US" dirty="0"/>
-          </a:p>
-        </p:txBody>
-      </p:sp>
-    </p:spTree>
-    <p:extLst>
-      <p:ext uri="{BB962C8B-B14F-4D97-AF65-F5344CB8AC3E}">
-        <p14:creationId xmlns:p14="http://schemas.microsoft.com/office/powerpoint/2010/main" val="4238748895"/>
-      </p:ext>
-    </p:extLst>
-  </p:cSld>
-  <p:clrMapOvr>
-    <a:masterClrMapping/>
-  </p:clrMapOvr>
-  <p:timing>
-    <p:tnLst>
-      <p:par>
-        <p:cTn id="1" dur="indefinite" restart="never" nodeType="tmRoot"/>
-      </p:par>
-    </p:tnLst>
-  </p:timing>
-</p:sld>
-</file>
-
 <file path=ppt/slides/slide8.xml><?xml version="1.0" encoding="utf-8"?>
 <p:sld xmlns:a="http://schemas.openxmlformats.org/drawingml/2006/main" xmlns:r="http://schemas.openxmlformats.org/officeDocument/2006/relationships" xmlns:p="http://schemas.openxmlformats.org/presentationml/2006/main">
   <p:cSld>
@@ -16707,7 +17517,7 @@
       </p:grpSpPr>
       <p:sp>
         <p:nvSpPr>
-          <p:cNvPr id="2" name="Title 1"/>
+          <p:cNvPr id="2" name="Cím 1"/>
           <p:cNvSpPr>
             <a:spLocks noGrp="1"/>
           </p:cNvSpPr>
@@ -16722,15 +17532,15 @@
           <a:p>
             <a:r>
               <a:rPr lang="en-US" dirty="0" smtClean="0"/>
-              <a:t>Roles of components 2.</a:t>
-            </a:r>
-            <a:endParaRPr lang="en-US" dirty="0"/>
+              <a:t>Titan Remarks</a:t>
+            </a:r>
+            <a:endParaRPr lang="hu-HU" dirty="0"/>
           </a:p>
         </p:txBody>
       </p:sp>
       <p:sp>
         <p:nvSpPr>
-          <p:cNvPr id="3" name="Content Placeholder 2"/>
+          <p:cNvPr id="3" name="Tartalom helye 2"/>
           <p:cNvSpPr>
             <a:spLocks noGrp="1"/>
           </p:cNvSpPr>
@@ -16744,130 +17554,58 @@
           <a:lstStyle/>
           <a:p>
             <a:r>
-              <a:rPr lang="en-US" sz="2800" dirty="0" smtClean="0"/>
-              <a:t>Tooling</a:t>
-            </a:r>
-          </a:p>
-          <a:p>
-            <a:pPr lvl="1"/>
-            <a:r>
-              <a:rPr lang="en-US" sz="2400" dirty="0" smtClean="0"/>
-              <a:t>EMF-</a:t>
-            </a:r>
-            <a:r>
-              <a:rPr lang="en-US" sz="2400" dirty="0" err="1" smtClean="0"/>
-              <a:t>IncQuery</a:t>
-            </a:r>
-            <a:r>
-              <a:rPr lang="en-US" sz="2400" dirty="0" smtClean="0"/>
-              <a:t>: IQPL + Rete layout</a:t>
-            </a:r>
-          </a:p>
-          <a:p>
-            <a:pPr lvl="1"/>
-            <a:r>
-              <a:rPr lang="en-US" sz="2400" dirty="0" smtClean="0"/>
-              <a:t>Live models: live Rete, Cloud and Deployment models</a:t>
-            </a:r>
-          </a:p>
-          <a:p>
-            <a:pPr lvl="2"/>
-            <a:r>
-              <a:rPr lang="en-US" sz="2000" dirty="0" smtClean="0"/>
-              <a:t>Updated from monitoring telemetry</a:t>
-            </a:r>
-          </a:p>
-          <a:p>
-            <a:pPr lvl="2"/>
-            <a:r>
-              <a:rPr lang="en-US" sz="2000" dirty="0" smtClean="0"/>
-              <a:t>Changes propagated to </a:t>
-            </a:r>
-            <a:r>
-              <a:rPr lang="en-US" sz="2000" dirty="0" err="1" smtClean="0"/>
-              <a:t>IncQuery</a:t>
-            </a:r>
-            <a:r>
-              <a:rPr lang="hu-HU" sz="2000" dirty="0" smtClean="0"/>
-              <a:t>-</a:t>
-            </a:r>
-            <a:r>
-              <a:rPr lang="en-US" sz="2000" dirty="0" smtClean="0"/>
-              <a:t>D </a:t>
-            </a:r>
-            <a:r>
-              <a:rPr lang="en-US" sz="2000" dirty="0" smtClean="0"/>
-              <a:t>via Control</a:t>
-            </a:r>
-          </a:p>
-          <a:p>
-            <a:r>
-              <a:rPr lang="en-US" sz="2800" dirty="0" smtClean="0"/>
-              <a:t>Runtime</a:t>
-            </a:r>
-          </a:p>
-          <a:p>
-            <a:pPr lvl="1"/>
-            <a:r>
-              <a:rPr lang="en-US" sz="2400" dirty="0" smtClean="0"/>
-              <a:t>DSE: </a:t>
-            </a:r>
-          </a:p>
-          <a:p>
-            <a:pPr lvl="2"/>
-            <a:r>
-              <a:rPr lang="en-US" sz="2000" dirty="0" smtClean="0"/>
-              <a:t>Allocation optimization</a:t>
-            </a:r>
-          </a:p>
-          <a:p>
-            <a:pPr lvl="2"/>
-            <a:r>
-              <a:rPr lang="en-US" sz="2000" dirty="0" smtClean="0"/>
-              <a:t>Dynamic reconfiguration</a:t>
-            </a:r>
-          </a:p>
-          <a:p>
-            <a:pPr lvl="1"/>
-            <a:r>
-              <a:rPr lang="en-US" sz="2400" dirty="0" smtClean="0"/>
-              <a:t>CEP </a:t>
-            </a:r>
-            <a:r>
-              <a:rPr lang="en-US" sz="2400" dirty="0" smtClean="0"/>
-              <a:t>(optionally</a:t>
-            </a:r>
-            <a:r>
-              <a:rPr lang="en-US" sz="2400" dirty="0" smtClean="0"/>
-              <a:t>)</a:t>
-            </a:r>
-            <a:r>
-              <a:rPr lang="hu-HU" sz="2400" dirty="0" smtClean="0"/>
-              <a:t>:</a:t>
-            </a:r>
-            <a:endParaRPr lang="en-US" sz="2400" dirty="0" smtClean="0"/>
-          </a:p>
-          <a:p>
-            <a:pPr lvl="2"/>
-            <a:r>
-              <a:rPr lang="en-US" sz="2000" dirty="0" smtClean="0"/>
-              <a:t>Identify complex events in the monitoring event stream</a:t>
-            </a:r>
-          </a:p>
-          <a:p>
-            <a:pPr lvl="2"/>
-            <a:r>
-              <a:rPr lang="en-US" sz="2000" dirty="0" smtClean="0"/>
-              <a:t>Trigger control actions (reconfiguration)</a:t>
-            </a:r>
-            <a:endParaRPr lang="en-US" sz="2000" dirty="0"/>
+              <a:rPr lang="en-US" dirty="0"/>
+              <a:t>Property graph data model</a:t>
+            </a:r>
+          </a:p>
+          <a:p>
+            <a:r>
+              <a:rPr lang="en-US" dirty="0" smtClean="0"/>
+              <a:t>Parallel load</a:t>
+            </a:r>
+          </a:p>
+          <a:p>
+            <a:r>
+              <a:rPr lang="en-US" dirty="0" smtClean="0"/>
+              <a:t>Input loaded from a distributed file system (HDFS)</a:t>
+            </a:r>
+          </a:p>
+          <a:p>
+            <a:r>
+              <a:rPr lang="en-US" dirty="0" smtClean="0"/>
+              <a:t>Automatic </a:t>
+            </a:r>
+            <a:r>
+              <a:rPr lang="en-US" dirty="0" err="1" smtClean="0"/>
+              <a:t>sharding</a:t>
+            </a:r>
+            <a:endParaRPr lang="en-US" dirty="0" smtClean="0"/>
+          </a:p>
+          <a:p>
+            <a:r>
+              <a:rPr lang="en-US" dirty="0" smtClean="0"/>
+              <a:t>Unique identifier generation is supported</a:t>
+            </a:r>
+          </a:p>
+          <a:p>
+            <a:r>
+              <a:rPr lang="en-US" dirty="0" smtClean="0"/>
+              <a:t>Single-node transactions</a:t>
+            </a:r>
+          </a:p>
+          <a:p>
+            <a:r>
+              <a:rPr lang="en-US" dirty="0" smtClean="0"/>
+              <a:t>In theory, Faunus is capable of running distributed Gremlin queries (but does not use indices)</a:t>
+            </a:r>
+            <a:endParaRPr lang="hu-HU" dirty="0"/>
           </a:p>
         </p:txBody>
       </p:sp>
     </p:spTree>
     <p:extLst>
       <p:ext uri="{BB962C8B-B14F-4D97-AF65-F5344CB8AC3E}">
-        <p14:creationId xmlns:p14="http://schemas.microsoft.com/office/powerpoint/2010/main" val="1397920723"/>
+        <p14:creationId xmlns:p14="http://schemas.microsoft.com/office/powerpoint/2010/main" val="493992187"/>
       </p:ext>
     </p:extLst>
   </p:cSld>
@@ -16903,7 +17641,7 @@
       </p:grpSpPr>
       <p:sp>
         <p:nvSpPr>
-          <p:cNvPr id="2" name="Title 1"/>
+          <p:cNvPr id="2" name="Cím 1"/>
           <p:cNvSpPr>
             <a:spLocks noGrp="1"/>
           </p:cNvSpPr>
@@ -16918,15 +17656,421 @@
           <a:p>
             <a:r>
               <a:rPr lang="en-US" dirty="0" smtClean="0"/>
-              <a:t>Post-TDK TODOs</a:t>
-            </a:r>
-            <a:endParaRPr lang="en-US" dirty="0"/>
+              <a:t>Technology Overview</a:t>
+            </a:r>
+            <a:endParaRPr lang="hu-HU" dirty="0"/>
           </a:p>
         </p:txBody>
       </p:sp>
+      <p:graphicFrame>
+        <p:nvGraphicFramePr>
+          <p:cNvPr id="9" name="Tartalom helye 3"/>
+          <p:cNvGraphicFramePr>
+            <a:graphicFrameLocks/>
+          </p:cNvGraphicFramePr>
+          <p:nvPr>
+            <p:extLst>
+              <p:ext uri="{D42A27DB-BD31-4B8C-83A1-F6EECF244321}">
+                <p14:modId xmlns:p14="http://schemas.microsoft.com/office/powerpoint/2010/main" val="3366082973"/>
+              </p:ext>
+            </p:extLst>
+          </p:nvPr>
+        </p:nvGraphicFramePr>
+        <p:xfrm>
+          <a:off x="142876" y="857250"/>
+          <a:ext cx="8812437" cy="1752600"/>
+        </p:xfrm>
+        <a:graphic>
+          <a:graphicData uri="http://schemas.openxmlformats.org/drawingml/2006/table">
+            <a:tbl>
+              <a:tblPr firstRow="1" bandRow="1">
+                <a:tableStyleId>{00A15C55-8517-42AA-B614-E9B94910E393}</a:tableStyleId>
+              </a:tblPr>
+              <a:tblGrid>
+                <a:gridCol w="1275088"/>
+                <a:gridCol w="1599659"/>
+                <a:gridCol w="1176418"/>
+                <a:gridCol w="1482369"/>
+                <a:gridCol w="1382826"/>
+                <a:gridCol w="1896077"/>
+              </a:tblGrid>
+              <a:tr h="370840">
+                <a:tc>
+                  <a:txBody>
+                    <a:bodyPr/>
+                    <a:lstStyle/>
+                    <a:p>
+                      <a:pPr algn="ctr"/>
+                      <a:r>
+                        <a:rPr lang="en-US" dirty="0" smtClean="0"/>
+                        <a:t>Technology</a:t>
+                      </a:r>
+                      <a:endParaRPr lang="hu-HU" dirty="0"/>
+                    </a:p>
+                  </a:txBody>
+                  <a:tcPr anchor="ctr"/>
+                </a:tc>
+                <a:tc>
+                  <a:txBody>
+                    <a:bodyPr/>
+                    <a:lstStyle/>
+                    <a:p>
+                      <a:pPr algn="ctr"/>
+                      <a:r>
+                        <a:rPr lang="en-US" dirty="0" smtClean="0"/>
+                        <a:t>Data</a:t>
+                      </a:r>
+                      <a:r>
+                        <a:rPr lang="en-US" baseline="0" dirty="0" smtClean="0"/>
+                        <a:t> model</a:t>
+                      </a:r>
+                      <a:endParaRPr lang="hu-HU" dirty="0"/>
+                    </a:p>
+                  </a:txBody>
+                  <a:tcPr anchor="ctr"/>
+                </a:tc>
+                <a:tc>
+                  <a:txBody>
+                    <a:bodyPr/>
+                    <a:lstStyle/>
+                    <a:p>
+                      <a:pPr algn="ctr"/>
+                      <a:r>
+                        <a:rPr lang="en-US" dirty="0" err="1" smtClean="0"/>
+                        <a:t>Sharding</a:t>
+                      </a:r>
+                      <a:endParaRPr lang="hu-HU" dirty="0"/>
+                    </a:p>
+                  </a:txBody>
+                  <a:tcPr anchor="ctr"/>
+                </a:tc>
+                <a:tc>
+                  <a:txBody>
+                    <a:bodyPr/>
+                    <a:lstStyle/>
+                    <a:p>
+                      <a:pPr algn="ctr"/>
+                      <a:r>
+                        <a:rPr lang="en-US" dirty="0" smtClean="0"/>
+                        <a:t>Distribution operation</a:t>
+                      </a:r>
+                      <a:endParaRPr lang="hu-HU" dirty="0"/>
+                    </a:p>
+                  </a:txBody>
+                  <a:tcPr anchor="ctr"/>
+                </a:tc>
+                <a:tc>
+                  <a:txBody>
+                    <a:bodyPr/>
+                    <a:lstStyle/>
+                    <a:p>
+                      <a:pPr algn="ctr"/>
+                      <a:r>
+                        <a:rPr lang="en-US" dirty="0" smtClean="0"/>
+                        <a:t>DML </a:t>
+                      </a:r>
+                      <a:r>
+                        <a:rPr lang="en-US" baseline="0" dirty="0" smtClean="0"/>
+                        <a:t>facility used</a:t>
+                      </a:r>
+                      <a:endParaRPr lang="hu-HU" dirty="0"/>
+                    </a:p>
+                  </a:txBody>
+                  <a:tcPr anchor="ctr"/>
+                </a:tc>
+                <a:tc>
+                  <a:txBody>
+                    <a:bodyPr/>
+                    <a:lstStyle/>
+                    <a:p>
+                      <a:pPr algn="ctr"/>
+                      <a:r>
+                        <a:rPr lang="en-US" dirty="0" smtClean="0"/>
+                        <a:t>Identifier</a:t>
+                      </a:r>
+                      <a:r>
+                        <a:rPr lang="en-US" baseline="0" dirty="0" smtClean="0"/>
+                        <a:t> generation</a:t>
+                      </a:r>
+                      <a:endParaRPr lang="hu-HU" dirty="0"/>
+                    </a:p>
+                  </a:txBody>
+                  <a:tcPr anchor="ctr"/>
+                </a:tc>
+              </a:tr>
+              <a:tr h="370840">
+                <a:tc>
+                  <a:txBody>
+                    <a:bodyPr/>
+                    <a:lstStyle/>
+                    <a:p>
+                      <a:r>
+                        <a:rPr lang="en-US" dirty="0" smtClean="0"/>
+                        <a:t>Neo4j</a:t>
+                      </a:r>
+                      <a:endParaRPr lang="hu-HU" dirty="0"/>
+                    </a:p>
+                  </a:txBody>
+                  <a:tcPr/>
+                </a:tc>
+                <a:tc>
+                  <a:txBody>
+                    <a:bodyPr/>
+                    <a:lstStyle/>
+                    <a:p>
+                      <a:r>
+                        <a:rPr lang="en-US" dirty="0" smtClean="0"/>
+                        <a:t>Property</a:t>
+                      </a:r>
+                      <a:r>
+                        <a:rPr lang="en-US" baseline="0" dirty="0" smtClean="0"/>
+                        <a:t> graph</a:t>
+                      </a:r>
+                      <a:endParaRPr lang="hu-HU" dirty="0"/>
+                    </a:p>
+                  </a:txBody>
+                  <a:tcPr/>
+                </a:tc>
+                <a:tc>
+                  <a:txBody>
+                    <a:bodyPr/>
+                    <a:lstStyle/>
+                    <a:p>
+                      <a:r>
+                        <a:rPr lang="en-US" dirty="0" smtClean="0"/>
+                        <a:t>Manual</a:t>
+                      </a:r>
+                      <a:endParaRPr lang="hu-HU" dirty="0"/>
+                    </a:p>
+                  </a:txBody>
+                  <a:tcPr/>
+                </a:tc>
+                <a:tc>
+                  <a:txBody>
+                    <a:bodyPr/>
+                    <a:lstStyle/>
+                    <a:p>
+                      <a:r>
+                        <a:rPr lang="en-US" dirty="0" smtClean="0"/>
+                        <a:t>Manual</a:t>
+                      </a:r>
+                      <a:endParaRPr lang="hu-HU" dirty="0"/>
+                    </a:p>
+                  </a:txBody>
+                  <a:tcPr/>
+                </a:tc>
+                <a:tc>
+                  <a:txBody>
+                    <a:bodyPr/>
+                    <a:lstStyle/>
+                    <a:p>
+                      <a:r>
+                        <a:rPr lang="en-US" dirty="0" smtClean="0"/>
+                        <a:t>Cypher</a:t>
+                      </a:r>
+                      <a:endParaRPr lang="hu-HU" dirty="0"/>
+                    </a:p>
+                  </a:txBody>
+                  <a:tcPr/>
+                </a:tc>
+                <a:tc>
+                  <a:txBody>
+                    <a:bodyPr/>
+                    <a:lstStyle/>
+                    <a:p>
+                      <a:r>
+                        <a:rPr lang="en-US" dirty="0" smtClean="0"/>
+                        <a:t>Manual</a:t>
+                      </a:r>
+                      <a:endParaRPr lang="hu-HU" dirty="0"/>
+                    </a:p>
+                  </a:txBody>
+                  <a:tcPr/>
+                </a:tc>
+              </a:tr>
+              <a:tr h="370840">
+                <a:tc>
+                  <a:txBody>
+                    <a:bodyPr/>
+                    <a:lstStyle/>
+                    <a:p>
+                      <a:r>
+                        <a:rPr lang="en-US" dirty="0" smtClean="0"/>
+                        <a:t>4store</a:t>
+                      </a:r>
+                      <a:endParaRPr lang="hu-HU" dirty="0"/>
+                    </a:p>
+                  </a:txBody>
+                  <a:tcPr/>
+                </a:tc>
+                <a:tc>
+                  <a:txBody>
+                    <a:bodyPr/>
+                    <a:lstStyle/>
+                    <a:p>
+                      <a:r>
+                        <a:rPr lang="en-US" dirty="0" smtClean="0"/>
+                        <a:t>RDF</a:t>
+                      </a:r>
+                      <a:endParaRPr lang="hu-HU" dirty="0"/>
+                    </a:p>
+                  </a:txBody>
+                  <a:tcPr/>
+                </a:tc>
+                <a:tc>
+                  <a:txBody>
+                    <a:bodyPr/>
+                    <a:lstStyle/>
+                    <a:p>
+                      <a:r>
+                        <a:rPr lang="en-US" dirty="0" smtClean="0"/>
+                        <a:t>Automatic</a:t>
+                      </a:r>
+                      <a:endParaRPr lang="hu-HU" dirty="0"/>
+                    </a:p>
+                  </a:txBody>
+                  <a:tcPr/>
+                </a:tc>
+                <a:tc>
+                  <a:txBody>
+                    <a:bodyPr/>
+                    <a:lstStyle/>
+                    <a:p>
+                      <a:r>
+                        <a:rPr lang="en-US" dirty="0" smtClean="0"/>
+                        <a:t>Manual</a:t>
+                      </a:r>
+                      <a:endParaRPr lang="hu-HU" dirty="0"/>
+                    </a:p>
+                  </a:txBody>
+                  <a:tcPr/>
+                </a:tc>
+                <a:tc>
+                  <a:txBody>
+                    <a:bodyPr/>
+                    <a:lstStyle/>
+                    <a:p>
+                      <a:r>
+                        <a:rPr lang="en-US" dirty="0" smtClean="0"/>
+                        <a:t>SPARQL</a:t>
+                      </a:r>
+                      <a:endParaRPr lang="hu-HU" dirty="0"/>
+                    </a:p>
+                  </a:txBody>
+                  <a:tcPr/>
+                </a:tc>
+                <a:tc>
+                  <a:txBody>
+                    <a:bodyPr/>
+                    <a:lstStyle/>
+                    <a:p>
+                      <a:r>
+                        <a:rPr lang="en-US" dirty="0" smtClean="0"/>
+                        <a:t>Manual</a:t>
+                      </a:r>
+                      <a:endParaRPr lang="hu-HU" dirty="0"/>
+                    </a:p>
+                  </a:txBody>
+                  <a:tcPr/>
+                </a:tc>
+              </a:tr>
+              <a:tr h="370840">
+                <a:tc>
+                  <a:txBody>
+                    <a:bodyPr/>
+                    <a:lstStyle/>
+                    <a:p>
+                      <a:r>
+                        <a:rPr lang="en-US" dirty="0" smtClean="0"/>
+                        <a:t>Titan</a:t>
+                      </a:r>
+                      <a:endParaRPr lang="hu-HU" dirty="0"/>
+                    </a:p>
+                  </a:txBody>
+                  <a:tcPr/>
+                </a:tc>
+                <a:tc>
+                  <a:txBody>
+                    <a:bodyPr/>
+                    <a:lstStyle/>
+                    <a:p>
+                      <a:r>
+                        <a:rPr lang="en-US" dirty="0" smtClean="0"/>
+                        <a:t>Property graph</a:t>
+                      </a:r>
+                      <a:endParaRPr lang="hu-HU" dirty="0"/>
+                    </a:p>
+                  </a:txBody>
+                  <a:tcPr/>
+                </a:tc>
+                <a:tc>
+                  <a:txBody>
+                    <a:bodyPr/>
+                    <a:lstStyle/>
+                    <a:p>
+                      <a:r>
+                        <a:rPr lang="en-US" dirty="0" smtClean="0"/>
+                        <a:t>Automatic</a:t>
+                      </a:r>
+                      <a:endParaRPr lang="hu-HU" dirty="0"/>
+                    </a:p>
+                  </a:txBody>
+                  <a:tcPr/>
+                </a:tc>
+                <a:tc>
+                  <a:txBody>
+                    <a:bodyPr/>
+                    <a:lstStyle/>
+                    <a:p>
+                      <a:r>
+                        <a:rPr lang="en-US" dirty="0" smtClean="0"/>
+                        <a:t>Automatic</a:t>
+                      </a:r>
+                      <a:r>
+                        <a:rPr lang="en-US" baseline="0" dirty="0" smtClean="0"/>
+                        <a:t> (?)</a:t>
+                      </a:r>
+                      <a:endParaRPr lang="hu-HU" dirty="0"/>
+                    </a:p>
+                  </a:txBody>
+                  <a:tcPr/>
+                </a:tc>
+                <a:tc>
+                  <a:txBody>
+                    <a:bodyPr/>
+                    <a:lstStyle/>
+                    <a:p>
+                      <a:r>
+                        <a:rPr lang="en-US" dirty="0" smtClean="0"/>
+                        <a:t>Gremlin*</a:t>
+                      </a:r>
+                      <a:endParaRPr lang="hu-HU" dirty="0"/>
+                    </a:p>
+                  </a:txBody>
+                  <a:tcPr/>
+                </a:tc>
+                <a:tc>
+                  <a:txBody>
+                    <a:bodyPr/>
+                    <a:lstStyle/>
+                    <a:p>
+                      <a:r>
+                        <a:rPr lang="en-US" dirty="0" smtClean="0"/>
+                        <a:t>Automatic</a:t>
+                      </a:r>
+                      <a:endParaRPr lang="hu-HU" dirty="0"/>
+                    </a:p>
+                  </a:txBody>
+                  <a:tcPr/>
+                </a:tc>
+              </a:tr>
+            </a:tbl>
+          </a:graphicData>
+        </a:graphic>
+      </p:graphicFrame>
       <p:sp>
         <p:nvSpPr>
-          <p:cNvPr id="3" name="Content Placeholder 2"/>
+          <p:cNvPr id="5" name="Tartalom helye 4"/>
           <p:cNvSpPr>
             <a:spLocks noGrp="1"/>
           </p:cNvSpPr>
@@ -16934,249 +18078,31 @@
             <p:ph idx="1"/>
           </p:nvPr>
         </p:nvSpPr>
-        <p:spPr/>
+        <p:spPr>
+          <a:xfrm>
+            <a:off x="142875" y="2757715"/>
+            <a:ext cx="8858250" cy="3628798"/>
+          </a:xfrm>
+        </p:spPr>
         <p:txBody>
           <a:bodyPr/>
           <a:lstStyle/>
           <a:p>
-            <a:r>
-              <a:rPr lang="hu-HU" dirty="0" err="1" smtClean="0"/>
-              <a:t>Integration</a:t>
-            </a:r>
-            <a:r>
-              <a:rPr lang="hu-HU" dirty="0" smtClean="0"/>
-              <a:t> </a:t>
-            </a:r>
-            <a:r>
-              <a:rPr lang="hu-HU" dirty="0" err="1" smtClean="0"/>
-              <a:t>with</a:t>
-            </a:r>
-            <a:r>
-              <a:rPr lang="hu-HU" dirty="0" smtClean="0"/>
-              <a:t> </a:t>
-            </a:r>
-            <a:r>
-              <a:rPr lang="hu-HU" dirty="0" err="1" smtClean="0"/>
-              <a:t>Eclipse</a:t>
-            </a:r>
-            <a:r>
-              <a:rPr lang="hu-HU" dirty="0" smtClean="0"/>
-              <a:t> </a:t>
-            </a:r>
-            <a:r>
-              <a:rPr lang="hu-HU" dirty="0" err="1" smtClean="0"/>
-              <a:t>in</a:t>
-            </a:r>
-            <a:r>
-              <a:rPr lang="hu-HU" dirty="0" smtClean="0"/>
-              <a:t> </a:t>
-            </a:r>
-            <a:r>
-              <a:rPr lang="hu-HU" dirty="0" err="1" smtClean="0"/>
-              <a:t>EMF-IncQuery</a:t>
-            </a:r>
-            <a:r>
-              <a:rPr lang="hu-HU" dirty="0" smtClean="0"/>
-              <a:t>’s </a:t>
-            </a:r>
-            <a:r>
-              <a:rPr lang="hu-HU" dirty="0" err="1" smtClean="0"/>
-              <a:t>fashion</a:t>
-            </a:r>
-            <a:endParaRPr lang="hu-HU" dirty="0" smtClean="0"/>
-          </a:p>
-          <a:p>
-            <a:r>
-              <a:rPr lang="hu-HU" dirty="0" err="1" smtClean="0"/>
-              <a:t>Automatic</a:t>
-            </a:r>
-            <a:r>
-              <a:rPr lang="hu-HU" dirty="0" smtClean="0"/>
-              <a:t> </a:t>
-            </a:r>
-            <a:r>
-              <a:rPr lang="hu-HU" dirty="0" err="1" smtClean="0"/>
-              <a:t>configuration</a:t>
-            </a:r>
-            <a:r>
-              <a:rPr lang="hu-HU" dirty="0" smtClean="0"/>
-              <a:t> of </a:t>
-            </a:r>
-            <a:r>
-              <a:rPr lang="hu-HU" dirty="0" err="1" smtClean="0"/>
-              <a:t>cloud</a:t>
-            </a:r>
-            <a:r>
-              <a:rPr lang="hu-HU" dirty="0" smtClean="0"/>
-              <a:t> servers</a:t>
-            </a:r>
-          </a:p>
-          <a:p>
-            <a:r>
-              <a:rPr lang="hu-HU" dirty="0" err="1" smtClean="0"/>
-              <a:t>Support</a:t>
-            </a:r>
-            <a:r>
-              <a:rPr lang="hu-HU" dirty="0" smtClean="0"/>
-              <a:t> </a:t>
-            </a:r>
-            <a:r>
-              <a:rPr lang="hu-HU" dirty="0" err="1" smtClean="0"/>
-              <a:t>for</a:t>
-            </a:r>
-            <a:r>
-              <a:rPr lang="hu-HU" dirty="0" smtClean="0"/>
-              <a:t> more </a:t>
-            </a:r>
-            <a:r>
-              <a:rPr lang="hu-HU" dirty="0" err="1" smtClean="0"/>
-              <a:t>complex</a:t>
-            </a:r>
-            <a:r>
-              <a:rPr lang="hu-HU" dirty="0" smtClean="0"/>
-              <a:t> </a:t>
-            </a:r>
-            <a:r>
-              <a:rPr lang="hu-HU" dirty="0" err="1" smtClean="0"/>
-              <a:t>queries</a:t>
-            </a:r>
-            <a:endParaRPr lang="hu-HU" dirty="0" smtClean="0"/>
-          </a:p>
-          <a:p>
-            <a:pPr lvl="1"/>
-            <a:r>
-              <a:rPr lang="hu-HU" dirty="0" err="1" smtClean="0"/>
-              <a:t>recursive</a:t>
-            </a:r>
-            <a:r>
-              <a:rPr lang="hu-HU" dirty="0" smtClean="0"/>
-              <a:t> </a:t>
-            </a:r>
-            <a:r>
-              <a:rPr lang="hu-HU" dirty="0" err="1" smtClean="0"/>
-              <a:t>patterns</a:t>
-            </a:r>
-            <a:endParaRPr lang="hu-HU" dirty="0" smtClean="0"/>
-          </a:p>
-          <a:p>
-            <a:pPr lvl="1"/>
-            <a:r>
-              <a:rPr lang="hu-HU" dirty="0" err="1" smtClean="0"/>
-              <a:t>check</a:t>
-            </a:r>
-            <a:r>
-              <a:rPr lang="hu-HU" dirty="0" smtClean="0"/>
-              <a:t> </a:t>
-            </a:r>
-            <a:r>
-              <a:rPr lang="hu-HU" dirty="0" err="1" smtClean="0"/>
-              <a:t>expressions</a:t>
-            </a:r>
-            <a:endParaRPr lang="hu-HU" dirty="0" smtClean="0"/>
-          </a:p>
-          <a:p>
-            <a:r>
-              <a:rPr lang="hu-HU" dirty="0" err="1" smtClean="0"/>
-              <a:t>Experiment</a:t>
-            </a:r>
-            <a:r>
-              <a:rPr lang="hu-HU" dirty="0" smtClean="0"/>
-              <a:t> </a:t>
-            </a:r>
-            <a:r>
-              <a:rPr lang="hu-HU" dirty="0" err="1" smtClean="0"/>
-              <a:t>with</a:t>
-            </a:r>
-            <a:r>
-              <a:rPr lang="hu-HU" dirty="0" smtClean="0"/>
-              <a:t> </a:t>
-            </a:r>
-            <a:r>
-              <a:rPr lang="hu-HU" dirty="0" err="1" smtClean="0"/>
-              <a:t>other</a:t>
-            </a:r>
-            <a:r>
-              <a:rPr lang="hu-HU" dirty="0" smtClean="0"/>
-              <a:t> </a:t>
-            </a:r>
-            <a:r>
-              <a:rPr lang="hu-HU" dirty="0" err="1" smtClean="0"/>
-              <a:t>storage</a:t>
-            </a:r>
-            <a:r>
-              <a:rPr lang="hu-HU" dirty="0" smtClean="0"/>
-              <a:t> </a:t>
-            </a:r>
-            <a:r>
-              <a:rPr lang="hu-HU" dirty="0" err="1" smtClean="0"/>
-              <a:t>backends</a:t>
-            </a:r>
-            <a:endParaRPr lang="hu-HU" dirty="0" smtClean="0"/>
-          </a:p>
-          <a:p>
+            <a:pPr marL="0" indent="0">
+              <a:buNone/>
+            </a:pPr>
             <a:r>
               <a:rPr lang="en-US" dirty="0" smtClean="0"/>
-              <a:t>Utilize </a:t>
-            </a:r>
-            <a:r>
-              <a:rPr lang="en-US" dirty="0" err="1" smtClean="0"/>
-              <a:t>Akka’s</a:t>
-            </a:r>
-            <a:r>
-              <a:rPr lang="en-US" dirty="0" smtClean="0"/>
-              <a:t> cluster support</a:t>
-            </a:r>
-            <a:endParaRPr lang="hu-HU" dirty="0" smtClean="0"/>
-          </a:p>
-          <a:p>
-            <a:r>
-              <a:rPr lang="hu-HU" dirty="0" err="1" smtClean="0"/>
-              <a:t>Adopt</a:t>
-            </a:r>
-            <a:r>
-              <a:rPr lang="hu-HU" dirty="0" smtClean="0"/>
-              <a:t> Scala </a:t>
-            </a:r>
-            <a:r>
-              <a:rPr lang="hu-HU" dirty="0" err="1" smtClean="0"/>
-              <a:t>in</a:t>
-            </a:r>
-            <a:r>
-              <a:rPr lang="hu-HU" dirty="0" smtClean="0"/>
-              <a:t> </a:t>
-            </a:r>
-            <a:r>
-              <a:rPr lang="hu-HU" dirty="0" err="1" smtClean="0"/>
-              <a:t>the</a:t>
-            </a:r>
-            <a:r>
-              <a:rPr lang="hu-HU" dirty="0" smtClean="0"/>
-              <a:t> </a:t>
-            </a:r>
-            <a:r>
-              <a:rPr lang="hu-HU" dirty="0" err="1" smtClean="0"/>
-              <a:t>production</a:t>
-            </a:r>
-            <a:r>
-              <a:rPr lang="hu-HU" dirty="0" smtClean="0"/>
-              <a:t> </a:t>
-            </a:r>
-            <a:r>
-              <a:rPr lang="hu-HU" dirty="0" err="1" smtClean="0"/>
-              <a:t>network</a:t>
-            </a:r>
-            <a:r>
-              <a:rPr lang="en-US" dirty="0" smtClean="0"/>
-              <a:t>’s code</a:t>
-            </a:r>
-            <a:endParaRPr lang="en-US" dirty="0"/>
+              <a:t>* Currently not used in the benchmark.</a:t>
+            </a:r>
+            <a:endParaRPr lang="hu-HU" dirty="0"/>
           </a:p>
         </p:txBody>
       </p:sp>
     </p:spTree>
     <p:extLst>
       <p:ext uri="{BB962C8B-B14F-4D97-AF65-F5344CB8AC3E}">
-        <p14:creationId xmlns:p14="http://schemas.microsoft.com/office/powerpoint/2010/main" val="2251547100"/>
+        <p14:creationId xmlns:p14="http://schemas.microsoft.com/office/powerpoint/2010/main" val="3346536674"/>
       </p:ext>
     </p:extLst>
   </p:cSld>
